--- a/(宣道詩80)信靠順服.pptx
+++ b/(宣道詩80)信靠順服.pptx
@@ -6,19 +6,15 @@
   </p:sldMasterIdLst>
   <p:sldIdLst>
     <p:sldId id="256" r:id="rId2"/>
-    <p:sldId id="257" r:id="rId3"/>
-    <p:sldId id="258" r:id="rId4"/>
-    <p:sldId id="259" r:id="rId5"/>
-    <p:sldId id="260" r:id="rId6"/>
-    <p:sldId id="261" r:id="rId7"/>
-    <p:sldId id="262" r:id="rId8"/>
-    <p:sldId id="263" r:id="rId9"/>
-    <p:sldId id="264" r:id="rId10"/>
-    <p:sldId id="265" r:id="rId11"/>
-    <p:sldId id="266" r:id="rId12"/>
-    <p:sldId id="267" r:id="rId13"/>
+    <p:sldId id="268" r:id="rId3"/>
+    <p:sldId id="269" r:id="rId4"/>
+    <p:sldId id="270" r:id="rId5"/>
+    <p:sldId id="271" r:id="rId6"/>
+    <p:sldId id="272" r:id="rId7"/>
+    <p:sldId id="273" r:id="rId8"/>
+    <p:sldId id="274" r:id="rId9"/>
   </p:sldIdLst>
-  <p:sldSz cx="9144000" cy="6858000" type="screen4x3"/>
+  <p:sldSz cx="12192000" cy="6858000"/>
   <p:notesSz cx="6858000" cy="9144000"/>
   <p:defaultTextStyle>
     <a:defPPr>
@@ -115,6 +111,22 @@
       </a:defRPr>
     </a:lvl9pPr>
   </p:defaultTextStyle>
+  <p:extLst>
+    <p:ext uri="{EFAFB233-063F-42B5-8137-9DF3F51BA10A}">
+      <p15:sldGuideLst xmlns:p15="http://schemas.microsoft.com/office/powerpoint/2012/main">
+        <p15:guide id="1" orient="horz" pos="2160" userDrawn="1">
+          <p15:clr>
+            <a:srgbClr val="A4A3A4"/>
+          </p15:clr>
+        </p15:guide>
+        <p15:guide id="2" pos="3840" userDrawn="1">
+          <p15:clr>
+            <a:srgbClr val="A4A3A4"/>
+          </p15:clr>
+        </p15:guide>
+      </p15:sldGuideLst>
+    </p:ext>
+  </p:extLst>
 </p:presentation>
 </file>
 
@@ -147,8 +159,8 @@
         </p:nvSpPr>
         <p:spPr>
           <a:xfrm>
-            <a:off x="685800" y="2130425"/>
-            <a:ext cx="7772400" cy="1470025"/>
+            <a:off x="914400" y="2130426"/>
+            <a:ext cx="10363200" cy="1470025"/>
           </a:xfrm>
         </p:spPr>
         <p:txBody>
@@ -175,8 +187,8 @@
         </p:nvSpPr>
         <p:spPr>
           <a:xfrm>
-            <a:off x="1371600" y="3886200"/>
-            <a:ext cx="6400800" cy="1752600"/>
+            <a:off x="1828800" y="3886200"/>
+            <a:ext cx="8534400" cy="1752600"/>
           </a:xfrm>
         </p:spPr>
         <p:txBody>
@@ -300,7 +312,7 @@
             <a:fld id="{A390BB82-1436-414E-953E-AA268D099EB7}" type="datetimeFigureOut">
               <a:rPr lang="zh-TW" altLang="en-US" smtClean="0"/>
               <a:pPr/>
-              <a:t>2018/3/10</a:t>
+              <a:t>2020/4/25</a:t>
             </a:fld>
             <a:endParaRPr lang="zh-TW" altLang="en-US"/>
           </a:p>
@@ -467,7 +479,7 @@
             <a:fld id="{A390BB82-1436-414E-953E-AA268D099EB7}" type="datetimeFigureOut">
               <a:rPr lang="zh-TW" altLang="en-US" smtClean="0"/>
               <a:pPr/>
-              <a:t>2018/3/10</a:t>
+              <a:t>2020/4/25</a:t>
             </a:fld>
             <a:endParaRPr lang="zh-TW" altLang="en-US"/>
           </a:p>
@@ -553,8 +565,8 @@
         </p:nvSpPr>
         <p:spPr>
           <a:xfrm>
-            <a:off x="6629400" y="274638"/>
-            <a:ext cx="2057400" cy="5851525"/>
+            <a:off x="8839200" y="274639"/>
+            <a:ext cx="2743200" cy="5851525"/>
           </a:xfrm>
         </p:spPr>
         <p:txBody>
@@ -581,8 +593,8 @@
         </p:nvSpPr>
         <p:spPr>
           <a:xfrm>
-            <a:off x="457200" y="274638"/>
-            <a:ext cx="6019800" cy="5851525"/>
+            <a:off x="609600" y="274639"/>
+            <a:ext cx="8026400" cy="5851525"/>
           </a:xfrm>
         </p:spPr>
         <p:txBody>
@@ -644,7 +656,7 @@
             <a:fld id="{A390BB82-1436-414E-953E-AA268D099EB7}" type="datetimeFigureOut">
               <a:rPr lang="zh-TW" altLang="en-US" smtClean="0"/>
               <a:pPr/>
-              <a:t>2018/3/10</a:t>
+              <a:t>2020/4/25</a:t>
             </a:fld>
             <a:endParaRPr lang="zh-TW" altLang="en-US"/>
           </a:p>
@@ -811,7 +823,7 @@
             <a:fld id="{A390BB82-1436-414E-953E-AA268D099EB7}" type="datetimeFigureOut">
               <a:rPr lang="zh-TW" altLang="en-US" smtClean="0"/>
               <a:pPr/>
-              <a:t>2018/3/10</a:t>
+              <a:t>2020/4/25</a:t>
             </a:fld>
             <a:endParaRPr lang="zh-TW" altLang="en-US"/>
           </a:p>
@@ -897,8 +909,8 @@
         </p:nvSpPr>
         <p:spPr>
           <a:xfrm>
-            <a:off x="722313" y="4406900"/>
-            <a:ext cx="7772400" cy="1362075"/>
+            <a:off x="963084" y="4406901"/>
+            <a:ext cx="10363200" cy="1362075"/>
           </a:xfrm>
         </p:spPr>
         <p:txBody>
@@ -929,8 +941,8 @@
         </p:nvSpPr>
         <p:spPr>
           <a:xfrm>
-            <a:off x="722313" y="2906713"/>
-            <a:ext cx="7772400" cy="1500187"/>
+            <a:off x="963084" y="2906713"/>
+            <a:ext cx="10363200" cy="1500187"/>
           </a:xfrm>
         </p:spPr>
         <p:txBody>
@@ -1054,7 +1066,7 @@
             <a:fld id="{A390BB82-1436-414E-953E-AA268D099EB7}" type="datetimeFigureOut">
               <a:rPr lang="zh-TW" altLang="en-US" smtClean="0"/>
               <a:pPr/>
-              <a:t>2018/3/10</a:t>
+              <a:t>2020/4/25</a:t>
             </a:fld>
             <a:endParaRPr lang="zh-TW" altLang="en-US"/>
           </a:p>
@@ -1163,8 +1175,8 @@
         </p:nvSpPr>
         <p:spPr>
           <a:xfrm>
-            <a:off x="457200" y="1600200"/>
-            <a:ext cx="4038600" cy="4525963"/>
+            <a:off x="609600" y="1600201"/>
+            <a:ext cx="5384800" cy="4525963"/>
           </a:xfrm>
         </p:spPr>
         <p:txBody>
@@ -1248,8 +1260,8 @@
         </p:nvSpPr>
         <p:spPr>
           <a:xfrm>
-            <a:off x="4648200" y="1600200"/>
-            <a:ext cx="4038600" cy="4525963"/>
+            <a:off x="6197600" y="1600201"/>
+            <a:ext cx="5384800" cy="4525963"/>
           </a:xfrm>
         </p:spPr>
         <p:txBody>
@@ -1339,7 +1351,7 @@
             <a:fld id="{A390BB82-1436-414E-953E-AA268D099EB7}" type="datetimeFigureOut">
               <a:rPr lang="zh-TW" altLang="en-US" smtClean="0"/>
               <a:pPr/>
-              <a:t>2018/3/10</a:t>
+              <a:t>2020/4/25</a:t>
             </a:fld>
             <a:endParaRPr lang="zh-TW" altLang="en-US"/>
           </a:p>
@@ -1452,8 +1464,8 @@
         </p:nvSpPr>
         <p:spPr>
           <a:xfrm>
-            <a:off x="457200" y="1535113"/>
-            <a:ext cx="4040188" cy="639762"/>
+            <a:off x="609600" y="1535113"/>
+            <a:ext cx="5386917" cy="639762"/>
           </a:xfrm>
         </p:spPr>
         <p:txBody>
@@ -1517,8 +1529,8 @@
         </p:nvSpPr>
         <p:spPr>
           <a:xfrm>
-            <a:off x="457200" y="2174875"/>
-            <a:ext cx="4040188" cy="3951288"/>
+            <a:off x="609600" y="2174875"/>
+            <a:ext cx="5386917" cy="3951288"/>
           </a:xfrm>
         </p:spPr>
         <p:txBody>
@@ -1602,8 +1614,8 @@
         </p:nvSpPr>
         <p:spPr>
           <a:xfrm>
-            <a:off x="4645025" y="1535113"/>
-            <a:ext cx="4041775" cy="639762"/>
+            <a:off x="6193368" y="1535113"/>
+            <a:ext cx="5389033" cy="639762"/>
           </a:xfrm>
         </p:spPr>
         <p:txBody>
@@ -1667,8 +1679,8 @@
         </p:nvSpPr>
         <p:spPr>
           <a:xfrm>
-            <a:off x="4645025" y="2174875"/>
-            <a:ext cx="4041775" cy="3951288"/>
+            <a:off x="6193368" y="2174875"/>
+            <a:ext cx="5389033" cy="3951288"/>
           </a:xfrm>
         </p:spPr>
         <p:txBody>
@@ -1758,7 +1770,7 @@
             <a:fld id="{A390BB82-1436-414E-953E-AA268D099EB7}" type="datetimeFigureOut">
               <a:rPr lang="zh-TW" altLang="en-US" smtClean="0"/>
               <a:pPr/>
-              <a:t>2018/3/10</a:t>
+              <a:t>2020/4/25</a:t>
             </a:fld>
             <a:endParaRPr lang="zh-TW" altLang="en-US"/>
           </a:p>
@@ -1873,7 +1885,7 @@
             <a:fld id="{A390BB82-1436-414E-953E-AA268D099EB7}" type="datetimeFigureOut">
               <a:rPr lang="zh-TW" altLang="en-US" smtClean="0"/>
               <a:pPr/>
-              <a:t>2018/3/10</a:t>
+              <a:t>2020/4/25</a:t>
             </a:fld>
             <a:endParaRPr lang="zh-TW" altLang="en-US"/>
           </a:p>
@@ -1965,7 +1977,7 @@
             <a:fld id="{A390BB82-1436-414E-953E-AA268D099EB7}" type="datetimeFigureOut">
               <a:rPr lang="zh-TW" altLang="en-US" smtClean="0"/>
               <a:pPr/>
-              <a:t>2018/3/10</a:t>
+              <a:t>2020/4/25</a:t>
             </a:fld>
             <a:endParaRPr lang="zh-TW" altLang="en-US"/>
           </a:p>
@@ -2051,8 +2063,8 @@
         </p:nvSpPr>
         <p:spPr>
           <a:xfrm>
-            <a:off x="457200" y="273050"/>
-            <a:ext cx="3008313" cy="1162050"/>
+            <a:off x="609601" y="273050"/>
+            <a:ext cx="4011084" cy="1162050"/>
           </a:xfrm>
         </p:spPr>
         <p:txBody>
@@ -2083,8 +2095,8 @@
         </p:nvSpPr>
         <p:spPr>
           <a:xfrm>
-            <a:off x="3575050" y="273050"/>
-            <a:ext cx="5111750" cy="5853113"/>
+            <a:off x="4766733" y="273051"/>
+            <a:ext cx="6815667" cy="5853113"/>
           </a:xfrm>
         </p:spPr>
         <p:txBody>
@@ -2168,8 +2180,8 @@
         </p:nvSpPr>
         <p:spPr>
           <a:xfrm>
-            <a:off x="457200" y="1435100"/>
-            <a:ext cx="3008313" cy="4691063"/>
+            <a:off x="609601" y="1435101"/>
+            <a:ext cx="4011084" cy="4691063"/>
           </a:xfrm>
         </p:spPr>
         <p:txBody>
@@ -2239,7 +2251,7 @@
             <a:fld id="{A390BB82-1436-414E-953E-AA268D099EB7}" type="datetimeFigureOut">
               <a:rPr lang="zh-TW" altLang="en-US" smtClean="0"/>
               <a:pPr/>
-              <a:t>2018/3/10</a:t>
+              <a:t>2020/4/25</a:t>
             </a:fld>
             <a:endParaRPr lang="zh-TW" altLang="en-US"/>
           </a:p>
@@ -2325,8 +2337,8 @@
         </p:nvSpPr>
         <p:spPr>
           <a:xfrm>
-            <a:off x="1792288" y="4800600"/>
-            <a:ext cx="5486400" cy="566738"/>
+            <a:off x="2389717" y="4800600"/>
+            <a:ext cx="7315200" cy="566738"/>
           </a:xfrm>
         </p:spPr>
         <p:txBody>
@@ -2357,8 +2369,8 @@
         </p:nvSpPr>
         <p:spPr>
           <a:xfrm>
-            <a:off x="1792288" y="612775"/>
-            <a:ext cx="5486400" cy="4114800"/>
+            <a:off x="2389717" y="612775"/>
+            <a:ext cx="7315200" cy="4114800"/>
           </a:xfrm>
         </p:spPr>
         <p:txBody>
@@ -2422,8 +2434,8 @@
         </p:nvSpPr>
         <p:spPr>
           <a:xfrm>
-            <a:off x="1792288" y="5367338"/>
-            <a:ext cx="5486400" cy="804862"/>
+            <a:off x="2389717" y="5367338"/>
+            <a:ext cx="7315200" cy="804862"/>
           </a:xfrm>
         </p:spPr>
         <p:txBody>
@@ -2493,7 +2505,7 @@
             <a:fld id="{A390BB82-1436-414E-953E-AA268D099EB7}" type="datetimeFigureOut">
               <a:rPr lang="zh-TW" altLang="en-US" smtClean="0"/>
               <a:pPr/>
-              <a:t>2018/3/10</a:t>
+              <a:t>2020/4/25</a:t>
             </a:fld>
             <a:endParaRPr lang="zh-TW" altLang="en-US"/>
           </a:p>
@@ -2589,8 +2601,8 @@
         </p:nvSpPr>
         <p:spPr>
           <a:xfrm>
-            <a:off x="457200" y="274638"/>
-            <a:ext cx="8229600" cy="1143000"/>
+            <a:off x="609600" y="274638"/>
+            <a:ext cx="10972800" cy="1143000"/>
           </a:xfrm>
           <a:prstGeom prst="rect">
             <a:avLst/>
@@ -2622,8 +2634,8 @@
         </p:nvSpPr>
         <p:spPr>
           <a:xfrm>
-            <a:off x="457200" y="1600200"/>
-            <a:ext cx="8229600" cy="4525963"/>
+            <a:off x="609600" y="1600201"/>
+            <a:ext cx="10972800" cy="4525963"/>
           </a:xfrm>
           <a:prstGeom prst="rect">
             <a:avLst/>
@@ -2684,8 +2696,8 @@
         </p:nvSpPr>
         <p:spPr>
           <a:xfrm>
-            <a:off x="457200" y="6356350"/>
-            <a:ext cx="2133600" cy="365125"/>
+            <a:off x="609600" y="6356351"/>
+            <a:ext cx="2844800" cy="365125"/>
           </a:xfrm>
           <a:prstGeom prst="rect">
             <a:avLst/>
@@ -2708,7 +2720,7 @@
             <a:fld id="{A390BB82-1436-414E-953E-AA268D099EB7}" type="datetimeFigureOut">
               <a:rPr lang="zh-TW" altLang="en-US" smtClean="0"/>
               <a:pPr/>
-              <a:t>2018/3/10</a:t>
+              <a:t>2020/4/25</a:t>
             </a:fld>
             <a:endParaRPr lang="zh-TW" altLang="en-US"/>
           </a:p>
@@ -2726,8 +2738,8 @@
         </p:nvSpPr>
         <p:spPr>
           <a:xfrm>
-            <a:off x="3124200" y="6356350"/>
-            <a:ext cx="2895600" cy="365125"/>
+            <a:off x="4165600" y="6356351"/>
+            <a:ext cx="3860800" cy="365125"/>
           </a:xfrm>
           <a:prstGeom prst="rect">
             <a:avLst/>
@@ -2763,8 +2775,8 @@
         </p:nvSpPr>
         <p:spPr>
           <a:xfrm>
-            <a:off x="6553200" y="6356350"/>
-            <a:ext cx="2133600" cy="365125"/>
+            <a:off x="8737600" y="6356351"/>
+            <a:ext cx="2844800" cy="365125"/>
           </a:xfrm>
           <a:prstGeom prst="rect">
             <a:avLst/>
@@ -3089,13 +3101,20 @@
             <p:ph type="title"/>
           </p:nvPr>
         </p:nvSpPr>
-        <p:spPr/>
-        <p:txBody>
-          <a:bodyPr/>
-          <a:lstStyle/>
-          <a:p>
-            <a:r>
-              <a:rPr lang="zh-CN" altLang="en-US" b="1" dirty="0" smtClean="0">
+        <p:spPr>
+          <a:xfrm>
+            <a:off x="0" y="274638"/>
+            <a:ext cx="12192000" cy="1143000"/>
+          </a:xfrm>
+        </p:spPr>
+        <p:txBody>
+          <a:bodyPr>
+            <a:normAutofit/>
+          </a:bodyPr>
+          <a:lstStyle/>
+          <a:p>
+            <a:r>
+              <a:rPr lang="zh-CN" altLang="en-US" sz="4800" b="1" dirty="0" smtClean="0">
                 <a:solidFill>
                   <a:srgbClr val="660033"/>
                 </a:solidFill>
@@ -3104,7 +3123,7 @@
               </a:rPr>
               <a:t>信靠順服</a:t>
             </a:r>
-            <a:endParaRPr lang="zh-TW" altLang="en-US" b="1" dirty="0">
+            <a:endParaRPr lang="zh-TW" altLang="en-US" sz="4800" b="1" dirty="0">
               <a:solidFill>
                 <a:srgbClr val="660033"/>
               </a:solidFill>
@@ -3126,8 +3145,8 @@
         </p:nvSpPr>
         <p:spPr>
           <a:xfrm>
-            <a:off x="274320" y="2155704"/>
-            <a:ext cx="8595360" cy="2916370"/>
+            <a:off x="0" y="1844824"/>
+            <a:ext cx="12192000" cy="5013176"/>
           </a:xfrm>
         </p:spPr>
         <p:txBody>
@@ -3140,6 +3159,16 @@
               <a:buNone/>
             </a:pPr>
             <a:r>
+              <a:rPr lang="zh-CN" altLang="en-US" sz="5400" b="1" dirty="0">
+                <a:solidFill>
+                  <a:srgbClr val="660033"/>
+                </a:solidFill>
+                <a:latin typeface="微軟正黑體" pitchFamily="34" charset="-120"/>
+                <a:ea typeface="微軟正黑體" pitchFamily="34" charset="-120"/>
+              </a:rPr>
+              <a:t>我與救主同</a:t>
+            </a:r>
+            <a:r>
               <a:rPr lang="zh-CN" altLang="en-US" sz="5400" b="1" dirty="0" smtClean="0">
                 <a:solidFill>
                   <a:srgbClr val="660033"/>
@@ -3147,7 +3176,69 @@
                 <a:latin typeface="微軟正黑體" pitchFamily="34" charset="-120"/>
                 <a:ea typeface="微軟正黑體" pitchFamily="34" charset="-120"/>
               </a:rPr>
-              <a:t>我與救主同行</a:t>
+              <a:t>行</a:t>
+            </a:r>
+            <a:r>
+              <a:rPr lang="en-US" altLang="zh-CN" sz="5400" b="1" dirty="0" smtClean="0">
+                <a:solidFill>
+                  <a:srgbClr val="660033"/>
+                </a:solidFill>
+                <a:latin typeface="微軟正黑體" pitchFamily="34" charset="-120"/>
+                <a:ea typeface="微軟正黑體" pitchFamily="34" charset="-120"/>
+              </a:rPr>
+              <a:t>  </a:t>
+            </a:r>
+            <a:r>
+              <a:rPr lang="zh-CN" altLang="en-US" sz="5400" b="1" dirty="0" smtClean="0">
+                <a:solidFill>
+                  <a:srgbClr val="660033"/>
+                </a:solidFill>
+                <a:latin typeface="微軟正黑體" pitchFamily="34" charset="-120"/>
+                <a:ea typeface="微軟正黑體" pitchFamily="34" charset="-120"/>
+              </a:rPr>
+              <a:t>在</a:t>
+            </a:r>
+            <a:r>
+              <a:rPr lang="zh-CN" altLang="en-US" sz="5400" b="1" dirty="0">
+                <a:solidFill>
+                  <a:srgbClr val="660033"/>
+                </a:solidFill>
+                <a:latin typeface="微軟正黑體" pitchFamily="34" charset="-120"/>
+                <a:ea typeface="微軟正黑體" pitchFamily="34" charset="-120"/>
+              </a:rPr>
+              <a:t>主光明福音</a:t>
+            </a:r>
+            <a:endParaRPr lang="en-US" altLang="zh-CN" sz="5400" b="1" dirty="0">
+              <a:solidFill>
+                <a:srgbClr val="660033"/>
+              </a:solidFill>
+              <a:latin typeface="微軟正黑體" pitchFamily="34" charset="-120"/>
+              <a:ea typeface="微軟正黑體" pitchFamily="34" charset="-120"/>
+            </a:endParaRPr>
+          </a:p>
+          <a:p>
+            <a:pPr algn="ctr">
+              <a:buNone/>
+            </a:pPr>
+            <a:r>
+              <a:rPr lang="zh-CN" altLang="en-US" sz="5400" b="1" dirty="0">
+                <a:solidFill>
+                  <a:srgbClr val="660033"/>
+                </a:solidFill>
+                <a:latin typeface="微軟正黑體" pitchFamily="34" charset="-120"/>
+                <a:ea typeface="微軟正黑體" pitchFamily="34" charset="-120"/>
+              </a:rPr>
+              <a:t>何等榮耀照亮我路</a:t>
+            </a:r>
+            <a:r>
+              <a:rPr lang="zh-CN" altLang="en-US" sz="5400" b="1" dirty="0" smtClean="0">
+                <a:solidFill>
+                  <a:srgbClr val="660033"/>
+                </a:solidFill>
+                <a:latin typeface="微軟正黑體" pitchFamily="34" charset="-120"/>
+                <a:ea typeface="微軟正黑體" pitchFamily="34" charset="-120"/>
+              </a:rPr>
+              <a:t>程</a:t>
             </a:r>
             <a:endParaRPr lang="en-US" altLang="zh-CN" sz="5400" b="1" dirty="0" smtClean="0">
               <a:solidFill>
@@ -3162,6 +3253,16 @@
               <a:buNone/>
             </a:pPr>
             <a:r>
+              <a:rPr lang="zh-CN" altLang="en-US" sz="5400" b="1" dirty="0">
+                <a:solidFill>
+                  <a:srgbClr val="660033"/>
+                </a:solidFill>
+                <a:latin typeface="微軟正黑體" pitchFamily="34" charset="-120"/>
+                <a:ea typeface="微軟正黑體" pitchFamily="34" charset="-120"/>
+              </a:rPr>
+              <a:t>只要聽主命</a:t>
+            </a:r>
+            <a:r>
               <a:rPr lang="zh-CN" altLang="en-US" sz="5400" b="1" dirty="0" smtClean="0">
                 <a:solidFill>
                   <a:srgbClr val="660033"/>
@@ -3169,9 +3270,39 @@
                 <a:latin typeface="微軟正黑體" pitchFamily="34" charset="-120"/>
                 <a:ea typeface="微軟正黑體" pitchFamily="34" charset="-120"/>
               </a:rPr>
-              <a:t>在主光明福音</a:t>
-            </a:r>
-            <a:endParaRPr lang="en-US" altLang="zh-CN" sz="5400" b="1" dirty="0" smtClean="0">
+              <a:t>令</a:t>
+            </a:r>
+            <a:r>
+              <a:rPr lang="en-US" altLang="zh-CN" sz="5400" b="1" dirty="0" smtClean="0">
+                <a:solidFill>
+                  <a:srgbClr val="660033"/>
+                </a:solidFill>
+                <a:latin typeface="微軟正黑體" pitchFamily="34" charset="-120"/>
+                <a:ea typeface="微軟正黑體" pitchFamily="34" charset="-120"/>
+              </a:rPr>
+              <a:t>  </a:t>
+            </a:r>
+            <a:r>
+              <a:rPr lang="zh-CN" altLang="en-US" sz="5400" b="1" dirty="0" smtClean="0">
+                <a:solidFill>
+                  <a:srgbClr val="660033"/>
+                </a:solidFill>
+                <a:latin typeface="微軟正黑體" pitchFamily="34" charset="-120"/>
+                <a:ea typeface="微軟正黑體" pitchFamily="34" charset="-120"/>
+              </a:rPr>
+              <a:t>主</a:t>
+            </a:r>
+            <a:r>
+              <a:rPr lang="zh-CN" altLang="en-US" sz="5400" b="1" dirty="0">
+                <a:solidFill>
+                  <a:srgbClr val="660033"/>
+                </a:solidFill>
+                <a:latin typeface="微軟正黑體" pitchFamily="34" charset="-120"/>
+                <a:ea typeface="微軟正黑體" pitchFamily="34" charset="-120"/>
+              </a:rPr>
+              <a:t>肯與我同行</a:t>
+            </a:r>
+            <a:endParaRPr lang="en-US" altLang="zh-CN" sz="5400" b="1" dirty="0">
               <a:solidFill>
                 <a:srgbClr val="660033"/>
               </a:solidFill>
@@ -3184,14 +3315,14 @@
               <a:buNone/>
             </a:pPr>
             <a:r>
-              <a:rPr lang="zh-CN" altLang="en-US" sz="5400" b="1" dirty="0" smtClean="0">
-                <a:solidFill>
-                  <a:srgbClr val="660033"/>
-                </a:solidFill>
-                <a:latin typeface="微軟正黑體" pitchFamily="34" charset="-120"/>
-                <a:ea typeface="微軟正黑體" pitchFamily="34" charset="-120"/>
-              </a:rPr>
-              <a:t>何等榮耀照亮我路程</a:t>
+              <a:rPr lang="zh-CN" altLang="en-US" sz="5400" b="1" dirty="0">
+                <a:solidFill>
+                  <a:srgbClr val="660033"/>
+                </a:solidFill>
+                <a:latin typeface="微軟正黑體" pitchFamily="34" charset="-120"/>
+                <a:ea typeface="微軟正黑體" pitchFamily="34" charset="-120"/>
+              </a:rPr>
+              <a:t>信靠順服主肯同行</a:t>
             </a:r>
             <a:endParaRPr lang="zh-TW" altLang="en-US" sz="5400" b="1" dirty="0">
               <a:solidFill>
@@ -3201,147 +3332,10 @@
               <a:ea typeface="微軟正黑體" pitchFamily="34" charset="-120"/>
             </a:endParaRPr>
           </a:p>
-        </p:txBody>
-      </p:sp>
-    </p:spTree>
-  </p:cSld>
-  <p:clrMapOvr>
-    <a:masterClrMapping/>
-  </p:clrMapOvr>
-</p:sld>
-</file>
-
-<file path=ppt/slides/slide10.xml><?xml version="1.0" encoding="utf-8"?>
-<p:sld xmlns:a="http://schemas.openxmlformats.org/drawingml/2006/main" xmlns:r="http://schemas.openxmlformats.org/officeDocument/2006/relationships" xmlns:p="http://schemas.openxmlformats.org/presentationml/2006/main">
-  <p:cSld>
-    <p:spTree>
-      <p:nvGrpSpPr>
-        <p:cNvPr id="1" name=""/>
-        <p:cNvGrpSpPr/>
-        <p:nvPr/>
-      </p:nvGrpSpPr>
-      <p:grpSpPr>
-        <a:xfrm>
-          <a:off x="0" y="0"/>
-          <a:ext cx="0" cy="0"/>
-          <a:chOff x="0" y="0"/>
-          <a:chExt cx="0" cy="0"/>
-        </a:xfrm>
-      </p:grpSpPr>
-      <p:sp>
-        <p:nvSpPr>
-          <p:cNvPr id="4" name="標題 3"/>
-          <p:cNvSpPr>
-            <a:spLocks noGrp="1"/>
-          </p:cNvSpPr>
-          <p:nvPr>
-            <p:ph type="title"/>
-          </p:nvPr>
-        </p:nvSpPr>
-        <p:spPr/>
-        <p:txBody>
-          <a:bodyPr/>
-          <a:lstStyle/>
-          <a:p>
-            <a:r>
-              <a:rPr lang="zh-CN" altLang="en-US" b="1" dirty="0" smtClean="0">
-                <a:solidFill>
-                  <a:srgbClr val="660033"/>
-                </a:solidFill>
-                <a:latin typeface="微軟正黑體" pitchFamily="34" charset="-120"/>
-                <a:ea typeface="微軟正黑體" pitchFamily="34" charset="-120"/>
-              </a:rPr>
-              <a:t>信靠順服</a:t>
-            </a:r>
-            <a:endParaRPr lang="zh-TW" altLang="en-US" b="1" dirty="0">
-              <a:solidFill>
-                <a:srgbClr val="660033"/>
-              </a:solidFill>
-              <a:latin typeface="微軟正黑體" pitchFamily="34" charset="-120"/>
-              <a:ea typeface="微軟正黑體" pitchFamily="34" charset="-120"/>
-            </a:endParaRPr>
-          </a:p>
-        </p:txBody>
-      </p:sp>
-      <p:sp>
-        <p:nvSpPr>
-          <p:cNvPr id="5" name="內容版面配置區 4"/>
-          <p:cNvSpPr>
-            <a:spLocks noGrp="1"/>
-          </p:cNvSpPr>
-          <p:nvPr>
-            <p:ph idx="1"/>
-          </p:nvPr>
-        </p:nvSpPr>
-        <p:spPr>
-          <a:xfrm>
-            <a:off x="274320" y="2155704"/>
-            <a:ext cx="8595360" cy="2916370"/>
-          </a:xfrm>
-        </p:spPr>
-        <p:txBody>
-          <a:bodyPr>
-            <a:normAutofit/>
-          </a:bodyPr>
-          <a:lstStyle/>
           <a:p>
             <a:pPr algn="ctr">
               <a:buNone/>
             </a:pPr>
-            <a:r>
-              <a:rPr lang="zh-CN" altLang="en-US" sz="5400" b="1" dirty="0" smtClean="0">
-                <a:solidFill>
-                  <a:srgbClr val="660033"/>
-                </a:solidFill>
-                <a:latin typeface="微軟正黑體" pitchFamily="34" charset="-120"/>
-                <a:ea typeface="微軟正黑體" pitchFamily="34" charset="-120"/>
-              </a:rPr>
-              <a:t>主與我做朋友</a:t>
-            </a:r>
-            <a:endParaRPr lang="en-US" altLang="zh-CN" sz="5400" b="1" dirty="0" smtClean="0">
-              <a:solidFill>
-                <a:srgbClr val="660033"/>
-              </a:solidFill>
-              <a:latin typeface="微軟正黑體" pitchFamily="34" charset="-120"/>
-              <a:ea typeface="微軟正黑體" pitchFamily="34" charset="-120"/>
-            </a:endParaRPr>
-          </a:p>
-          <a:p>
-            <a:pPr algn="ctr">
-              <a:buNone/>
-            </a:pPr>
-            <a:r>
-              <a:rPr lang="zh-CN" altLang="en-US" sz="5400" b="1" dirty="0" smtClean="0">
-                <a:solidFill>
-                  <a:srgbClr val="660033"/>
-                </a:solidFill>
-                <a:latin typeface="微軟正黑體" pitchFamily="34" charset="-120"/>
-                <a:ea typeface="微軟正黑體" pitchFamily="34" charset="-120"/>
-              </a:rPr>
-              <a:t>我可常向主求</a:t>
-            </a:r>
-            <a:endParaRPr lang="en-US" altLang="zh-CN" sz="5400" b="1" dirty="0" smtClean="0">
-              <a:solidFill>
-                <a:srgbClr val="660033"/>
-              </a:solidFill>
-              <a:latin typeface="微軟正黑體" pitchFamily="34" charset="-120"/>
-              <a:ea typeface="微軟正黑體" pitchFamily="34" charset="-120"/>
-            </a:endParaRPr>
-          </a:p>
-          <a:p>
-            <a:pPr algn="ctr">
-              <a:buNone/>
-            </a:pPr>
-            <a:r>
-              <a:rPr lang="zh-CN" altLang="en-US" sz="5400" b="1" dirty="0" smtClean="0">
-                <a:solidFill>
-                  <a:srgbClr val="660033"/>
-                </a:solidFill>
-                <a:latin typeface="微軟正黑體" pitchFamily="34" charset="-120"/>
-                <a:ea typeface="微軟正黑體" pitchFamily="34" charset="-120"/>
-              </a:rPr>
-              <a:t>救主攜我手一路同走</a:t>
-            </a:r>
             <a:endParaRPr lang="zh-TW" altLang="en-US" sz="5400" b="1" dirty="0">
               <a:solidFill>
                 <a:srgbClr val="660033"/>
@@ -3352,317 +3346,39 @@
           </a:p>
         </p:txBody>
       </p:sp>
-    </p:spTree>
-  </p:cSld>
-  <p:clrMapOvr>
-    <a:masterClrMapping/>
-  </p:clrMapOvr>
-</p:sld>
-</file>
-
-<file path=ppt/slides/slide11.xml><?xml version="1.0" encoding="utf-8"?>
-<p:sld xmlns:a="http://schemas.openxmlformats.org/drawingml/2006/main" xmlns:r="http://schemas.openxmlformats.org/officeDocument/2006/relationships" xmlns:p="http://schemas.openxmlformats.org/presentationml/2006/main">
-  <p:cSld>
-    <p:spTree>
-      <p:nvGrpSpPr>
-        <p:cNvPr id="1" name=""/>
-        <p:cNvGrpSpPr/>
-        <p:nvPr/>
-      </p:nvGrpSpPr>
-      <p:grpSpPr>
-        <a:xfrm>
-          <a:off x="0" y="0"/>
-          <a:ext cx="0" cy="0"/>
-          <a:chOff x="0" y="0"/>
-          <a:chExt cx="0" cy="0"/>
-        </a:xfrm>
-      </p:grpSpPr>
-      <p:sp>
-        <p:nvSpPr>
-          <p:cNvPr id="4" name="標題 3"/>
-          <p:cNvSpPr>
-            <a:spLocks noGrp="1"/>
-          </p:cNvSpPr>
-          <p:nvPr>
-            <p:ph type="title"/>
-          </p:nvPr>
-        </p:nvSpPr>
-        <p:spPr/>
-        <p:txBody>
-          <a:bodyPr/>
-          <a:lstStyle/>
-          <a:p>
-            <a:r>
-              <a:rPr lang="zh-CN" altLang="en-US" b="1" dirty="0" smtClean="0">
-                <a:solidFill>
-                  <a:srgbClr val="660033"/>
-                </a:solidFill>
-                <a:latin typeface="微軟正黑體" pitchFamily="34" charset="-120"/>
-                <a:ea typeface="微軟正黑體" pitchFamily="34" charset="-120"/>
-              </a:rPr>
-              <a:t>信靠順服</a:t>
-            </a:r>
-            <a:endParaRPr lang="zh-TW" altLang="en-US" b="1" dirty="0">
-              <a:solidFill>
-                <a:srgbClr val="660033"/>
-              </a:solidFill>
-              <a:latin typeface="微軟正黑體" pitchFamily="34" charset="-120"/>
-              <a:ea typeface="微軟正黑體" pitchFamily="34" charset="-120"/>
-            </a:endParaRPr>
-          </a:p>
-        </p:txBody>
-      </p:sp>
-      <p:sp>
-        <p:nvSpPr>
-          <p:cNvPr id="5" name="內容版面配置區 4"/>
-          <p:cNvSpPr>
-            <a:spLocks noGrp="1"/>
-          </p:cNvSpPr>
-          <p:nvPr>
-            <p:ph idx="1"/>
-          </p:nvPr>
+      <p:sp>
+        <p:nvSpPr>
+          <p:cNvPr id="2" name="TextBox 1"/>
+          <p:cNvSpPr txBox="1"/>
+          <p:nvPr/>
         </p:nvSpPr>
         <p:spPr>
           <a:xfrm>
-            <a:off x="274320" y="2155704"/>
-            <a:ext cx="8595360" cy="2916370"/>
+            <a:off x="695400" y="1988840"/>
+            <a:ext cx="792088" cy="769441"/>
           </a:xfrm>
+          <a:prstGeom prst="rect">
+            <a:avLst/>
+          </a:prstGeom>
+          <a:noFill/>
         </p:spPr>
         <p:txBody>
-          <a:bodyPr>
-            <a:normAutofit/>
+          <a:bodyPr wrap="square" rtlCol="0">
+            <a:spAutoFit/>
           </a:bodyPr>
           <a:lstStyle/>
           <a:p>
-            <a:pPr algn="ctr">
-              <a:buNone/>
-            </a:pPr>
-            <a:r>
-              <a:rPr lang="zh-CN" altLang="en-US" sz="5400" b="1" dirty="0" smtClean="0">
-                <a:solidFill>
-                  <a:srgbClr val="660033"/>
-                </a:solidFill>
-                <a:latin typeface="微軟正黑體" pitchFamily="34" charset="-120"/>
-                <a:ea typeface="微軟正黑體" pitchFamily="34" charset="-120"/>
-              </a:rPr>
-              <a:t>主吩咐我就遵</a:t>
-            </a:r>
-            <a:endParaRPr lang="en-US" altLang="zh-CN" sz="5400" b="1" dirty="0" smtClean="0">
-              <a:solidFill>
-                <a:srgbClr val="660033"/>
-              </a:solidFill>
-              <a:latin typeface="微軟正黑體" pitchFamily="34" charset="-120"/>
-              <a:ea typeface="微軟正黑體" pitchFamily="34" charset="-120"/>
-            </a:endParaRPr>
-          </a:p>
-          <a:p>
-            <a:pPr algn="ctr">
-              <a:buNone/>
-            </a:pPr>
-            <a:r>
-              <a:rPr lang="zh-CN" altLang="en-US" sz="5400" b="1" dirty="0" smtClean="0">
-                <a:solidFill>
-                  <a:srgbClr val="660033"/>
-                </a:solidFill>
-                <a:latin typeface="微軟正黑體" pitchFamily="34" charset="-120"/>
-                <a:ea typeface="微軟正黑體" pitchFamily="34" charset="-120"/>
-              </a:rPr>
-              <a:t>我差遣我就行</a:t>
-            </a:r>
-            <a:endParaRPr lang="en-US" altLang="zh-CN" sz="5400" b="1" dirty="0" smtClean="0">
-              <a:solidFill>
-                <a:srgbClr val="660033"/>
-              </a:solidFill>
-              <a:latin typeface="微軟正黑體" pitchFamily="34" charset="-120"/>
-              <a:ea typeface="微軟正黑體" pitchFamily="34" charset="-120"/>
-            </a:endParaRPr>
-          </a:p>
-          <a:p>
-            <a:pPr algn="ctr">
-              <a:buNone/>
-            </a:pPr>
-            <a:r>
-              <a:rPr lang="zh-CN" altLang="en-US" sz="5400" b="1" dirty="0" smtClean="0">
-                <a:solidFill>
-                  <a:srgbClr val="660033"/>
-                </a:solidFill>
-                <a:latin typeface="微軟正黑體" pitchFamily="34" charset="-120"/>
-                <a:ea typeface="微軟正黑體" pitchFamily="34" charset="-120"/>
-              </a:rPr>
-              <a:t>信靠順服人終必成就</a:t>
-            </a:r>
-            <a:endParaRPr lang="zh-TW" altLang="en-US" sz="5400" b="1" dirty="0">
-              <a:solidFill>
-                <a:srgbClr val="660033"/>
-              </a:solidFill>
-              <a:latin typeface="微軟正黑體" pitchFamily="34" charset="-120"/>
-              <a:ea typeface="微軟正黑體" pitchFamily="34" charset="-120"/>
-            </a:endParaRPr>
-          </a:p>
-        </p:txBody>
-      </p:sp>
-    </p:spTree>
-  </p:cSld>
-  <p:clrMapOvr>
-    <a:masterClrMapping/>
-  </p:clrMapOvr>
-</p:sld>
-</file>
-
-<file path=ppt/slides/slide12.xml><?xml version="1.0" encoding="utf-8"?>
-<p:sld xmlns:a="http://schemas.openxmlformats.org/drawingml/2006/main" xmlns:r="http://schemas.openxmlformats.org/officeDocument/2006/relationships" xmlns:p="http://schemas.openxmlformats.org/presentationml/2006/main">
-  <p:cSld>
-    <p:spTree>
-      <p:nvGrpSpPr>
-        <p:cNvPr id="1" name=""/>
-        <p:cNvGrpSpPr/>
-        <p:nvPr/>
-      </p:nvGrpSpPr>
-      <p:grpSpPr>
-        <a:xfrm>
-          <a:off x="0" y="0"/>
-          <a:ext cx="0" cy="0"/>
-          <a:chOff x="0" y="0"/>
-          <a:chExt cx="0" cy="0"/>
-        </a:xfrm>
-      </p:grpSpPr>
-      <p:sp>
-        <p:nvSpPr>
-          <p:cNvPr id="4" name="標題 3"/>
-          <p:cNvSpPr>
-            <a:spLocks noGrp="1"/>
-          </p:cNvSpPr>
-          <p:nvPr>
-            <p:ph type="title"/>
-          </p:nvPr>
-        </p:nvSpPr>
-        <p:spPr/>
-        <p:txBody>
-          <a:bodyPr/>
-          <a:lstStyle/>
-          <a:p>
-            <a:r>
-              <a:rPr lang="zh-CN" altLang="en-US" b="1" dirty="0" smtClean="0">
-                <a:solidFill>
-                  <a:srgbClr val="660033"/>
-                </a:solidFill>
-                <a:latin typeface="微軟正黑體" pitchFamily="34" charset="-120"/>
-                <a:ea typeface="微軟正黑體" pitchFamily="34" charset="-120"/>
-              </a:rPr>
-              <a:t>信靠順服</a:t>
-            </a:r>
-            <a:endParaRPr lang="zh-TW" altLang="en-US" b="1" dirty="0">
-              <a:solidFill>
-                <a:srgbClr val="660033"/>
-              </a:solidFill>
-              <a:latin typeface="微軟正黑體" pitchFamily="34" charset="-120"/>
-              <a:ea typeface="微軟正黑體" pitchFamily="34" charset="-120"/>
-            </a:endParaRPr>
-          </a:p>
-        </p:txBody>
-      </p:sp>
-      <p:sp>
-        <p:nvSpPr>
-          <p:cNvPr id="5" name="內容版面配置區 4"/>
-          <p:cNvSpPr>
-            <a:spLocks noGrp="1"/>
-          </p:cNvSpPr>
-          <p:nvPr>
-            <p:ph idx="1"/>
-          </p:nvPr>
-        </p:nvSpPr>
-        <p:spPr>
-          <a:xfrm>
-            <a:off x="274320" y="2155704"/>
-            <a:ext cx="8595360" cy="4273692"/>
-          </a:xfrm>
-        </p:spPr>
-        <p:txBody>
-          <a:bodyPr>
-            <a:normAutofit/>
-          </a:bodyPr>
-          <a:lstStyle/>
-          <a:p>
-            <a:pPr algn="ctr">
-              <a:buNone/>
-            </a:pPr>
-            <a:r>
-              <a:rPr lang="zh-CN" altLang="en-US" sz="5400" b="1" dirty="0" smtClean="0">
-                <a:solidFill>
-                  <a:srgbClr val="660033"/>
-                </a:solidFill>
-                <a:latin typeface="微軟正黑體" pitchFamily="34" charset="-120"/>
-                <a:ea typeface="微軟正黑體" pitchFamily="34" charset="-120"/>
-              </a:rPr>
-              <a:t>信靠順服</a:t>
-            </a:r>
-            <a:endParaRPr lang="en-US" altLang="zh-CN" sz="5400" b="1" dirty="0" smtClean="0">
-              <a:solidFill>
-                <a:srgbClr val="660033"/>
-              </a:solidFill>
-              <a:latin typeface="微軟正黑體" pitchFamily="34" charset="-120"/>
-              <a:ea typeface="微軟正黑體" pitchFamily="34" charset="-120"/>
-            </a:endParaRPr>
-          </a:p>
-          <a:p>
-            <a:pPr algn="ctr">
-              <a:buNone/>
-            </a:pPr>
-            <a:r>
-              <a:rPr lang="zh-CN" altLang="en-US" sz="5400" b="1" dirty="0" smtClean="0">
-                <a:solidFill>
-                  <a:srgbClr val="660033"/>
-                </a:solidFill>
-                <a:latin typeface="微軟正黑體" pitchFamily="34" charset="-120"/>
-                <a:ea typeface="微軟正黑體" pitchFamily="34" charset="-120"/>
-              </a:rPr>
-              <a:t>以外並無別法</a:t>
-            </a:r>
-            <a:endParaRPr lang="en-US" altLang="zh-CN" sz="5400" b="1" dirty="0" smtClean="0">
-              <a:solidFill>
-                <a:srgbClr val="660033"/>
-              </a:solidFill>
-              <a:latin typeface="微軟正黑體" pitchFamily="34" charset="-120"/>
-              <a:ea typeface="微軟正黑體" pitchFamily="34" charset="-120"/>
-            </a:endParaRPr>
-          </a:p>
-          <a:p>
-            <a:pPr algn="ctr">
-              <a:buNone/>
-            </a:pPr>
-            <a:r>
-              <a:rPr lang="zh-CN" altLang="en-US" sz="5400" b="1" dirty="0" smtClean="0">
-                <a:solidFill>
-                  <a:srgbClr val="660033"/>
-                </a:solidFill>
-                <a:latin typeface="微軟正黑體" pitchFamily="34" charset="-120"/>
-                <a:ea typeface="微軟正黑體" pitchFamily="34" charset="-120"/>
-              </a:rPr>
-              <a:t>若要得耶穌喜樂</a:t>
-            </a:r>
-            <a:endParaRPr lang="en-US" altLang="zh-CN" sz="5400" b="1" dirty="0" smtClean="0">
-              <a:solidFill>
-                <a:srgbClr val="660033"/>
-              </a:solidFill>
-              <a:latin typeface="微軟正黑體" pitchFamily="34" charset="-120"/>
-              <a:ea typeface="微軟正黑體" pitchFamily="34" charset="-120"/>
-            </a:endParaRPr>
-          </a:p>
-          <a:p>
-            <a:pPr algn="ctr">
-              <a:buNone/>
-            </a:pPr>
-            <a:r>
-              <a:rPr lang="zh-CN" altLang="en-US" sz="5400" b="1" dirty="0" smtClean="0">
-                <a:solidFill>
-                  <a:srgbClr val="660033"/>
-                </a:solidFill>
-                <a:latin typeface="微軟正黑體" pitchFamily="34" charset="-120"/>
-                <a:ea typeface="微軟正黑體" pitchFamily="34" charset="-120"/>
-              </a:rPr>
-              <a:t>必要信靠順服</a:t>
-            </a:r>
-            <a:endParaRPr lang="en-US" altLang="zh-CN" sz="5400" b="1" dirty="0" smtClean="0">
+            <a:r>
+              <a:rPr lang="en-US" sz="4400" b="1" dirty="0">
+                <a:solidFill>
+                  <a:srgbClr val="660033"/>
+                </a:solidFill>
+                <a:latin typeface="微軟正黑體" pitchFamily="34" charset="-120"/>
+                <a:ea typeface="微軟正黑體" pitchFamily="34" charset="-120"/>
+              </a:rPr>
+              <a:t>1.</a:t>
+            </a:r>
+            <a:endParaRPr lang="vi-VN" sz="4400" b="1" dirty="0">
               <a:solidFill>
                 <a:srgbClr val="660033"/>
               </a:solidFill>
@@ -3707,13 +3423,20 @@
             <p:ph type="title"/>
           </p:nvPr>
         </p:nvSpPr>
-        <p:spPr/>
-        <p:txBody>
-          <a:bodyPr/>
-          <a:lstStyle/>
-          <a:p>
-            <a:r>
-              <a:rPr lang="zh-CN" altLang="en-US" b="1" dirty="0" smtClean="0">
+        <p:spPr>
+          <a:xfrm>
+            <a:off x="0" y="274638"/>
+            <a:ext cx="12192000" cy="1143000"/>
+          </a:xfrm>
+        </p:spPr>
+        <p:txBody>
+          <a:bodyPr>
+            <a:normAutofit/>
+          </a:bodyPr>
+          <a:lstStyle/>
+          <a:p>
+            <a:r>
+              <a:rPr lang="zh-CN" altLang="en-US" sz="4800" b="1" dirty="0" smtClean="0">
                 <a:solidFill>
                   <a:srgbClr val="660033"/>
                 </a:solidFill>
@@ -3722,7 +3445,7 @@
               </a:rPr>
               <a:t>信靠順服</a:t>
             </a:r>
-            <a:endParaRPr lang="zh-TW" altLang="en-US" b="1" dirty="0">
+            <a:endParaRPr lang="zh-TW" altLang="en-US" sz="4800" b="1" dirty="0">
               <a:solidFill>
                 <a:srgbClr val="660033"/>
               </a:solidFill>
@@ -3744,8 +3467,8 @@
         </p:nvSpPr>
         <p:spPr>
           <a:xfrm>
-            <a:off x="274320" y="2155704"/>
-            <a:ext cx="8595360" cy="2916370"/>
+            <a:off x="0" y="1844824"/>
+            <a:ext cx="12192000" cy="5013176"/>
           </a:xfrm>
         </p:spPr>
         <p:txBody>
@@ -3758,16 +3481,16 @@
               <a:buNone/>
             </a:pPr>
             <a:r>
-              <a:rPr lang="zh-CN" altLang="en-US" sz="5400" b="1" dirty="0" smtClean="0">
-                <a:solidFill>
-                  <a:srgbClr val="660033"/>
-                </a:solidFill>
-                <a:latin typeface="微軟正黑體" pitchFamily="34" charset="-120"/>
-                <a:ea typeface="微軟正黑體" pitchFamily="34" charset="-120"/>
-              </a:rPr>
-              <a:t>只要聽主命令</a:t>
-            </a:r>
-            <a:endParaRPr lang="en-US" altLang="zh-CN" sz="5400" b="1" dirty="0" smtClean="0">
+              <a:rPr lang="zh-CN" altLang="en-US" sz="5400" b="1" dirty="0">
+                <a:solidFill>
+                  <a:srgbClr val="660033"/>
+                </a:solidFill>
+                <a:latin typeface="微軟正黑體" pitchFamily="34" charset="-120"/>
+                <a:ea typeface="微軟正黑體" pitchFamily="34" charset="-120"/>
+              </a:rPr>
+              <a:t>信靠順服</a:t>
+            </a:r>
+            <a:endParaRPr lang="en-US" altLang="zh-CN" sz="5400" b="1" dirty="0">
               <a:solidFill>
                 <a:srgbClr val="660033"/>
               </a:solidFill>
@@ -3780,16 +3503,16 @@
               <a:buNone/>
             </a:pPr>
             <a:r>
-              <a:rPr lang="zh-CN" altLang="en-US" sz="5400" b="1" dirty="0" smtClean="0">
-                <a:solidFill>
-                  <a:srgbClr val="660033"/>
-                </a:solidFill>
-                <a:latin typeface="微軟正黑體" pitchFamily="34" charset="-120"/>
-                <a:ea typeface="微軟正黑體" pitchFamily="34" charset="-120"/>
-              </a:rPr>
-              <a:t>主肯與我同行</a:t>
-            </a:r>
-            <a:endParaRPr lang="en-US" altLang="zh-CN" sz="5400" b="1" dirty="0" smtClean="0">
+              <a:rPr lang="zh-CN" altLang="en-US" sz="5400" b="1" dirty="0">
+                <a:solidFill>
+                  <a:srgbClr val="660033"/>
+                </a:solidFill>
+                <a:latin typeface="微軟正黑體" pitchFamily="34" charset="-120"/>
+                <a:ea typeface="微軟正黑體" pitchFamily="34" charset="-120"/>
+              </a:rPr>
+              <a:t>以外並無別法</a:t>
+            </a:r>
+            <a:endParaRPr lang="en-US" altLang="zh-CN" sz="5400" b="1" dirty="0">
               <a:solidFill>
                 <a:srgbClr val="660033"/>
               </a:solidFill>
@@ -3802,16 +3525,16 @@
               <a:buNone/>
             </a:pPr>
             <a:r>
-              <a:rPr lang="zh-CN" altLang="en-US" sz="5400" b="1" dirty="0" smtClean="0">
-                <a:solidFill>
-                  <a:srgbClr val="660033"/>
-                </a:solidFill>
-                <a:latin typeface="微軟正黑體" pitchFamily="34" charset="-120"/>
-                <a:ea typeface="微軟正黑體" pitchFamily="34" charset="-120"/>
-              </a:rPr>
-              <a:t>信靠順服主肯同行</a:t>
-            </a:r>
-            <a:endParaRPr lang="zh-TW" altLang="en-US" sz="5400" b="1" dirty="0">
+              <a:rPr lang="zh-CN" altLang="en-US" sz="5400" b="1" dirty="0">
+                <a:solidFill>
+                  <a:srgbClr val="660033"/>
+                </a:solidFill>
+                <a:latin typeface="微軟正黑體" pitchFamily="34" charset="-120"/>
+                <a:ea typeface="微軟正黑體" pitchFamily="34" charset="-120"/>
+              </a:rPr>
+              <a:t>若要得耶穌喜樂</a:t>
+            </a:r>
+            <a:endParaRPr lang="en-US" altLang="zh-CN" sz="5400" b="1" dirty="0">
               <a:solidFill>
                 <a:srgbClr val="660033"/>
               </a:solidFill>
@@ -3819,9 +3542,36 @@
               <a:ea typeface="微軟正黑體" pitchFamily="34" charset="-120"/>
             </a:endParaRPr>
           </a:p>
+          <a:p>
+            <a:pPr algn="ctr">
+              <a:buNone/>
+            </a:pPr>
+            <a:r>
+              <a:rPr lang="zh-CN" altLang="en-US" sz="5400" b="1" dirty="0">
+                <a:solidFill>
+                  <a:srgbClr val="660033"/>
+                </a:solidFill>
+                <a:latin typeface="微軟正黑體" pitchFamily="34" charset="-120"/>
+                <a:ea typeface="微軟正黑體" pitchFamily="34" charset="-120"/>
+              </a:rPr>
+              <a:t>必要信靠順服</a:t>
+            </a:r>
+            <a:endParaRPr lang="en-US" altLang="zh-CN" sz="5400" b="1" dirty="0">
+              <a:solidFill>
+                <a:srgbClr val="660033"/>
+              </a:solidFill>
+              <a:latin typeface="微軟正黑體" pitchFamily="34" charset="-120"/>
+              <a:ea typeface="微軟正黑體" pitchFamily="34" charset="-120"/>
+            </a:endParaRPr>
+          </a:p>
         </p:txBody>
       </p:sp>
     </p:spTree>
+    <p:extLst>
+      <p:ext uri="{BB962C8B-B14F-4D97-AF65-F5344CB8AC3E}">
+        <p14:creationId xmlns:p14="http://schemas.microsoft.com/office/powerpoint/2010/main" val="1497301528"/>
+      </p:ext>
+    </p:extLst>
   </p:cSld>
   <p:clrMapOvr>
     <a:masterClrMapping/>
@@ -3856,13 +3606,20 @@
             <p:ph type="title"/>
           </p:nvPr>
         </p:nvSpPr>
-        <p:spPr/>
-        <p:txBody>
-          <a:bodyPr/>
-          <a:lstStyle/>
-          <a:p>
-            <a:r>
-              <a:rPr lang="zh-CN" altLang="en-US" b="1" dirty="0" smtClean="0">
+        <p:spPr>
+          <a:xfrm>
+            <a:off x="0" y="274638"/>
+            <a:ext cx="12192000" cy="1143000"/>
+          </a:xfrm>
+        </p:spPr>
+        <p:txBody>
+          <a:bodyPr>
+            <a:normAutofit/>
+          </a:bodyPr>
+          <a:lstStyle/>
+          <a:p>
+            <a:r>
+              <a:rPr lang="zh-CN" altLang="en-US" sz="4800" b="1" dirty="0" smtClean="0">
                 <a:solidFill>
                   <a:srgbClr val="660033"/>
                 </a:solidFill>
@@ -3871,7 +3628,7 @@
               </a:rPr>
               <a:t>信靠順服</a:t>
             </a:r>
-            <a:endParaRPr lang="zh-TW" altLang="en-US" b="1" dirty="0">
+            <a:endParaRPr lang="zh-TW" altLang="en-US" sz="4800" b="1" dirty="0">
               <a:solidFill>
                 <a:srgbClr val="660033"/>
               </a:solidFill>
@@ -3893,8 +3650,8 @@
         </p:nvSpPr>
         <p:spPr>
           <a:xfrm>
-            <a:off x="274320" y="2155704"/>
-            <a:ext cx="8595360" cy="4273692"/>
+            <a:off x="0" y="1844824"/>
+            <a:ext cx="12192000" cy="5013176"/>
           </a:xfrm>
         </p:spPr>
         <p:txBody>
@@ -3907,6 +3664,16 @@
               <a:buNone/>
             </a:pPr>
             <a:r>
+              <a:rPr lang="zh-CN" altLang="en-US" sz="5400" b="1" dirty="0">
+                <a:solidFill>
+                  <a:srgbClr val="660033"/>
+                </a:solidFill>
+                <a:latin typeface="微軟正黑體" pitchFamily="34" charset="-120"/>
+                <a:ea typeface="微軟正黑體" pitchFamily="34" charset="-120"/>
+              </a:rPr>
+              <a:t>無有黑影遮</a:t>
+            </a:r>
+            <a:r>
               <a:rPr lang="zh-CN" altLang="en-US" sz="5400" b="1" dirty="0" smtClean="0">
                 <a:solidFill>
                   <a:srgbClr val="660033"/>
@@ -3914,7 +3681,69 @@
                 <a:latin typeface="微軟正黑體" pitchFamily="34" charset="-120"/>
                 <a:ea typeface="微軟正黑體" pitchFamily="34" charset="-120"/>
               </a:rPr>
-              <a:t>信靠順服</a:t>
+              <a:t>暗</a:t>
+            </a:r>
+            <a:r>
+              <a:rPr lang="en-US" altLang="zh-CN" sz="5400" b="1" dirty="0" smtClean="0">
+                <a:solidFill>
+                  <a:srgbClr val="660033"/>
+                </a:solidFill>
+                <a:latin typeface="微軟正黑體" pitchFamily="34" charset="-120"/>
+                <a:ea typeface="微軟正黑體" pitchFamily="34" charset="-120"/>
+              </a:rPr>
+              <a:t>  </a:t>
+            </a:r>
+            <a:r>
+              <a:rPr lang="zh-CN" altLang="en-US" sz="5400" b="1" dirty="0" smtClean="0">
+                <a:solidFill>
+                  <a:srgbClr val="660033"/>
+                </a:solidFill>
+                <a:latin typeface="微軟正黑體" pitchFamily="34" charset="-120"/>
+                <a:ea typeface="微軟正黑體" pitchFamily="34" charset="-120"/>
+              </a:rPr>
+              <a:t>也</a:t>
+            </a:r>
+            <a:r>
+              <a:rPr lang="zh-CN" altLang="en-US" sz="5400" b="1" dirty="0">
+                <a:solidFill>
+                  <a:srgbClr val="660033"/>
+                </a:solidFill>
+                <a:latin typeface="微軟正黑體" pitchFamily="34" charset="-120"/>
+                <a:ea typeface="微軟正黑體" pitchFamily="34" charset="-120"/>
+              </a:rPr>
+              <a:t>無雲霧迷漫</a:t>
+            </a:r>
+            <a:endParaRPr lang="en-US" altLang="zh-CN" sz="5400" b="1" dirty="0">
+              <a:solidFill>
+                <a:srgbClr val="660033"/>
+              </a:solidFill>
+              <a:latin typeface="微軟正黑體" pitchFamily="34" charset="-120"/>
+              <a:ea typeface="微軟正黑體" pitchFamily="34" charset="-120"/>
+            </a:endParaRPr>
+          </a:p>
+          <a:p>
+            <a:pPr algn="ctr">
+              <a:buNone/>
+            </a:pPr>
+            <a:r>
+              <a:rPr lang="zh-CN" altLang="en-US" sz="5400" b="1" dirty="0">
+                <a:solidFill>
+                  <a:srgbClr val="660033"/>
+                </a:solidFill>
+                <a:latin typeface="微軟正黑體" pitchFamily="34" charset="-120"/>
+                <a:ea typeface="微軟正黑體" pitchFamily="34" charset="-120"/>
+              </a:rPr>
+              <a:t>我主笑容使雲霧消</a:t>
+            </a:r>
+            <a:r>
+              <a:rPr lang="zh-CN" altLang="en-US" sz="5400" b="1" dirty="0" smtClean="0">
+                <a:solidFill>
+                  <a:srgbClr val="660033"/>
+                </a:solidFill>
+                <a:latin typeface="微軟正黑體" pitchFamily="34" charset="-120"/>
+                <a:ea typeface="微軟正黑體" pitchFamily="34" charset="-120"/>
+              </a:rPr>
+              <a:t>散</a:t>
             </a:r>
             <a:endParaRPr lang="en-US" altLang="zh-CN" sz="5400" b="1" dirty="0" smtClean="0">
               <a:solidFill>
@@ -3929,6 +3758,16 @@
               <a:buNone/>
             </a:pPr>
             <a:r>
+              <a:rPr lang="zh-CN" altLang="en-US" sz="5400" b="1" dirty="0">
+                <a:solidFill>
+                  <a:srgbClr val="660033"/>
+                </a:solidFill>
+                <a:latin typeface="微軟正黑體" pitchFamily="34" charset="-120"/>
+                <a:ea typeface="微軟正黑體" pitchFamily="34" charset="-120"/>
+              </a:rPr>
+              <a:t>無有疑惑畏</a:t>
+            </a:r>
+            <a:r>
               <a:rPr lang="zh-CN" altLang="en-US" sz="5400" b="1" dirty="0" smtClean="0">
                 <a:solidFill>
                   <a:srgbClr val="660033"/>
@@ -3936,8 +3775,72 @@
                 <a:latin typeface="微軟正黑體" pitchFamily="34" charset="-120"/>
                 <a:ea typeface="微軟正黑體" pitchFamily="34" charset="-120"/>
               </a:rPr>
-              <a:t>以外並無別法</a:t>
-            </a:r>
+              <a:t>懼</a:t>
+            </a:r>
+            <a:r>
+              <a:rPr lang="en-US" altLang="zh-CN" sz="5400" b="1" dirty="0" smtClean="0">
+                <a:solidFill>
+                  <a:srgbClr val="660033"/>
+                </a:solidFill>
+                <a:latin typeface="微軟正黑體" pitchFamily="34" charset="-120"/>
+                <a:ea typeface="微軟正黑體" pitchFamily="34" charset="-120"/>
+              </a:rPr>
+              <a:t>  </a:t>
+            </a:r>
+            <a:r>
+              <a:rPr lang="zh-CN" altLang="en-US" sz="5400" b="1" dirty="0" smtClean="0">
+                <a:solidFill>
+                  <a:srgbClr val="660033"/>
+                </a:solidFill>
+                <a:latin typeface="微軟正黑體" pitchFamily="34" charset="-120"/>
+                <a:ea typeface="微軟正黑體" pitchFamily="34" charset="-120"/>
+              </a:rPr>
+              <a:t>也</a:t>
+            </a:r>
+            <a:r>
+              <a:rPr lang="zh-CN" altLang="en-US" sz="5400" b="1" dirty="0">
+                <a:solidFill>
+                  <a:srgbClr val="660033"/>
+                </a:solidFill>
+                <a:latin typeface="微軟正黑體" pitchFamily="34" charset="-120"/>
+                <a:ea typeface="微軟正黑體" pitchFamily="34" charset="-120"/>
+              </a:rPr>
+              <a:t>無歎息憂慮</a:t>
+            </a:r>
+            <a:endParaRPr lang="en-US" altLang="zh-CN" sz="5400" b="1" dirty="0">
+              <a:solidFill>
+                <a:srgbClr val="660033"/>
+              </a:solidFill>
+              <a:latin typeface="微軟正黑體" pitchFamily="34" charset="-120"/>
+              <a:ea typeface="微軟正黑體" pitchFamily="34" charset="-120"/>
+            </a:endParaRPr>
+          </a:p>
+          <a:p>
+            <a:pPr algn="ctr">
+              <a:buNone/>
+            </a:pPr>
+            <a:r>
+              <a:rPr lang="zh-CN" altLang="en-US" sz="5400" b="1" dirty="0">
+                <a:solidFill>
+                  <a:srgbClr val="660033"/>
+                </a:solidFill>
+                <a:latin typeface="微軟正黑體" pitchFamily="34" charset="-120"/>
+                <a:ea typeface="微軟正黑體" pitchFamily="34" charset="-120"/>
+              </a:rPr>
+              <a:t>信靠順服人主永不棄</a:t>
+            </a:r>
+            <a:endParaRPr lang="zh-TW" altLang="en-US" sz="5400" b="1" dirty="0">
+              <a:solidFill>
+                <a:srgbClr val="660033"/>
+              </a:solidFill>
+              <a:latin typeface="微軟正黑體" pitchFamily="34" charset="-120"/>
+              <a:ea typeface="微軟正黑體" pitchFamily="34" charset="-120"/>
+            </a:endParaRPr>
+          </a:p>
+          <a:p>
+            <a:pPr algn="ctr">
+              <a:buNone/>
+            </a:pPr>
             <a:endParaRPr lang="en-US" altLang="zh-CN" sz="5400" b="1" dirty="0" smtClean="0">
               <a:solidFill>
                 <a:srgbClr val="660033"/>
@@ -3950,17 +3853,7 @@
             <a:pPr algn="ctr">
               <a:buNone/>
             </a:pPr>
-            <a:r>
-              <a:rPr lang="zh-CN" altLang="en-US" sz="5400" b="1" dirty="0" smtClean="0">
-                <a:solidFill>
-                  <a:srgbClr val="660033"/>
-                </a:solidFill>
-                <a:latin typeface="微軟正黑體" pitchFamily="34" charset="-120"/>
-                <a:ea typeface="微軟正黑體" pitchFamily="34" charset="-120"/>
-              </a:rPr>
-              <a:t>若要得耶穌喜樂</a:t>
-            </a:r>
-            <a:endParaRPr lang="en-US" altLang="zh-CN" sz="5400" b="1" dirty="0" smtClean="0">
+            <a:endParaRPr lang="zh-TW" altLang="en-US" sz="5400" b="1" dirty="0">
               <a:solidFill>
                 <a:srgbClr val="660033"/>
               </a:solidFill>
@@ -3968,21 +3861,41 @@
               <a:ea typeface="微軟正黑體" pitchFamily="34" charset="-120"/>
             </a:endParaRPr>
           </a:p>
-          <a:p>
-            <a:pPr algn="ctr">
-              <a:buNone/>
-            </a:pPr>
-            <a:r>
-              <a:rPr lang="zh-CN" altLang="en-US" sz="5400" b="1" dirty="0" smtClean="0">
-                <a:solidFill>
-                  <a:srgbClr val="660033"/>
-                </a:solidFill>
-                <a:latin typeface="微軟正黑體" pitchFamily="34" charset="-120"/>
-                <a:ea typeface="微軟正黑體" pitchFamily="34" charset="-120"/>
-              </a:rPr>
-              <a:t>必要信靠順服</a:t>
-            </a:r>
-            <a:endParaRPr lang="en-US" altLang="zh-CN" sz="5400" b="1" dirty="0" smtClean="0">
+        </p:txBody>
+      </p:sp>
+      <p:sp>
+        <p:nvSpPr>
+          <p:cNvPr id="2" name="TextBox 1"/>
+          <p:cNvSpPr txBox="1"/>
+          <p:nvPr/>
+        </p:nvSpPr>
+        <p:spPr>
+          <a:xfrm>
+            <a:off x="695400" y="1988840"/>
+            <a:ext cx="792088" cy="769441"/>
+          </a:xfrm>
+          <a:prstGeom prst="rect">
+            <a:avLst/>
+          </a:prstGeom>
+          <a:noFill/>
+        </p:spPr>
+        <p:txBody>
+          <a:bodyPr wrap="square" rtlCol="0">
+            <a:spAutoFit/>
+          </a:bodyPr>
+          <a:lstStyle/>
+          <a:p>
+            <a:r>
+              <a:rPr lang="en-US" sz="4400" b="1" dirty="0" smtClean="0">
+                <a:solidFill>
+                  <a:srgbClr val="660033"/>
+                </a:solidFill>
+                <a:latin typeface="微軟正黑體" pitchFamily="34" charset="-120"/>
+                <a:ea typeface="微軟正黑體" pitchFamily="34" charset="-120"/>
+              </a:rPr>
+              <a:t>2.</a:t>
+            </a:r>
+            <a:endParaRPr lang="vi-VN" sz="4400" b="1" dirty="0">
               <a:solidFill>
                 <a:srgbClr val="660033"/>
               </a:solidFill>
@@ -3993,6 +3906,11 @@
         </p:txBody>
       </p:sp>
     </p:spTree>
+    <p:extLst>
+      <p:ext uri="{BB962C8B-B14F-4D97-AF65-F5344CB8AC3E}">
+        <p14:creationId xmlns:p14="http://schemas.microsoft.com/office/powerpoint/2010/main" val="51011671"/>
+      </p:ext>
+    </p:extLst>
   </p:cSld>
   <p:clrMapOvr>
     <a:masterClrMapping/>
@@ -4027,13 +3945,20 @@
             <p:ph type="title"/>
           </p:nvPr>
         </p:nvSpPr>
-        <p:spPr/>
-        <p:txBody>
-          <a:bodyPr/>
-          <a:lstStyle/>
-          <a:p>
-            <a:r>
-              <a:rPr lang="zh-CN" altLang="en-US" b="1" dirty="0" smtClean="0">
+        <p:spPr>
+          <a:xfrm>
+            <a:off x="0" y="274638"/>
+            <a:ext cx="12192000" cy="1143000"/>
+          </a:xfrm>
+        </p:spPr>
+        <p:txBody>
+          <a:bodyPr>
+            <a:normAutofit/>
+          </a:bodyPr>
+          <a:lstStyle/>
+          <a:p>
+            <a:r>
+              <a:rPr lang="zh-CN" altLang="en-US" sz="4800" b="1" dirty="0" smtClean="0">
                 <a:solidFill>
                   <a:srgbClr val="660033"/>
                 </a:solidFill>
@@ -4042,7 +3967,7 @@
               </a:rPr>
               <a:t>信靠順服</a:t>
             </a:r>
-            <a:endParaRPr lang="zh-TW" altLang="en-US" b="1" dirty="0">
+            <a:endParaRPr lang="zh-TW" altLang="en-US" sz="4800" b="1" dirty="0">
               <a:solidFill>
                 <a:srgbClr val="660033"/>
               </a:solidFill>
@@ -4064,8 +3989,8 @@
         </p:nvSpPr>
         <p:spPr>
           <a:xfrm>
-            <a:off x="274320" y="2155704"/>
-            <a:ext cx="8595360" cy="2916370"/>
+            <a:off x="0" y="1844824"/>
+            <a:ext cx="12192000" cy="5013176"/>
           </a:xfrm>
         </p:spPr>
         <p:txBody>
@@ -4078,16 +4003,16 @@
               <a:buNone/>
             </a:pPr>
             <a:r>
-              <a:rPr lang="zh-CN" altLang="en-US" sz="5400" b="1" dirty="0" smtClean="0">
-                <a:solidFill>
-                  <a:srgbClr val="660033"/>
-                </a:solidFill>
-                <a:latin typeface="微軟正黑體" pitchFamily="34" charset="-120"/>
-                <a:ea typeface="微軟正黑體" pitchFamily="34" charset="-120"/>
-              </a:rPr>
-              <a:t>無有黑影遮暗</a:t>
-            </a:r>
-            <a:endParaRPr lang="en-US" altLang="zh-CN" sz="5400" b="1" dirty="0" smtClean="0">
+              <a:rPr lang="zh-CN" altLang="en-US" sz="5400" b="1" dirty="0">
+                <a:solidFill>
+                  <a:srgbClr val="660033"/>
+                </a:solidFill>
+                <a:latin typeface="微軟正黑體" pitchFamily="34" charset="-120"/>
+                <a:ea typeface="微軟正黑體" pitchFamily="34" charset="-120"/>
+              </a:rPr>
+              <a:t>信靠順服</a:t>
+            </a:r>
+            <a:endParaRPr lang="en-US" altLang="zh-CN" sz="5400" b="1" dirty="0">
               <a:solidFill>
                 <a:srgbClr val="660033"/>
               </a:solidFill>
@@ -4100,16 +4025,16 @@
               <a:buNone/>
             </a:pPr>
             <a:r>
-              <a:rPr lang="zh-CN" altLang="en-US" sz="5400" b="1" dirty="0" smtClean="0">
-                <a:solidFill>
-                  <a:srgbClr val="660033"/>
-                </a:solidFill>
-                <a:latin typeface="微軟正黑體" pitchFamily="34" charset="-120"/>
-                <a:ea typeface="微軟正黑體" pitchFamily="34" charset="-120"/>
-              </a:rPr>
-              <a:t>也無雲霧迷漫</a:t>
-            </a:r>
-            <a:endParaRPr lang="en-US" altLang="zh-CN" sz="5400" b="1" dirty="0" smtClean="0">
+              <a:rPr lang="zh-CN" altLang="en-US" sz="5400" b="1" dirty="0">
+                <a:solidFill>
+                  <a:srgbClr val="660033"/>
+                </a:solidFill>
+                <a:latin typeface="微軟正黑體" pitchFamily="34" charset="-120"/>
+                <a:ea typeface="微軟正黑體" pitchFamily="34" charset="-120"/>
+              </a:rPr>
+              <a:t>以外並無別法</a:t>
+            </a:r>
+            <a:endParaRPr lang="en-US" altLang="zh-CN" sz="5400" b="1" dirty="0">
               <a:solidFill>
                 <a:srgbClr val="660033"/>
               </a:solidFill>
@@ -4122,16 +4047,16 @@
               <a:buNone/>
             </a:pPr>
             <a:r>
-              <a:rPr lang="zh-CN" altLang="en-US" sz="5400" b="1" dirty="0" smtClean="0">
-                <a:solidFill>
-                  <a:srgbClr val="660033"/>
-                </a:solidFill>
-                <a:latin typeface="微軟正黑體" pitchFamily="34" charset="-120"/>
-                <a:ea typeface="微軟正黑體" pitchFamily="34" charset="-120"/>
-              </a:rPr>
-              <a:t>我主笑容使雲霧消散</a:t>
-            </a:r>
-            <a:endParaRPr lang="zh-TW" altLang="en-US" sz="5400" b="1" dirty="0">
+              <a:rPr lang="zh-CN" altLang="en-US" sz="5400" b="1" dirty="0">
+                <a:solidFill>
+                  <a:srgbClr val="660033"/>
+                </a:solidFill>
+                <a:latin typeface="微軟正黑體" pitchFamily="34" charset="-120"/>
+                <a:ea typeface="微軟正黑體" pitchFamily="34" charset="-120"/>
+              </a:rPr>
+              <a:t>若要得耶穌喜樂</a:t>
+            </a:r>
+            <a:endParaRPr lang="en-US" altLang="zh-CN" sz="5400" b="1" dirty="0">
               <a:solidFill>
                 <a:srgbClr val="660033"/>
               </a:solidFill>
@@ -4139,9 +4064,36 @@
               <a:ea typeface="微軟正黑體" pitchFamily="34" charset="-120"/>
             </a:endParaRPr>
           </a:p>
+          <a:p>
+            <a:pPr algn="ctr">
+              <a:buNone/>
+            </a:pPr>
+            <a:r>
+              <a:rPr lang="zh-CN" altLang="en-US" sz="5400" b="1" dirty="0">
+                <a:solidFill>
+                  <a:srgbClr val="660033"/>
+                </a:solidFill>
+                <a:latin typeface="微軟正黑體" pitchFamily="34" charset="-120"/>
+                <a:ea typeface="微軟正黑體" pitchFamily="34" charset="-120"/>
+              </a:rPr>
+              <a:t>必要信靠順服</a:t>
+            </a:r>
+            <a:endParaRPr lang="en-US" altLang="zh-CN" sz="5400" b="1" dirty="0">
+              <a:solidFill>
+                <a:srgbClr val="660033"/>
+              </a:solidFill>
+              <a:latin typeface="微軟正黑體" pitchFamily="34" charset="-120"/>
+              <a:ea typeface="微軟正黑體" pitchFamily="34" charset="-120"/>
+            </a:endParaRPr>
+          </a:p>
         </p:txBody>
       </p:sp>
     </p:spTree>
+    <p:extLst>
+      <p:ext uri="{BB962C8B-B14F-4D97-AF65-F5344CB8AC3E}">
+        <p14:creationId xmlns:p14="http://schemas.microsoft.com/office/powerpoint/2010/main" val="1768517536"/>
+      </p:ext>
+    </p:extLst>
   </p:cSld>
   <p:clrMapOvr>
     <a:masterClrMapping/>
@@ -4176,13 +4128,20 @@
             <p:ph type="title"/>
           </p:nvPr>
         </p:nvSpPr>
-        <p:spPr/>
-        <p:txBody>
-          <a:bodyPr/>
-          <a:lstStyle/>
-          <a:p>
-            <a:r>
-              <a:rPr lang="zh-CN" altLang="en-US" b="1" dirty="0" smtClean="0">
+        <p:spPr>
+          <a:xfrm>
+            <a:off x="0" y="274638"/>
+            <a:ext cx="12192000" cy="1143000"/>
+          </a:xfrm>
+        </p:spPr>
+        <p:txBody>
+          <a:bodyPr>
+            <a:normAutofit/>
+          </a:bodyPr>
+          <a:lstStyle/>
+          <a:p>
+            <a:r>
+              <a:rPr lang="zh-CN" altLang="en-US" sz="4800" b="1" dirty="0" smtClean="0">
                 <a:solidFill>
                   <a:srgbClr val="660033"/>
                 </a:solidFill>
@@ -4191,7 +4150,7 @@
               </a:rPr>
               <a:t>信靠順服</a:t>
             </a:r>
-            <a:endParaRPr lang="zh-TW" altLang="en-US" b="1" dirty="0">
+            <a:endParaRPr lang="zh-TW" altLang="en-US" sz="4800" b="1" dirty="0">
               <a:solidFill>
                 <a:srgbClr val="660033"/>
               </a:solidFill>
@@ -4213,8 +4172,8 @@
         </p:nvSpPr>
         <p:spPr>
           <a:xfrm>
-            <a:off x="274320" y="2155704"/>
-            <a:ext cx="8595360" cy="2916370"/>
+            <a:off x="0" y="1844824"/>
+            <a:ext cx="12192000" cy="5013176"/>
           </a:xfrm>
         </p:spPr>
         <p:txBody>
@@ -4227,6 +4186,16 @@
               <a:buNone/>
             </a:pPr>
             <a:r>
+              <a:rPr lang="zh-CN" altLang="en-US" sz="5400" b="1" dirty="0">
+                <a:solidFill>
+                  <a:srgbClr val="660033"/>
+                </a:solidFill>
+                <a:latin typeface="微軟正黑體" pitchFamily="34" charset="-120"/>
+                <a:ea typeface="微軟正黑體" pitchFamily="34" charset="-120"/>
+              </a:rPr>
+              <a:t>不要背負重</a:t>
+            </a:r>
+            <a:r>
               <a:rPr lang="zh-CN" altLang="en-US" sz="5400" b="1" dirty="0" smtClean="0">
                 <a:solidFill>
                   <a:srgbClr val="660033"/>
@@ -4234,7 +4203,69 @@
                 <a:latin typeface="微軟正黑體" pitchFamily="34" charset="-120"/>
                 <a:ea typeface="微軟正黑體" pitchFamily="34" charset="-120"/>
               </a:rPr>
-              <a:t>無有疑惑畏懼</a:t>
+              <a:t>擔</a:t>
+            </a:r>
+            <a:r>
+              <a:rPr lang="en-US" altLang="zh-CN" sz="5400" b="1" dirty="0" smtClean="0">
+                <a:solidFill>
+                  <a:srgbClr val="660033"/>
+                </a:solidFill>
+                <a:latin typeface="微軟正黑體" pitchFamily="34" charset="-120"/>
+                <a:ea typeface="微軟正黑體" pitchFamily="34" charset="-120"/>
+              </a:rPr>
+              <a:t>  </a:t>
+            </a:r>
+            <a:r>
+              <a:rPr lang="zh-CN" altLang="en-US" sz="5400" b="1" dirty="0" smtClean="0">
+                <a:solidFill>
+                  <a:srgbClr val="660033"/>
+                </a:solidFill>
+                <a:latin typeface="微軟正黑體" pitchFamily="34" charset="-120"/>
+                <a:ea typeface="微軟正黑體" pitchFamily="34" charset="-120"/>
+              </a:rPr>
+              <a:t>不</a:t>
+            </a:r>
+            <a:r>
+              <a:rPr lang="zh-CN" altLang="en-US" sz="5400" b="1" dirty="0">
+                <a:solidFill>
+                  <a:srgbClr val="660033"/>
+                </a:solidFill>
+                <a:latin typeface="微軟正黑體" pitchFamily="34" charset="-120"/>
+                <a:ea typeface="微軟正黑體" pitchFamily="34" charset="-120"/>
+              </a:rPr>
+              <a:t>要憂愁悲哀</a:t>
+            </a:r>
+            <a:endParaRPr lang="en-US" altLang="zh-CN" sz="5400" b="1" dirty="0">
+              <a:solidFill>
+                <a:srgbClr val="660033"/>
+              </a:solidFill>
+              <a:latin typeface="微軟正黑體" pitchFamily="34" charset="-120"/>
+              <a:ea typeface="微軟正黑體" pitchFamily="34" charset="-120"/>
+            </a:endParaRPr>
+          </a:p>
+          <a:p>
+            <a:pPr algn="ctr">
+              <a:buNone/>
+            </a:pPr>
+            <a:r>
+              <a:rPr lang="zh-CN" altLang="en-US" sz="5400" b="1" dirty="0">
+                <a:solidFill>
+                  <a:srgbClr val="660033"/>
+                </a:solidFill>
+                <a:latin typeface="微軟正黑體" pitchFamily="34" charset="-120"/>
+                <a:ea typeface="微軟正黑體" pitchFamily="34" charset="-120"/>
+              </a:rPr>
+              <a:t>一切勞苦主都能代</a:t>
+            </a:r>
+            <a:r>
+              <a:rPr lang="zh-CN" altLang="en-US" sz="5400" b="1" dirty="0" smtClean="0">
+                <a:solidFill>
+                  <a:srgbClr val="660033"/>
+                </a:solidFill>
+                <a:latin typeface="微軟正黑體" pitchFamily="34" charset="-120"/>
+                <a:ea typeface="微軟正黑體" pitchFamily="34" charset="-120"/>
+              </a:rPr>
+              <a:t>替</a:t>
             </a:r>
             <a:endParaRPr lang="en-US" altLang="zh-CN" sz="5400" b="1" dirty="0" smtClean="0">
               <a:solidFill>
@@ -4249,6 +4280,16 @@
               <a:buNone/>
             </a:pPr>
             <a:r>
+              <a:rPr lang="zh-CN" altLang="en-US" sz="5400" b="1" dirty="0">
+                <a:solidFill>
+                  <a:srgbClr val="660033"/>
+                </a:solidFill>
+                <a:latin typeface="微軟正黑體" pitchFamily="34" charset="-120"/>
+                <a:ea typeface="微軟正黑體" pitchFamily="34" charset="-120"/>
+              </a:rPr>
+              <a:t>無有傷心眼</a:t>
+            </a:r>
+            <a:r>
               <a:rPr lang="zh-CN" altLang="en-US" sz="5400" b="1" dirty="0" smtClean="0">
                 <a:solidFill>
                   <a:srgbClr val="660033"/>
@@ -4256,9 +4297,39 @@
                 <a:latin typeface="微軟正黑體" pitchFamily="34" charset="-120"/>
                 <a:ea typeface="微軟正黑體" pitchFamily="34" charset="-120"/>
               </a:rPr>
-              <a:t>也無歎息憂慮</a:t>
-            </a:r>
-            <a:endParaRPr lang="en-US" altLang="zh-CN" sz="5400" b="1" dirty="0" smtClean="0">
+              <a:t>淚</a:t>
+            </a:r>
+            <a:r>
+              <a:rPr lang="en-US" altLang="zh-CN" sz="5400" b="1" dirty="0" smtClean="0">
+                <a:solidFill>
+                  <a:srgbClr val="660033"/>
+                </a:solidFill>
+                <a:latin typeface="微軟正黑體" pitchFamily="34" charset="-120"/>
+                <a:ea typeface="微軟正黑體" pitchFamily="34" charset="-120"/>
+              </a:rPr>
+              <a:t>  </a:t>
+            </a:r>
+            <a:r>
+              <a:rPr lang="zh-CN" altLang="en-US" sz="5400" b="1" dirty="0" smtClean="0">
+                <a:solidFill>
+                  <a:srgbClr val="660033"/>
+                </a:solidFill>
+                <a:latin typeface="微軟正黑體" pitchFamily="34" charset="-120"/>
+                <a:ea typeface="微軟正黑體" pitchFamily="34" charset="-120"/>
+              </a:rPr>
+              <a:t>無</a:t>
+            </a:r>
+            <a:r>
+              <a:rPr lang="zh-CN" altLang="en-US" sz="5400" b="1" dirty="0">
+                <a:solidFill>
+                  <a:srgbClr val="660033"/>
+                </a:solidFill>
+                <a:latin typeface="微軟正黑體" pitchFamily="34" charset="-120"/>
+                <a:ea typeface="微軟正黑體" pitchFamily="34" charset="-120"/>
+              </a:rPr>
+              <a:t>有怨恨怒氣</a:t>
+            </a:r>
+            <a:endParaRPr lang="en-US" altLang="zh-CN" sz="5400" b="1" dirty="0">
               <a:solidFill>
                 <a:srgbClr val="660033"/>
               </a:solidFill>
@@ -4271,6 +4342,16 @@
               <a:buNone/>
             </a:pPr>
             <a:r>
+              <a:rPr lang="zh-CN" altLang="en-US" sz="5400" b="1" dirty="0">
+                <a:solidFill>
+                  <a:srgbClr val="660033"/>
+                </a:solidFill>
+                <a:latin typeface="微軟正黑體" pitchFamily="34" charset="-120"/>
+                <a:ea typeface="微軟正黑體" pitchFamily="34" charset="-120"/>
+              </a:rPr>
+              <a:t>信靠順服人全受福</a:t>
+            </a:r>
+            <a:r>
               <a:rPr lang="zh-CN" altLang="en-US" sz="5400" b="1" dirty="0" smtClean="0">
                 <a:solidFill>
                   <a:srgbClr val="660033"/>
@@ -4278,7 +4359,7 @@
                 <a:latin typeface="微軟正黑體" pitchFamily="34" charset="-120"/>
                 <a:ea typeface="微軟正黑體" pitchFamily="34" charset="-120"/>
               </a:rPr>
-              <a:t>信靠順服人主永不棄</a:t>
+              <a:t>氣</a:t>
             </a:r>
             <a:endParaRPr lang="zh-TW" altLang="en-US" sz="5400" b="1" dirty="0">
               <a:solidFill>
@@ -4290,7 +4371,64 @@
           </a:p>
         </p:txBody>
       </p:sp>
+      <p:sp>
+        <p:nvSpPr>
+          <p:cNvPr id="2" name="TextBox 1"/>
+          <p:cNvSpPr txBox="1"/>
+          <p:nvPr/>
+        </p:nvSpPr>
+        <p:spPr>
+          <a:xfrm>
+            <a:off x="695400" y="1988840"/>
+            <a:ext cx="792088" cy="769441"/>
+          </a:xfrm>
+          <a:prstGeom prst="rect">
+            <a:avLst/>
+          </a:prstGeom>
+          <a:noFill/>
+        </p:spPr>
+        <p:txBody>
+          <a:bodyPr wrap="square" rtlCol="0">
+            <a:spAutoFit/>
+          </a:bodyPr>
+          <a:lstStyle/>
+          <a:p>
+            <a:r>
+              <a:rPr lang="en-US" sz="4400" b="1" dirty="0">
+                <a:solidFill>
+                  <a:srgbClr val="660033"/>
+                </a:solidFill>
+                <a:latin typeface="微軟正黑體" pitchFamily="34" charset="-120"/>
+                <a:ea typeface="微軟正黑體" pitchFamily="34" charset="-120"/>
+              </a:rPr>
+              <a:t>3</a:t>
+            </a:r>
+            <a:r>
+              <a:rPr lang="en-US" sz="4400" b="1" dirty="0" smtClean="0">
+                <a:solidFill>
+                  <a:srgbClr val="660033"/>
+                </a:solidFill>
+                <a:latin typeface="微軟正黑體" pitchFamily="34" charset="-120"/>
+                <a:ea typeface="微軟正黑體" pitchFamily="34" charset="-120"/>
+              </a:rPr>
+              <a:t>.</a:t>
+            </a:r>
+            <a:endParaRPr lang="vi-VN" sz="4400" b="1" dirty="0">
+              <a:solidFill>
+                <a:srgbClr val="660033"/>
+              </a:solidFill>
+              <a:latin typeface="微軟正黑體" pitchFamily="34" charset="-120"/>
+              <a:ea typeface="微軟正黑體" pitchFamily="34" charset="-120"/>
+            </a:endParaRPr>
+          </a:p>
+        </p:txBody>
+      </p:sp>
     </p:spTree>
+    <p:extLst>
+      <p:ext uri="{BB962C8B-B14F-4D97-AF65-F5344CB8AC3E}">
+        <p14:creationId xmlns:p14="http://schemas.microsoft.com/office/powerpoint/2010/main" val="2031667674"/>
+      </p:ext>
+    </p:extLst>
   </p:cSld>
   <p:clrMapOvr>
     <a:masterClrMapping/>
@@ -4325,13 +4463,20 @@
             <p:ph type="title"/>
           </p:nvPr>
         </p:nvSpPr>
-        <p:spPr/>
-        <p:txBody>
-          <a:bodyPr/>
-          <a:lstStyle/>
-          <a:p>
-            <a:r>
-              <a:rPr lang="zh-CN" altLang="en-US" b="1" dirty="0" smtClean="0">
+        <p:spPr>
+          <a:xfrm>
+            <a:off x="0" y="274638"/>
+            <a:ext cx="12192000" cy="1143000"/>
+          </a:xfrm>
+        </p:spPr>
+        <p:txBody>
+          <a:bodyPr>
+            <a:normAutofit/>
+          </a:bodyPr>
+          <a:lstStyle/>
+          <a:p>
+            <a:r>
+              <a:rPr lang="zh-CN" altLang="en-US" sz="4800" b="1" dirty="0" smtClean="0">
                 <a:solidFill>
                   <a:srgbClr val="660033"/>
                 </a:solidFill>
@@ -4340,7 +4485,7 @@
               </a:rPr>
               <a:t>信靠順服</a:t>
             </a:r>
-            <a:endParaRPr lang="zh-TW" altLang="en-US" b="1" dirty="0">
+            <a:endParaRPr lang="zh-TW" altLang="en-US" sz="4800" b="1" dirty="0">
               <a:solidFill>
                 <a:srgbClr val="660033"/>
               </a:solidFill>
@@ -4362,8 +4507,8 @@
         </p:nvSpPr>
         <p:spPr>
           <a:xfrm>
-            <a:off x="274320" y="2155704"/>
-            <a:ext cx="8595360" cy="4273692"/>
+            <a:off x="0" y="1844824"/>
+            <a:ext cx="12192000" cy="5013176"/>
           </a:xfrm>
         </p:spPr>
         <p:txBody>
@@ -4376,7 +4521,7 @@
               <a:buNone/>
             </a:pPr>
             <a:r>
-              <a:rPr lang="zh-CN" altLang="en-US" sz="5400" b="1" dirty="0" smtClean="0">
+              <a:rPr lang="zh-CN" altLang="en-US" sz="5400" b="1" dirty="0">
                 <a:solidFill>
                   <a:srgbClr val="660033"/>
                 </a:solidFill>
@@ -4385,7 +4530,7 @@
               </a:rPr>
               <a:t>信靠順服</a:t>
             </a:r>
-            <a:endParaRPr lang="en-US" altLang="zh-CN" sz="5400" b="1" dirty="0" smtClean="0">
+            <a:endParaRPr lang="en-US" altLang="zh-CN" sz="5400" b="1" dirty="0">
               <a:solidFill>
                 <a:srgbClr val="660033"/>
               </a:solidFill>
@@ -4398,7 +4543,7 @@
               <a:buNone/>
             </a:pPr>
             <a:r>
-              <a:rPr lang="zh-CN" altLang="en-US" sz="5400" b="1" dirty="0" smtClean="0">
+              <a:rPr lang="zh-CN" altLang="en-US" sz="5400" b="1" dirty="0">
                 <a:solidFill>
                   <a:srgbClr val="660033"/>
                 </a:solidFill>
@@ -4407,7 +4552,7 @@
               </a:rPr>
               <a:t>以外並無別法</a:t>
             </a:r>
-            <a:endParaRPr lang="en-US" altLang="zh-CN" sz="5400" b="1" dirty="0" smtClean="0">
+            <a:endParaRPr lang="en-US" altLang="zh-CN" sz="5400" b="1" dirty="0">
               <a:solidFill>
                 <a:srgbClr val="660033"/>
               </a:solidFill>
@@ -4420,7 +4565,7 @@
               <a:buNone/>
             </a:pPr>
             <a:r>
-              <a:rPr lang="zh-CN" altLang="en-US" sz="5400" b="1" dirty="0" smtClean="0">
+              <a:rPr lang="zh-CN" altLang="en-US" sz="5400" b="1" dirty="0">
                 <a:solidFill>
                   <a:srgbClr val="660033"/>
                 </a:solidFill>
@@ -4429,7 +4574,7 @@
               </a:rPr>
               <a:t>若要得耶穌喜樂</a:t>
             </a:r>
-            <a:endParaRPr lang="en-US" altLang="zh-CN" sz="5400" b="1" dirty="0" smtClean="0">
+            <a:endParaRPr lang="en-US" altLang="zh-CN" sz="5400" b="1" dirty="0">
               <a:solidFill>
                 <a:srgbClr val="660033"/>
               </a:solidFill>
@@ -4442,7 +4587,7 @@
               <a:buNone/>
             </a:pPr>
             <a:r>
-              <a:rPr lang="zh-CN" altLang="en-US" sz="5400" b="1" dirty="0" smtClean="0">
+              <a:rPr lang="zh-CN" altLang="en-US" sz="5400" b="1" dirty="0">
                 <a:solidFill>
                   <a:srgbClr val="660033"/>
                 </a:solidFill>
@@ -4451,7 +4596,7 @@
               </a:rPr>
               <a:t>必要信靠順服</a:t>
             </a:r>
-            <a:endParaRPr lang="en-US" altLang="zh-CN" sz="5400" b="1" dirty="0" smtClean="0">
+            <a:endParaRPr lang="en-US" altLang="zh-CN" sz="5400" b="1" dirty="0">
               <a:solidFill>
                 <a:srgbClr val="660033"/>
               </a:solidFill>
@@ -4462,6 +4607,11 @@
         </p:txBody>
       </p:sp>
     </p:spTree>
+    <p:extLst>
+      <p:ext uri="{BB962C8B-B14F-4D97-AF65-F5344CB8AC3E}">
+        <p14:creationId xmlns:p14="http://schemas.microsoft.com/office/powerpoint/2010/main" val="4183943868"/>
+      </p:ext>
+    </p:extLst>
   </p:cSld>
   <p:clrMapOvr>
     <a:masterClrMapping/>
@@ -4496,13 +4646,20 @@
             <p:ph type="title"/>
           </p:nvPr>
         </p:nvSpPr>
-        <p:spPr/>
-        <p:txBody>
-          <a:bodyPr/>
-          <a:lstStyle/>
-          <a:p>
-            <a:r>
-              <a:rPr lang="zh-CN" altLang="en-US" b="1" dirty="0" smtClean="0">
+        <p:spPr>
+          <a:xfrm>
+            <a:off x="0" y="274638"/>
+            <a:ext cx="12192000" cy="1143000"/>
+          </a:xfrm>
+        </p:spPr>
+        <p:txBody>
+          <a:bodyPr>
+            <a:normAutofit/>
+          </a:bodyPr>
+          <a:lstStyle/>
+          <a:p>
+            <a:r>
+              <a:rPr lang="zh-CN" altLang="en-US" sz="4800" b="1" dirty="0" smtClean="0">
                 <a:solidFill>
                   <a:srgbClr val="660033"/>
                 </a:solidFill>
@@ -4511,7 +4668,7 @@
               </a:rPr>
               <a:t>信靠順服</a:t>
             </a:r>
-            <a:endParaRPr lang="zh-TW" altLang="en-US" b="1" dirty="0">
+            <a:endParaRPr lang="zh-TW" altLang="en-US" sz="4800" b="1" dirty="0">
               <a:solidFill>
                 <a:srgbClr val="660033"/>
               </a:solidFill>
@@ -4533,8 +4690,8 @@
         </p:nvSpPr>
         <p:spPr>
           <a:xfrm>
-            <a:off x="274320" y="2155704"/>
-            <a:ext cx="8595360" cy="2916370"/>
+            <a:off x="0" y="1844824"/>
+            <a:ext cx="12192000" cy="5013176"/>
           </a:xfrm>
         </p:spPr>
         <p:txBody>
@@ -4547,6 +4704,16 @@
               <a:buNone/>
             </a:pPr>
             <a:r>
+              <a:rPr lang="zh-CN" altLang="en-US" sz="5400" b="1" dirty="0">
+                <a:solidFill>
+                  <a:srgbClr val="660033"/>
+                </a:solidFill>
+                <a:latin typeface="微軟正黑體" pitchFamily="34" charset="-120"/>
+                <a:ea typeface="微軟正黑體" pitchFamily="34" charset="-120"/>
+              </a:rPr>
+              <a:t>主與我做朋</a:t>
+            </a:r>
+            <a:r>
               <a:rPr lang="zh-CN" altLang="en-US" sz="5400" b="1" dirty="0" smtClean="0">
                 <a:solidFill>
                   <a:srgbClr val="660033"/>
@@ -4554,7 +4721,69 @@
                 <a:latin typeface="微軟正黑體" pitchFamily="34" charset="-120"/>
                 <a:ea typeface="微軟正黑體" pitchFamily="34" charset="-120"/>
               </a:rPr>
-              <a:t>不要背負重擔</a:t>
+              <a:t>友</a:t>
+            </a:r>
+            <a:r>
+              <a:rPr lang="en-US" altLang="zh-CN" sz="5400" b="1" dirty="0" smtClean="0">
+                <a:solidFill>
+                  <a:srgbClr val="660033"/>
+                </a:solidFill>
+                <a:latin typeface="微軟正黑體" pitchFamily="34" charset="-120"/>
+                <a:ea typeface="微軟正黑體" pitchFamily="34" charset="-120"/>
+              </a:rPr>
+              <a:t>  </a:t>
+            </a:r>
+            <a:r>
+              <a:rPr lang="zh-CN" altLang="en-US" sz="5400" b="1" dirty="0" smtClean="0">
+                <a:solidFill>
+                  <a:srgbClr val="660033"/>
+                </a:solidFill>
+                <a:latin typeface="微軟正黑體" pitchFamily="34" charset="-120"/>
+                <a:ea typeface="微軟正黑體" pitchFamily="34" charset="-120"/>
+              </a:rPr>
+              <a:t>我</a:t>
+            </a:r>
+            <a:r>
+              <a:rPr lang="zh-CN" altLang="en-US" sz="5400" b="1" dirty="0">
+                <a:solidFill>
+                  <a:srgbClr val="660033"/>
+                </a:solidFill>
+                <a:latin typeface="微軟正黑體" pitchFamily="34" charset="-120"/>
+                <a:ea typeface="微軟正黑體" pitchFamily="34" charset="-120"/>
+              </a:rPr>
+              <a:t>可常向主求</a:t>
+            </a:r>
+            <a:endParaRPr lang="en-US" altLang="zh-CN" sz="5400" b="1" dirty="0">
+              <a:solidFill>
+                <a:srgbClr val="660033"/>
+              </a:solidFill>
+              <a:latin typeface="微軟正黑體" pitchFamily="34" charset="-120"/>
+              <a:ea typeface="微軟正黑體" pitchFamily="34" charset="-120"/>
+            </a:endParaRPr>
+          </a:p>
+          <a:p>
+            <a:pPr algn="ctr">
+              <a:buNone/>
+            </a:pPr>
+            <a:r>
+              <a:rPr lang="zh-CN" altLang="en-US" sz="5400" b="1" dirty="0">
+                <a:solidFill>
+                  <a:srgbClr val="660033"/>
+                </a:solidFill>
+                <a:latin typeface="微軟正黑體" pitchFamily="34" charset="-120"/>
+                <a:ea typeface="微軟正黑體" pitchFamily="34" charset="-120"/>
+              </a:rPr>
+              <a:t>救主攜我手一路同</a:t>
+            </a:r>
+            <a:r>
+              <a:rPr lang="zh-CN" altLang="en-US" sz="5400" b="1" dirty="0" smtClean="0">
+                <a:solidFill>
+                  <a:srgbClr val="660033"/>
+                </a:solidFill>
+                <a:latin typeface="微軟正黑體" pitchFamily="34" charset="-120"/>
+                <a:ea typeface="微軟正黑體" pitchFamily="34" charset="-120"/>
+              </a:rPr>
+              <a:t>走</a:t>
             </a:r>
             <a:endParaRPr lang="en-US" altLang="zh-CN" sz="5400" b="1" dirty="0" smtClean="0">
               <a:solidFill>
@@ -4569,6 +4798,16 @@
               <a:buNone/>
             </a:pPr>
             <a:r>
+              <a:rPr lang="zh-CN" altLang="en-US" sz="5400" b="1" dirty="0">
+                <a:solidFill>
+                  <a:srgbClr val="660033"/>
+                </a:solidFill>
+                <a:latin typeface="微軟正黑體" pitchFamily="34" charset="-120"/>
+                <a:ea typeface="微軟正黑體" pitchFamily="34" charset="-120"/>
+              </a:rPr>
+              <a:t>主吩咐我就</a:t>
+            </a:r>
+            <a:r>
               <a:rPr lang="zh-CN" altLang="en-US" sz="5400" b="1" dirty="0" smtClean="0">
                 <a:solidFill>
                   <a:srgbClr val="660033"/>
@@ -4576,9 +4815,39 @@
                 <a:latin typeface="微軟正黑體" pitchFamily="34" charset="-120"/>
                 <a:ea typeface="微軟正黑體" pitchFamily="34" charset="-120"/>
               </a:rPr>
-              <a:t>不要憂愁悲哀</a:t>
-            </a:r>
-            <a:endParaRPr lang="en-US" altLang="zh-CN" sz="5400" b="1" dirty="0" smtClean="0">
+              <a:t>遵</a:t>
+            </a:r>
+            <a:r>
+              <a:rPr lang="en-US" altLang="zh-CN" sz="5400" b="1" dirty="0" smtClean="0">
+                <a:solidFill>
+                  <a:srgbClr val="660033"/>
+                </a:solidFill>
+                <a:latin typeface="微軟正黑體" pitchFamily="34" charset="-120"/>
+                <a:ea typeface="微軟正黑體" pitchFamily="34" charset="-120"/>
+              </a:rPr>
+              <a:t>  </a:t>
+            </a:r>
+            <a:r>
+              <a:rPr lang="zh-CN" altLang="en-US" sz="5400" b="1" dirty="0" smtClean="0">
+                <a:solidFill>
+                  <a:srgbClr val="660033"/>
+                </a:solidFill>
+                <a:latin typeface="微軟正黑體" pitchFamily="34" charset="-120"/>
+                <a:ea typeface="微軟正黑體" pitchFamily="34" charset="-120"/>
+              </a:rPr>
+              <a:t>我</a:t>
+            </a:r>
+            <a:r>
+              <a:rPr lang="zh-CN" altLang="en-US" sz="5400" b="1" dirty="0">
+                <a:solidFill>
+                  <a:srgbClr val="660033"/>
+                </a:solidFill>
+                <a:latin typeface="微軟正黑體" pitchFamily="34" charset="-120"/>
+                <a:ea typeface="微軟正黑體" pitchFamily="34" charset="-120"/>
+              </a:rPr>
+              <a:t>差遣我就行</a:t>
+            </a:r>
+            <a:endParaRPr lang="en-US" altLang="zh-CN" sz="5400" b="1" dirty="0">
               <a:solidFill>
                 <a:srgbClr val="660033"/>
               </a:solidFill>
@@ -4591,14 +4860,14 @@
               <a:buNone/>
             </a:pPr>
             <a:r>
-              <a:rPr lang="zh-CN" altLang="en-US" sz="5400" b="1" dirty="0" smtClean="0">
-                <a:solidFill>
-                  <a:srgbClr val="660033"/>
-                </a:solidFill>
-                <a:latin typeface="微軟正黑體" pitchFamily="34" charset="-120"/>
-                <a:ea typeface="微軟正黑體" pitchFamily="34" charset="-120"/>
-              </a:rPr>
-              <a:t>一切勞苦主都能代替</a:t>
+              <a:rPr lang="zh-CN" altLang="en-US" sz="5400" b="1" dirty="0">
+                <a:solidFill>
+                  <a:srgbClr val="660033"/>
+                </a:solidFill>
+                <a:latin typeface="微軟正黑體" pitchFamily="34" charset="-120"/>
+                <a:ea typeface="微軟正黑體" pitchFamily="34" charset="-120"/>
+              </a:rPr>
+              <a:t>信靠順服人終必成就</a:t>
             </a:r>
             <a:endParaRPr lang="zh-TW" altLang="en-US" sz="5400" b="1" dirty="0">
               <a:solidFill>
@@ -4608,9 +4877,68 @@
               <a:ea typeface="微軟正黑體" pitchFamily="34" charset="-120"/>
             </a:endParaRPr>
           </a:p>
+          <a:p>
+            <a:pPr algn="ctr">
+              <a:buNone/>
+            </a:pPr>
+            <a:endParaRPr lang="zh-TW" altLang="en-US" sz="5400" b="1" dirty="0">
+              <a:solidFill>
+                <a:srgbClr val="660033"/>
+              </a:solidFill>
+              <a:latin typeface="微軟正黑體" pitchFamily="34" charset="-120"/>
+              <a:ea typeface="微軟正黑體" pitchFamily="34" charset="-120"/>
+            </a:endParaRPr>
+          </a:p>
+        </p:txBody>
+      </p:sp>
+      <p:sp>
+        <p:nvSpPr>
+          <p:cNvPr id="2" name="TextBox 1"/>
+          <p:cNvSpPr txBox="1"/>
+          <p:nvPr/>
+        </p:nvSpPr>
+        <p:spPr>
+          <a:xfrm>
+            <a:off x="695400" y="1988840"/>
+            <a:ext cx="792088" cy="769441"/>
+          </a:xfrm>
+          <a:prstGeom prst="rect">
+            <a:avLst/>
+          </a:prstGeom>
+          <a:noFill/>
+        </p:spPr>
+        <p:txBody>
+          <a:bodyPr wrap="square" rtlCol="0">
+            <a:spAutoFit/>
+          </a:bodyPr>
+          <a:lstStyle/>
+          <a:p>
+            <a:r>
+              <a:rPr lang="en-US" sz="4400" b="1" dirty="0" smtClean="0">
+                <a:solidFill>
+                  <a:srgbClr val="660033"/>
+                </a:solidFill>
+                <a:latin typeface="微軟正黑體" pitchFamily="34" charset="-120"/>
+                <a:ea typeface="微軟正黑體" pitchFamily="34" charset="-120"/>
+              </a:rPr>
+              <a:t>4.</a:t>
+            </a:r>
+            <a:endParaRPr lang="vi-VN" sz="4400" b="1" dirty="0">
+              <a:solidFill>
+                <a:srgbClr val="660033"/>
+              </a:solidFill>
+              <a:latin typeface="微軟正黑體" pitchFamily="34" charset="-120"/>
+              <a:ea typeface="微軟正黑體" pitchFamily="34" charset="-120"/>
+            </a:endParaRPr>
+          </a:p>
         </p:txBody>
       </p:sp>
     </p:spTree>
+    <p:extLst>
+      <p:ext uri="{BB962C8B-B14F-4D97-AF65-F5344CB8AC3E}">
+        <p14:creationId xmlns:p14="http://schemas.microsoft.com/office/powerpoint/2010/main" val="4024504617"/>
+      </p:ext>
+    </p:extLst>
   </p:cSld>
   <p:clrMapOvr>
     <a:masterClrMapping/>
@@ -4645,13 +4973,20 @@
             <p:ph type="title"/>
           </p:nvPr>
         </p:nvSpPr>
-        <p:spPr/>
-        <p:txBody>
-          <a:bodyPr/>
-          <a:lstStyle/>
-          <a:p>
-            <a:r>
-              <a:rPr lang="zh-CN" altLang="en-US" b="1" dirty="0" smtClean="0">
+        <p:spPr>
+          <a:xfrm>
+            <a:off x="0" y="274638"/>
+            <a:ext cx="12192000" cy="1143000"/>
+          </a:xfrm>
+        </p:spPr>
+        <p:txBody>
+          <a:bodyPr>
+            <a:normAutofit/>
+          </a:bodyPr>
+          <a:lstStyle/>
+          <a:p>
+            <a:r>
+              <a:rPr lang="zh-CN" altLang="en-US" sz="4800" b="1" dirty="0" smtClean="0">
                 <a:solidFill>
                   <a:srgbClr val="660033"/>
                 </a:solidFill>
@@ -4660,7 +4995,7 @@
               </a:rPr>
               <a:t>信靠順服</a:t>
             </a:r>
-            <a:endParaRPr lang="zh-TW" altLang="en-US" b="1" dirty="0">
+            <a:endParaRPr lang="zh-TW" altLang="en-US" sz="4800" b="1" dirty="0">
               <a:solidFill>
                 <a:srgbClr val="660033"/>
               </a:solidFill>
@@ -4682,8 +5017,8 @@
         </p:nvSpPr>
         <p:spPr>
           <a:xfrm>
-            <a:off x="274320" y="2155704"/>
-            <a:ext cx="8595360" cy="2916370"/>
+            <a:off x="0" y="1844824"/>
+            <a:ext cx="12192000" cy="5013176"/>
           </a:xfrm>
         </p:spPr>
         <p:txBody>
@@ -4696,16 +5031,16 @@
               <a:buNone/>
             </a:pPr>
             <a:r>
-              <a:rPr lang="zh-CN" altLang="en-US" sz="5400" b="1" dirty="0" smtClean="0">
-                <a:solidFill>
-                  <a:srgbClr val="660033"/>
-                </a:solidFill>
-                <a:latin typeface="微軟正黑體" pitchFamily="34" charset="-120"/>
-                <a:ea typeface="微軟正黑體" pitchFamily="34" charset="-120"/>
-              </a:rPr>
-              <a:t>無有傷心眼淚</a:t>
-            </a:r>
-            <a:endParaRPr lang="en-US" altLang="zh-CN" sz="5400" b="1" dirty="0" smtClean="0">
+              <a:rPr lang="zh-CN" altLang="en-US" sz="5400" b="1" dirty="0">
+                <a:solidFill>
+                  <a:srgbClr val="660033"/>
+                </a:solidFill>
+                <a:latin typeface="微軟正黑體" pitchFamily="34" charset="-120"/>
+                <a:ea typeface="微軟正黑體" pitchFamily="34" charset="-120"/>
+              </a:rPr>
+              <a:t>信靠順服</a:t>
+            </a:r>
+            <a:endParaRPr lang="en-US" altLang="zh-CN" sz="5400" b="1" dirty="0">
               <a:solidFill>
                 <a:srgbClr val="660033"/>
               </a:solidFill>
@@ -4718,16 +5053,16 @@
               <a:buNone/>
             </a:pPr>
             <a:r>
-              <a:rPr lang="zh-CN" altLang="en-US" sz="5400" b="1" dirty="0" smtClean="0">
-                <a:solidFill>
-                  <a:srgbClr val="660033"/>
-                </a:solidFill>
-                <a:latin typeface="微軟正黑體" pitchFamily="34" charset="-120"/>
-                <a:ea typeface="微軟正黑體" pitchFamily="34" charset="-120"/>
-              </a:rPr>
-              <a:t>無有怨恨怒氣</a:t>
-            </a:r>
-            <a:endParaRPr lang="en-US" altLang="zh-CN" sz="5400" b="1" dirty="0" smtClean="0">
+              <a:rPr lang="zh-CN" altLang="en-US" sz="5400" b="1" dirty="0">
+                <a:solidFill>
+                  <a:srgbClr val="660033"/>
+                </a:solidFill>
+                <a:latin typeface="微軟正黑體" pitchFamily="34" charset="-120"/>
+                <a:ea typeface="微軟正黑體" pitchFamily="34" charset="-120"/>
+              </a:rPr>
+              <a:t>以外並無別法</a:t>
+            </a:r>
+            <a:endParaRPr lang="en-US" altLang="zh-CN" sz="5400" b="1" dirty="0">
               <a:solidFill>
                 <a:srgbClr val="660033"/>
               </a:solidFill>
@@ -4740,16 +5075,16 @@
               <a:buNone/>
             </a:pPr>
             <a:r>
-              <a:rPr lang="zh-CN" altLang="en-US" sz="5400" b="1" dirty="0" smtClean="0">
-                <a:solidFill>
-                  <a:srgbClr val="660033"/>
-                </a:solidFill>
-                <a:latin typeface="微軟正黑體" pitchFamily="34" charset="-120"/>
-                <a:ea typeface="微軟正黑體" pitchFamily="34" charset="-120"/>
-              </a:rPr>
-              <a:t>信靠順服人全受福氣</a:t>
-            </a:r>
-            <a:endParaRPr lang="zh-TW" altLang="en-US" sz="5400" b="1" dirty="0">
+              <a:rPr lang="zh-CN" altLang="en-US" sz="5400" b="1" dirty="0">
+                <a:solidFill>
+                  <a:srgbClr val="660033"/>
+                </a:solidFill>
+                <a:latin typeface="微軟正黑體" pitchFamily="34" charset="-120"/>
+                <a:ea typeface="微軟正黑體" pitchFamily="34" charset="-120"/>
+              </a:rPr>
+              <a:t>若要得耶穌喜樂</a:t>
+            </a:r>
+            <a:endParaRPr lang="en-US" altLang="zh-CN" sz="5400" b="1" dirty="0">
               <a:solidFill>
                 <a:srgbClr val="660033"/>
               </a:solidFill>
@@ -4757,59 +5092,21 @@
               <a:ea typeface="微軟正黑體" pitchFamily="34" charset="-120"/>
             </a:endParaRPr>
           </a:p>
-        </p:txBody>
-      </p:sp>
-    </p:spTree>
-  </p:cSld>
-  <p:clrMapOvr>
-    <a:masterClrMapping/>
-  </p:clrMapOvr>
-</p:sld>
-</file>
-
-<file path=ppt/slides/slide9.xml><?xml version="1.0" encoding="utf-8"?>
-<p:sld xmlns:a="http://schemas.openxmlformats.org/drawingml/2006/main" xmlns:r="http://schemas.openxmlformats.org/officeDocument/2006/relationships" xmlns:p="http://schemas.openxmlformats.org/presentationml/2006/main">
-  <p:cSld>
-    <p:spTree>
-      <p:nvGrpSpPr>
-        <p:cNvPr id="1" name=""/>
-        <p:cNvGrpSpPr/>
-        <p:nvPr/>
-      </p:nvGrpSpPr>
-      <p:grpSpPr>
-        <a:xfrm>
-          <a:off x="0" y="0"/>
-          <a:ext cx="0" cy="0"/>
-          <a:chOff x="0" y="0"/>
-          <a:chExt cx="0" cy="0"/>
-        </a:xfrm>
-      </p:grpSpPr>
-      <p:sp>
-        <p:nvSpPr>
-          <p:cNvPr id="4" name="標題 3"/>
-          <p:cNvSpPr>
-            <a:spLocks noGrp="1"/>
-          </p:cNvSpPr>
-          <p:nvPr>
-            <p:ph type="title"/>
-          </p:nvPr>
-        </p:nvSpPr>
-        <p:spPr/>
-        <p:txBody>
-          <a:bodyPr/>
-          <a:lstStyle/>
-          <a:p>
-            <a:r>
-              <a:rPr lang="zh-CN" altLang="en-US" b="1" dirty="0" smtClean="0">
-                <a:solidFill>
-                  <a:srgbClr val="660033"/>
-                </a:solidFill>
-                <a:latin typeface="微軟正黑體" pitchFamily="34" charset="-120"/>
-                <a:ea typeface="微軟正黑體" pitchFamily="34" charset="-120"/>
-              </a:rPr>
-              <a:t>信靠順服</a:t>
-            </a:r>
-            <a:endParaRPr lang="zh-TW" altLang="en-US" b="1" dirty="0">
+          <a:p>
+            <a:pPr algn="ctr">
+              <a:buNone/>
+            </a:pPr>
+            <a:r>
+              <a:rPr lang="zh-CN" altLang="en-US" sz="5400" b="1" dirty="0">
+                <a:solidFill>
+                  <a:srgbClr val="660033"/>
+                </a:solidFill>
+                <a:latin typeface="微軟正黑體" pitchFamily="34" charset="-120"/>
+                <a:ea typeface="微軟正黑體" pitchFamily="34" charset="-120"/>
+              </a:rPr>
+              <a:t>必要信靠順服</a:t>
+            </a:r>
+            <a:endParaRPr lang="en-US" altLang="zh-CN" sz="5400" b="1" dirty="0">
               <a:solidFill>
                 <a:srgbClr val="660033"/>
               </a:solidFill>
@@ -4819,118 +5116,12 @@
           </a:p>
         </p:txBody>
       </p:sp>
-      <p:sp>
-        <p:nvSpPr>
-          <p:cNvPr id="5" name="內容版面配置區 4"/>
-          <p:cNvSpPr>
-            <a:spLocks noGrp="1"/>
-          </p:cNvSpPr>
-          <p:nvPr>
-            <p:ph idx="1"/>
-          </p:nvPr>
-        </p:nvSpPr>
-        <p:spPr>
-          <a:xfrm>
-            <a:off x="274320" y="2155704"/>
-            <a:ext cx="8595360" cy="4273692"/>
-          </a:xfrm>
-        </p:spPr>
-        <p:txBody>
-          <a:bodyPr>
-            <a:normAutofit/>
-          </a:bodyPr>
-          <a:lstStyle/>
-          <a:p>
-            <a:pPr algn="ctr">
-              <a:buNone/>
-            </a:pPr>
-            <a:r>
-              <a:rPr lang="zh-CN" altLang="en-US" sz="5400" b="1" dirty="0" smtClean="0">
-                <a:solidFill>
-                  <a:srgbClr val="660033"/>
-                </a:solidFill>
-                <a:latin typeface="微軟正黑體" pitchFamily="34" charset="-120"/>
-                <a:ea typeface="微軟正黑體" pitchFamily="34" charset="-120"/>
-              </a:rPr>
-              <a:t>信靠順服</a:t>
-            </a:r>
-            <a:endParaRPr lang="en-US" altLang="zh-CN" sz="5400" b="1" dirty="0" smtClean="0">
-              <a:solidFill>
-                <a:srgbClr val="660033"/>
-              </a:solidFill>
-              <a:latin typeface="微軟正黑體" pitchFamily="34" charset="-120"/>
-              <a:ea typeface="微軟正黑體" pitchFamily="34" charset="-120"/>
-            </a:endParaRPr>
-          </a:p>
-          <a:p>
-            <a:pPr algn="ctr">
-              <a:buNone/>
-            </a:pPr>
-            <a:r>
-              <a:rPr lang="zh-CN" altLang="en-US" sz="5400" b="1" dirty="0" smtClean="0">
-                <a:solidFill>
-                  <a:srgbClr val="660033"/>
-                </a:solidFill>
-                <a:latin typeface="微軟正黑體" pitchFamily="34" charset="-120"/>
-                <a:ea typeface="微軟正黑體" pitchFamily="34" charset="-120"/>
-              </a:rPr>
-              <a:t>以外並無別法</a:t>
-            </a:r>
-            <a:endParaRPr lang="en-US" altLang="zh-CN" sz="5400" b="1" dirty="0" smtClean="0">
-              <a:solidFill>
-                <a:srgbClr val="660033"/>
-              </a:solidFill>
-              <a:latin typeface="微軟正黑體" pitchFamily="34" charset="-120"/>
-              <a:ea typeface="微軟正黑體" pitchFamily="34" charset="-120"/>
-            </a:endParaRPr>
-          </a:p>
-          <a:p>
-            <a:pPr algn="ctr">
-              <a:buNone/>
-            </a:pPr>
-            <a:r>
-              <a:rPr lang="zh-CN" altLang="en-US" sz="5400" b="1" dirty="0" smtClean="0">
-                <a:solidFill>
-                  <a:srgbClr val="660033"/>
-                </a:solidFill>
-                <a:latin typeface="微軟正黑體" pitchFamily="34" charset="-120"/>
-                <a:ea typeface="微軟正黑體" pitchFamily="34" charset="-120"/>
-              </a:rPr>
-              <a:t>若要得耶穌喜樂</a:t>
-            </a:r>
-            <a:endParaRPr lang="en-US" altLang="zh-CN" sz="5400" b="1" dirty="0" smtClean="0">
-              <a:solidFill>
-                <a:srgbClr val="660033"/>
-              </a:solidFill>
-              <a:latin typeface="微軟正黑體" pitchFamily="34" charset="-120"/>
-              <a:ea typeface="微軟正黑體" pitchFamily="34" charset="-120"/>
-            </a:endParaRPr>
-          </a:p>
-          <a:p>
-            <a:pPr algn="ctr">
-              <a:buNone/>
-            </a:pPr>
-            <a:r>
-              <a:rPr lang="zh-CN" altLang="en-US" sz="5400" b="1" dirty="0" smtClean="0">
-                <a:solidFill>
-                  <a:srgbClr val="660033"/>
-                </a:solidFill>
-                <a:latin typeface="微軟正黑體" pitchFamily="34" charset="-120"/>
-                <a:ea typeface="微軟正黑體" pitchFamily="34" charset="-120"/>
-              </a:rPr>
-              <a:t>必要信靠順服</a:t>
-            </a:r>
-            <a:endParaRPr lang="en-US" altLang="zh-CN" sz="5400" b="1" dirty="0" smtClean="0">
-              <a:solidFill>
-                <a:srgbClr val="660033"/>
-              </a:solidFill>
-              <a:latin typeface="微軟正黑體" pitchFamily="34" charset="-120"/>
-              <a:ea typeface="微軟正黑體" pitchFamily="34" charset="-120"/>
-            </a:endParaRPr>
-          </a:p>
-        </p:txBody>
-      </p:sp>
     </p:spTree>
+    <p:extLst>
+      <p:ext uri="{BB962C8B-B14F-4D97-AF65-F5344CB8AC3E}">
+        <p14:creationId xmlns:p14="http://schemas.microsoft.com/office/powerpoint/2010/main" val="2787054117"/>
+      </p:ext>
+    </p:extLst>
   </p:cSld>
   <p:clrMapOvr>
     <a:masterClrMapping/>

--- a/(宣道詩80)信靠順服.pptx
+++ b/(宣道詩80)信靠順服.pptx
@@ -312,7 +312,7 @@
             <a:fld id="{A390BB82-1436-414E-953E-AA268D099EB7}" type="datetimeFigureOut">
               <a:rPr lang="zh-TW" altLang="en-US" smtClean="0"/>
               <a:pPr/>
-              <a:t>2020/4/25</a:t>
+              <a:t>2020/5/1</a:t>
             </a:fld>
             <a:endParaRPr lang="zh-TW" altLang="en-US"/>
           </a:p>
@@ -479,7 +479,7 @@
             <a:fld id="{A390BB82-1436-414E-953E-AA268D099EB7}" type="datetimeFigureOut">
               <a:rPr lang="zh-TW" altLang="en-US" smtClean="0"/>
               <a:pPr/>
-              <a:t>2020/4/25</a:t>
+              <a:t>2020/5/1</a:t>
             </a:fld>
             <a:endParaRPr lang="zh-TW" altLang="en-US"/>
           </a:p>
@@ -656,7 +656,7 @@
             <a:fld id="{A390BB82-1436-414E-953E-AA268D099EB7}" type="datetimeFigureOut">
               <a:rPr lang="zh-TW" altLang="en-US" smtClean="0"/>
               <a:pPr/>
-              <a:t>2020/4/25</a:t>
+              <a:t>2020/5/1</a:t>
             </a:fld>
             <a:endParaRPr lang="zh-TW" altLang="en-US"/>
           </a:p>
@@ -823,7 +823,7 @@
             <a:fld id="{A390BB82-1436-414E-953E-AA268D099EB7}" type="datetimeFigureOut">
               <a:rPr lang="zh-TW" altLang="en-US" smtClean="0"/>
               <a:pPr/>
-              <a:t>2020/4/25</a:t>
+              <a:t>2020/5/1</a:t>
             </a:fld>
             <a:endParaRPr lang="zh-TW" altLang="en-US"/>
           </a:p>
@@ -1066,7 +1066,7 @@
             <a:fld id="{A390BB82-1436-414E-953E-AA268D099EB7}" type="datetimeFigureOut">
               <a:rPr lang="zh-TW" altLang="en-US" smtClean="0"/>
               <a:pPr/>
-              <a:t>2020/4/25</a:t>
+              <a:t>2020/5/1</a:t>
             </a:fld>
             <a:endParaRPr lang="zh-TW" altLang="en-US"/>
           </a:p>
@@ -1351,7 +1351,7 @@
             <a:fld id="{A390BB82-1436-414E-953E-AA268D099EB7}" type="datetimeFigureOut">
               <a:rPr lang="zh-TW" altLang="en-US" smtClean="0"/>
               <a:pPr/>
-              <a:t>2020/4/25</a:t>
+              <a:t>2020/5/1</a:t>
             </a:fld>
             <a:endParaRPr lang="zh-TW" altLang="en-US"/>
           </a:p>
@@ -1770,7 +1770,7 @@
             <a:fld id="{A390BB82-1436-414E-953E-AA268D099EB7}" type="datetimeFigureOut">
               <a:rPr lang="zh-TW" altLang="en-US" smtClean="0"/>
               <a:pPr/>
-              <a:t>2020/4/25</a:t>
+              <a:t>2020/5/1</a:t>
             </a:fld>
             <a:endParaRPr lang="zh-TW" altLang="en-US"/>
           </a:p>
@@ -1885,7 +1885,7 @@
             <a:fld id="{A390BB82-1436-414E-953E-AA268D099EB7}" type="datetimeFigureOut">
               <a:rPr lang="zh-TW" altLang="en-US" smtClean="0"/>
               <a:pPr/>
-              <a:t>2020/4/25</a:t>
+              <a:t>2020/5/1</a:t>
             </a:fld>
             <a:endParaRPr lang="zh-TW" altLang="en-US"/>
           </a:p>
@@ -1977,7 +1977,7 @@
             <a:fld id="{A390BB82-1436-414E-953E-AA268D099EB7}" type="datetimeFigureOut">
               <a:rPr lang="zh-TW" altLang="en-US" smtClean="0"/>
               <a:pPr/>
-              <a:t>2020/4/25</a:t>
+              <a:t>2020/5/1</a:t>
             </a:fld>
             <a:endParaRPr lang="zh-TW" altLang="en-US"/>
           </a:p>
@@ -2251,7 +2251,7 @@
             <a:fld id="{A390BB82-1436-414E-953E-AA268D099EB7}" type="datetimeFigureOut">
               <a:rPr lang="zh-TW" altLang="en-US" smtClean="0"/>
               <a:pPr/>
-              <a:t>2020/4/25</a:t>
+              <a:t>2020/5/1</a:t>
             </a:fld>
             <a:endParaRPr lang="zh-TW" altLang="en-US"/>
           </a:p>
@@ -2505,7 +2505,7 @@
             <a:fld id="{A390BB82-1436-414E-953E-AA268D099EB7}" type="datetimeFigureOut">
               <a:rPr lang="zh-TW" altLang="en-US" smtClean="0"/>
               <a:pPr/>
-              <a:t>2020/4/25</a:t>
+              <a:t>2020/5/1</a:t>
             </a:fld>
             <a:endParaRPr lang="zh-TW" altLang="en-US"/>
           </a:p>
@@ -2720,7 +2720,7 @@
             <a:fld id="{A390BB82-1436-414E-953E-AA268D099EB7}" type="datetimeFigureOut">
               <a:rPr lang="zh-TW" altLang="en-US" smtClean="0"/>
               <a:pPr/>
-              <a:t>2020/4/25</a:t>
+              <a:t>2020/5/1</a:t>
             </a:fld>
             <a:endParaRPr lang="zh-TW" altLang="en-US"/>
           </a:p>
@@ -3322,7 +3322,27 @@
                 <a:latin typeface="微軟正黑體" pitchFamily="34" charset="-120"/>
                 <a:ea typeface="微軟正黑體" pitchFamily="34" charset="-120"/>
               </a:rPr>
-              <a:t>信靠順服主肯同行</a:t>
+              <a:t>信靠順</a:t>
+            </a:r>
+            <a:r>
+              <a:rPr lang="zh-CN" altLang="en-US" sz="5400" b="1" dirty="0">
+                <a:solidFill>
+                  <a:srgbClr val="660033"/>
+                </a:solidFill>
+                <a:latin typeface="微軟正黑體" pitchFamily="34" charset="-120"/>
+                <a:ea typeface="微軟正黑體" pitchFamily="34" charset="-120"/>
+              </a:rPr>
+              <a:t>服人主</a:t>
+            </a:r>
+            <a:r>
+              <a:rPr lang="zh-CN" altLang="en-US" sz="5400" b="1" dirty="0">
+                <a:solidFill>
+                  <a:srgbClr val="660033"/>
+                </a:solidFill>
+                <a:latin typeface="微軟正黑體" pitchFamily="34" charset="-120"/>
+                <a:ea typeface="微軟正黑體" pitchFamily="34" charset="-120"/>
+              </a:rPr>
+              <a:t>肯同行</a:t>
             </a:r>
             <a:endParaRPr lang="zh-TW" altLang="en-US" sz="5400" b="1" dirty="0">
               <a:solidFill>
@@ -4815,27 +4835,7 @@
                 <a:latin typeface="微軟正黑體" pitchFamily="34" charset="-120"/>
                 <a:ea typeface="微軟正黑體" pitchFamily="34" charset="-120"/>
               </a:rPr>
-              <a:t>遵</a:t>
-            </a:r>
-            <a:r>
-              <a:rPr lang="en-US" altLang="zh-CN" sz="5400" b="1" dirty="0" smtClean="0">
-                <a:solidFill>
-                  <a:srgbClr val="660033"/>
-                </a:solidFill>
-                <a:latin typeface="微軟正黑體" pitchFamily="34" charset="-120"/>
-                <a:ea typeface="微軟正黑體" pitchFamily="34" charset="-120"/>
-              </a:rPr>
-              <a:t>  </a:t>
-            </a:r>
-            <a:r>
-              <a:rPr lang="zh-CN" altLang="en-US" sz="5400" b="1" dirty="0" smtClean="0">
-                <a:solidFill>
-                  <a:srgbClr val="660033"/>
-                </a:solidFill>
-                <a:latin typeface="微軟正黑體" pitchFamily="34" charset="-120"/>
-                <a:ea typeface="微軟正黑體" pitchFamily="34" charset="-120"/>
-              </a:rPr>
-              <a:t>我</a:t>
+              <a:t>遵  主</a:t>
             </a:r>
             <a:r>
               <a:rPr lang="zh-CN" altLang="en-US" sz="5400" b="1" dirty="0">
@@ -4845,7 +4845,17 @@
                 <a:latin typeface="微軟正黑體" pitchFamily="34" charset="-120"/>
                 <a:ea typeface="微軟正黑體" pitchFamily="34" charset="-120"/>
               </a:rPr>
-              <a:t>差遣我就行</a:t>
+              <a:t>差</a:t>
+            </a:r>
+            <a:r>
+              <a:rPr lang="zh-CN" altLang="en-US" sz="5400" b="1" dirty="0">
+                <a:solidFill>
+                  <a:srgbClr val="660033"/>
+                </a:solidFill>
+                <a:latin typeface="微軟正黑體" pitchFamily="34" charset="-120"/>
+                <a:ea typeface="微軟正黑體" pitchFamily="34" charset="-120"/>
+              </a:rPr>
+              <a:t>遣我就行</a:t>
             </a:r>
             <a:endParaRPr lang="en-US" altLang="zh-CN" sz="5400" b="1" dirty="0">
               <a:solidFill>

--- a/(宣道詩80)信靠順服.pptx
+++ b/(宣道詩80)信靠順服.pptx
@@ -6,19 +6,15 @@
   </p:sldMasterIdLst>
   <p:sldIdLst>
     <p:sldId id="256" r:id="rId2"/>
-    <p:sldId id="257" r:id="rId3"/>
-    <p:sldId id="258" r:id="rId4"/>
-    <p:sldId id="259" r:id="rId5"/>
-    <p:sldId id="260" r:id="rId6"/>
-    <p:sldId id="261" r:id="rId7"/>
-    <p:sldId id="262" r:id="rId8"/>
-    <p:sldId id="263" r:id="rId9"/>
-    <p:sldId id="264" r:id="rId10"/>
-    <p:sldId id="265" r:id="rId11"/>
-    <p:sldId id="266" r:id="rId12"/>
-    <p:sldId id="267" r:id="rId13"/>
+    <p:sldId id="268" r:id="rId3"/>
+    <p:sldId id="269" r:id="rId4"/>
+    <p:sldId id="270" r:id="rId5"/>
+    <p:sldId id="271" r:id="rId6"/>
+    <p:sldId id="272" r:id="rId7"/>
+    <p:sldId id="273" r:id="rId8"/>
+    <p:sldId id="274" r:id="rId9"/>
   </p:sldIdLst>
-  <p:sldSz cx="9144000" cy="6858000" type="screen4x3"/>
+  <p:sldSz cx="12192000" cy="6858000"/>
   <p:notesSz cx="6858000" cy="9144000"/>
   <p:defaultTextStyle>
     <a:defPPr>
@@ -115,6 +111,22 @@
       </a:defRPr>
     </a:lvl9pPr>
   </p:defaultTextStyle>
+  <p:extLst>
+    <p:ext uri="{EFAFB233-063F-42B5-8137-9DF3F51BA10A}">
+      <p15:sldGuideLst xmlns:p15="http://schemas.microsoft.com/office/powerpoint/2012/main">
+        <p15:guide id="1" orient="horz" pos="2160" userDrawn="1">
+          <p15:clr>
+            <a:srgbClr val="A4A3A4"/>
+          </p15:clr>
+        </p15:guide>
+        <p15:guide id="2" pos="3840" userDrawn="1">
+          <p15:clr>
+            <a:srgbClr val="A4A3A4"/>
+          </p15:clr>
+        </p15:guide>
+      </p15:sldGuideLst>
+    </p:ext>
+  </p:extLst>
 </p:presentation>
 </file>
 
@@ -147,8 +159,8 @@
         </p:nvSpPr>
         <p:spPr>
           <a:xfrm>
-            <a:off x="685800" y="2130425"/>
-            <a:ext cx="7772400" cy="1470025"/>
+            <a:off x="914400" y="2130426"/>
+            <a:ext cx="10363200" cy="1470025"/>
           </a:xfrm>
         </p:spPr>
         <p:txBody>
@@ -175,8 +187,8 @@
         </p:nvSpPr>
         <p:spPr>
           <a:xfrm>
-            <a:off x="1371600" y="3886200"/>
-            <a:ext cx="6400800" cy="1752600"/>
+            <a:off x="1828800" y="3886200"/>
+            <a:ext cx="8534400" cy="1752600"/>
           </a:xfrm>
         </p:spPr>
         <p:txBody>
@@ -300,7 +312,7 @@
             <a:fld id="{A390BB82-1436-414E-953E-AA268D099EB7}" type="datetimeFigureOut">
               <a:rPr lang="zh-TW" altLang="en-US" smtClean="0"/>
               <a:pPr/>
-              <a:t>2020/4/26</a:t>
+              <a:t>2020/5/1</a:t>
             </a:fld>
             <a:endParaRPr lang="zh-TW" altLang="en-US"/>
           </a:p>
@@ -467,7 +479,7 @@
             <a:fld id="{A390BB82-1436-414E-953E-AA268D099EB7}" type="datetimeFigureOut">
               <a:rPr lang="zh-TW" altLang="en-US" smtClean="0"/>
               <a:pPr/>
-              <a:t>2020/4/26</a:t>
+              <a:t>2020/5/1</a:t>
             </a:fld>
             <a:endParaRPr lang="zh-TW" altLang="en-US"/>
           </a:p>
@@ -553,8 +565,8 @@
         </p:nvSpPr>
         <p:spPr>
           <a:xfrm>
-            <a:off x="6629400" y="274638"/>
-            <a:ext cx="2057400" cy="5851525"/>
+            <a:off x="8839200" y="274639"/>
+            <a:ext cx="2743200" cy="5851525"/>
           </a:xfrm>
         </p:spPr>
         <p:txBody>
@@ -581,8 +593,8 @@
         </p:nvSpPr>
         <p:spPr>
           <a:xfrm>
-            <a:off x="457200" y="274638"/>
-            <a:ext cx="6019800" cy="5851525"/>
+            <a:off x="609600" y="274639"/>
+            <a:ext cx="8026400" cy="5851525"/>
           </a:xfrm>
         </p:spPr>
         <p:txBody>
@@ -644,7 +656,7 @@
             <a:fld id="{A390BB82-1436-414E-953E-AA268D099EB7}" type="datetimeFigureOut">
               <a:rPr lang="zh-TW" altLang="en-US" smtClean="0"/>
               <a:pPr/>
-              <a:t>2020/4/26</a:t>
+              <a:t>2020/5/1</a:t>
             </a:fld>
             <a:endParaRPr lang="zh-TW" altLang="en-US"/>
           </a:p>
@@ -811,7 +823,7 @@
             <a:fld id="{A390BB82-1436-414E-953E-AA268D099EB7}" type="datetimeFigureOut">
               <a:rPr lang="zh-TW" altLang="en-US" smtClean="0"/>
               <a:pPr/>
-              <a:t>2020/4/26</a:t>
+              <a:t>2020/5/1</a:t>
             </a:fld>
             <a:endParaRPr lang="zh-TW" altLang="en-US"/>
           </a:p>
@@ -897,8 +909,8 @@
         </p:nvSpPr>
         <p:spPr>
           <a:xfrm>
-            <a:off x="722313" y="4406900"/>
-            <a:ext cx="7772400" cy="1362075"/>
+            <a:off x="963084" y="4406901"/>
+            <a:ext cx="10363200" cy="1362075"/>
           </a:xfrm>
         </p:spPr>
         <p:txBody>
@@ -929,8 +941,8 @@
         </p:nvSpPr>
         <p:spPr>
           <a:xfrm>
-            <a:off x="722313" y="2906713"/>
-            <a:ext cx="7772400" cy="1500187"/>
+            <a:off x="963084" y="2906713"/>
+            <a:ext cx="10363200" cy="1500187"/>
           </a:xfrm>
         </p:spPr>
         <p:txBody>
@@ -1054,7 +1066,7 @@
             <a:fld id="{A390BB82-1436-414E-953E-AA268D099EB7}" type="datetimeFigureOut">
               <a:rPr lang="zh-TW" altLang="en-US" smtClean="0"/>
               <a:pPr/>
-              <a:t>2020/4/26</a:t>
+              <a:t>2020/5/1</a:t>
             </a:fld>
             <a:endParaRPr lang="zh-TW" altLang="en-US"/>
           </a:p>
@@ -1163,8 +1175,8 @@
         </p:nvSpPr>
         <p:spPr>
           <a:xfrm>
-            <a:off x="457200" y="1600200"/>
-            <a:ext cx="4038600" cy="4525963"/>
+            <a:off x="609600" y="1600201"/>
+            <a:ext cx="5384800" cy="4525963"/>
           </a:xfrm>
         </p:spPr>
         <p:txBody>
@@ -1248,8 +1260,8 @@
         </p:nvSpPr>
         <p:spPr>
           <a:xfrm>
-            <a:off x="4648200" y="1600200"/>
-            <a:ext cx="4038600" cy="4525963"/>
+            <a:off x="6197600" y="1600201"/>
+            <a:ext cx="5384800" cy="4525963"/>
           </a:xfrm>
         </p:spPr>
         <p:txBody>
@@ -1339,7 +1351,7 @@
             <a:fld id="{A390BB82-1436-414E-953E-AA268D099EB7}" type="datetimeFigureOut">
               <a:rPr lang="zh-TW" altLang="en-US" smtClean="0"/>
               <a:pPr/>
-              <a:t>2020/4/26</a:t>
+              <a:t>2020/5/1</a:t>
             </a:fld>
             <a:endParaRPr lang="zh-TW" altLang="en-US"/>
           </a:p>
@@ -1452,8 +1464,8 @@
         </p:nvSpPr>
         <p:spPr>
           <a:xfrm>
-            <a:off x="457200" y="1535113"/>
-            <a:ext cx="4040188" cy="639762"/>
+            <a:off x="609600" y="1535113"/>
+            <a:ext cx="5386917" cy="639762"/>
           </a:xfrm>
         </p:spPr>
         <p:txBody>
@@ -1517,8 +1529,8 @@
         </p:nvSpPr>
         <p:spPr>
           <a:xfrm>
-            <a:off x="457200" y="2174875"/>
-            <a:ext cx="4040188" cy="3951288"/>
+            <a:off x="609600" y="2174875"/>
+            <a:ext cx="5386917" cy="3951288"/>
           </a:xfrm>
         </p:spPr>
         <p:txBody>
@@ -1602,8 +1614,8 @@
         </p:nvSpPr>
         <p:spPr>
           <a:xfrm>
-            <a:off x="4645025" y="1535113"/>
-            <a:ext cx="4041775" cy="639762"/>
+            <a:off x="6193368" y="1535113"/>
+            <a:ext cx="5389033" cy="639762"/>
           </a:xfrm>
         </p:spPr>
         <p:txBody>
@@ -1667,8 +1679,8 @@
         </p:nvSpPr>
         <p:spPr>
           <a:xfrm>
-            <a:off x="4645025" y="2174875"/>
-            <a:ext cx="4041775" cy="3951288"/>
+            <a:off x="6193368" y="2174875"/>
+            <a:ext cx="5389033" cy="3951288"/>
           </a:xfrm>
         </p:spPr>
         <p:txBody>
@@ -1758,7 +1770,7 @@
             <a:fld id="{A390BB82-1436-414E-953E-AA268D099EB7}" type="datetimeFigureOut">
               <a:rPr lang="zh-TW" altLang="en-US" smtClean="0"/>
               <a:pPr/>
-              <a:t>2020/4/26</a:t>
+              <a:t>2020/5/1</a:t>
             </a:fld>
             <a:endParaRPr lang="zh-TW" altLang="en-US"/>
           </a:p>
@@ -1873,7 +1885,7 @@
             <a:fld id="{A390BB82-1436-414E-953E-AA268D099EB7}" type="datetimeFigureOut">
               <a:rPr lang="zh-TW" altLang="en-US" smtClean="0"/>
               <a:pPr/>
-              <a:t>2020/4/26</a:t>
+              <a:t>2020/5/1</a:t>
             </a:fld>
             <a:endParaRPr lang="zh-TW" altLang="en-US"/>
           </a:p>
@@ -1965,7 +1977,7 @@
             <a:fld id="{A390BB82-1436-414E-953E-AA268D099EB7}" type="datetimeFigureOut">
               <a:rPr lang="zh-TW" altLang="en-US" smtClean="0"/>
               <a:pPr/>
-              <a:t>2020/4/26</a:t>
+              <a:t>2020/5/1</a:t>
             </a:fld>
             <a:endParaRPr lang="zh-TW" altLang="en-US"/>
           </a:p>
@@ -2051,8 +2063,8 @@
         </p:nvSpPr>
         <p:spPr>
           <a:xfrm>
-            <a:off x="457200" y="273050"/>
-            <a:ext cx="3008313" cy="1162050"/>
+            <a:off x="609601" y="273050"/>
+            <a:ext cx="4011084" cy="1162050"/>
           </a:xfrm>
         </p:spPr>
         <p:txBody>
@@ -2083,8 +2095,8 @@
         </p:nvSpPr>
         <p:spPr>
           <a:xfrm>
-            <a:off x="3575050" y="273050"/>
-            <a:ext cx="5111750" cy="5853113"/>
+            <a:off x="4766733" y="273051"/>
+            <a:ext cx="6815667" cy="5853113"/>
           </a:xfrm>
         </p:spPr>
         <p:txBody>
@@ -2168,8 +2180,8 @@
         </p:nvSpPr>
         <p:spPr>
           <a:xfrm>
-            <a:off x="457200" y="1435100"/>
-            <a:ext cx="3008313" cy="4691063"/>
+            <a:off x="609601" y="1435101"/>
+            <a:ext cx="4011084" cy="4691063"/>
           </a:xfrm>
         </p:spPr>
         <p:txBody>
@@ -2239,7 +2251,7 @@
             <a:fld id="{A390BB82-1436-414E-953E-AA268D099EB7}" type="datetimeFigureOut">
               <a:rPr lang="zh-TW" altLang="en-US" smtClean="0"/>
               <a:pPr/>
-              <a:t>2020/4/26</a:t>
+              <a:t>2020/5/1</a:t>
             </a:fld>
             <a:endParaRPr lang="zh-TW" altLang="en-US"/>
           </a:p>
@@ -2325,8 +2337,8 @@
         </p:nvSpPr>
         <p:spPr>
           <a:xfrm>
-            <a:off x="1792288" y="4800600"/>
-            <a:ext cx="5486400" cy="566738"/>
+            <a:off x="2389717" y="4800600"/>
+            <a:ext cx="7315200" cy="566738"/>
           </a:xfrm>
         </p:spPr>
         <p:txBody>
@@ -2357,8 +2369,8 @@
         </p:nvSpPr>
         <p:spPr>
           <a:xfrm>
-            <a:off x="1792288" y="612775"/>
-            <a:ext cx="5486400" cy="4114800"/>
+            <a:off x="2389717" y="612775"/>
+            <a:ext cx="7315200" cy="4114800"/>
           </a:xfrm>
         </p:spPr>
         <p:txBody>
@@ -2422,8 +2434,8 @@
         </p:nvSpPr>
         <p:spPr>
           <a:xfrm>
-            <a:off x="1792288" y="5367338"/>
-            <a:ext cx="5486400" cy="804862"/>
+            <a:off x="2389717" y="5367338"/>
+            <a:ext cx="7315200" cy="804862"/>
           </a:xfrm>
         </p:spPr>
         <p:txBody>
@@ -2493,7 +2505,7 @@
             <a:fld id="{A390BB82-1436-414E-953E-AA268D099EB7}" type="datetimeFigureOut">
               <a:rPr lang="zh-TW" altLang="en-US" smtClean="0"/>
               <a:pPr/>
-              <a:t>2020/4/26</a:t>
+              <a:t>2020/5/1</a:t>
             </a:fld>
             <a:endParaRPr lang="zh-TW" altLang="en-US"/>
           </a:p>
@@ -2589,8 +2601,8 @@
         </p:nvSpPr>
         <p:spPr>
           <a:xfrm>
-            <a:off x="457200" y="274638"/>
-            <a:ext cx="8229600" cy="1143000"/>
+            <a:off x="609600" y="274638"/>
+            <a:ext cx="10972800" cy="1143000"/>
           </a:xfrm>
           <a:prstGeom prst="rect">
             <a:avLst/>
@@ -2622,8 +2634,8 @@
         </p:nvSpPr>
         <p:spPr>
           <a:xfrm>
-            <a:off x="457200" y="1600200"/>
-            <a:ext cx="8229600" cy="4525963"/>
+            <a:off x="609600" y="1600201"/>
+            <a:ext cx="10972800" cy="4525963"/>
           </a:xfrm>
           <a:prstGeom prst="rect">
             <a:avLst/>
@@ -2684,8 +2696,8 @@
         </p:nvSpPr>
         <p:spPr>
           <a:xfrm>
-            <a:off x="457200" y="6356350"/>
-            <a:ext cx="2133600" cy="365125"/>
+            <a:off x="609600" y="6356351"/>
+            <a:ext cx="2844800" cy="365125"/>
           </a:xfrm>
           <a:prstGeom prst="rect">
             <a:avLst/>
@@ -2708,7 +2720,7 @@
             <a:fld id="{A390BB82-1436-414E-953E-AA268D099EB7}" type="datetimeFigureOut">
               <a:rPr lang="zh-TW" altLang="en-US" smtClean="0"/>
               <a:pPr/>
-              <a:t>2020/4/26</a:t>
+              <a:t>2020/5/1</a:t>
             </a:fld>
             <a:endParaRPr lang="zh-TW" altLang="en-US"/>
           </a:p>
@@ -2726,8 +2738,8 @@
         </p:nvSpPr>
         <p:spPr>
           <a:xfrm>
-            <a:off x="3124200" y="6356350"/>
-            <a:ext cx="2895600" cy="365125"/>
+            <a:off x="4165600" y="6356351"/>
+            <a:ext cx="3860800" cy="365125"/>
           </a:xfrm>
           <a:prstGeom prst="rect">
             <a:avLst/>
@@ -2763,8 +2775,8 @@
         </p:nvSpPr>
         <p:spPr>
           <a:xfrm>
-            <a:off x="6553200" y="6356350"/>
-            <a:ext cx="2133600" cy="365125"/>
+            <a:off x="8737600" y="6356351"/>
+            <a:ext cx="2844800" cy="365125"/>
           </a:xfrm>
           <a:prstGeom prst="rect">
             <a:avLst/>
@@ -3089,13 +3101,20 @@
             <p:ph type="title"/>
           </p:nvPr>
         </p:nvSpPr>
-        <p:spPr/>
-        <p:txBody>
-          <a:bodyPr/>
-          <a:lstStyle/>
-          <a:p>
-            <a:r>
-              <a:rPr lang="zh-CN" altLang="en-US" b="1" dirty="0" smtClean="0">
+        <p:spPr>
+          <a:xfrm>
+            <a:off x="0" y="274638"/>
+            <a:ext cx="12192000" cy="1143000"/>
+          </a:xfrm>
+        </p:spPr>
+        <p:txBody>
+          <a:bodyPr>
+            <a:normAutofit/>
+          </a:bodyPr>
+          <a:lstStyle/>
+          <a:p>
+            <a:r>
+              <a:rPr lang="zh-CN" altLang="en-US" sz="4800" b="1" dirty="0" smtClean="0">
                 <a:solidFill>
                   <a:srgbClr val="660033"/>
                 </a:solidFill>
@@ -3104,7 +3123,7 @@
               </a:rPr>
               <a:t>信靠順服</a:t>
             </a:r>
-            <a:endParaRPr lang="zh-TW" altLang="en-US" b="1" dirty="0">
+            <a:endParaRPr lang="zh-TW" altLang="en-US" sz="4800" b="1" dirty="0">
               <a:solidFill>
                 <a:srgbClr val="660033"/>
               </a:solidFill>
@@ -3126,8 +3145,8 @@
         </p:nvSpPr>
         <p:spPr>
           <a:xfrm>
-            <a:off x="274320" y="2155704"/>
-            <a:ext cx="8595360" cy="2916370"/>
+            <a:off x="0" y="1844824"/>
+            <a:ext cx="12192000" cy="5013176"/>
           </a:xfrm>
         </p:spPr>
         <p:txBody>
@@ -3140,6 +3159,16 @@
               <a:buNone/>
             </a:pPr>
             <a:r>
+              <a:rPr lang="zh-CN" altLang="en-US" sz="5400" b="1" dirty="0">
+                <a:solidFill>
+                  <a:srgbClr val="660033"/>
+                </a:solidFill>
+                <a:latin typeface="微軟正黑體" pitchFamily="34" charset="-120"/>
+                <a:ea typeface="微軟正黑體" pitchFamily="34" charset="-120"/>
+              </a:rPr>
+              <a:t>我與救主同</a:t>
+            </a:r>
+            <a:r>
               <a:rPr lang="zh-CN" altLang="en-US" sz="5400" b="1" dirty="0" smtClean="0">
                 <a:solidFill>
                   <a:srgbClr val="660033"/>
@@ -3147,7 +3176,69 @@
                 <a:latin typeface="微軟正黑體" pitchFamily="34" charset="-120"/>
                 <a:ea typeface="微軟正黑體" pitchFamily="34" charset="-120"/>
               </a:rPr>
-              <a:t>我與救主同行</a:t>
+              <a:t>行</a:t>
+            </a:r>
+            <a:r>
+              <a:rPr lang="en-US" altLang="zh-CN" sz="5400" b="1" dirty="0" smtClean="0">
+                <a:solidFill>
+                  <a:srgbClr val="660033"/>
+                </a:solidFill>
+                <a:latin typeface="微軟正黑體" pitchFamily="34" charset="-120"/>
+                <a:ea typeface="微軟正黑體" pitchFamily="34" charset="-120"/>
+              </a:rPr>
+              <a:t>  </a:t>
+            </a:r>
+            <a:r>
+              <a:rPr lang="zh-CN" altLang="en-US" sz="5400" b="1" dirty="0" smtClean="0">
+                <a:solidFill>
+                  <a:srgbClr val="660033"/>
+                </a:solidFill>
+                <a:latin typeface="微軟正黑體" pitchFamily="34" charset="-120"/>
+                <a:ea typeface="微軟正黑體" pitchFamily="34" charset="-120"/>
+              </a:rPr>
+              <a:t>在</a:t>
+            </a:r>
+            <a:r>
+              <a:rPr lang="zh-CN" altLang="en-US" sz="5400" b="1" dirty="0">
+                <a:solidFill>
+                  <a:srgbClr val="660033"/>
+                </a:solidFill>
+                <a:latin typeface="微軟正黑體" pitchFamily="34" charset="-120"/>
+                <a:ea typeface="微軟正黑體" pitchFamily="34" charset="-120"/>
+              </a:rPr>
+              <a:t>主光明福音</a:t>
+            </a:r>
+            <a:endParaRPr lang="en-US" altLang="zh-CN" sz="5400" b="1" dirty="0">
+              <a:solidFill>
+                <a:srgbClr val="660033"/>
+              </a:solidFill>
+              <a:latin typeface="微軟正黑體" pitchFamily="34" charset="-120"/>
+              <a:ea typeface="微軟正黑體" pitchFamily="34" charset="-120"/>
+            </a:endParaRPr>
+          </a:p>
+          <a:p>
+            <a:pPr algn="ctr">
+              <a:buNone/>
+            </a:pPr>
+            <a:r>
+              <a:rPr lang="zh-CN" altLang="en-US" sz="5400" b="1" dirty="0">
+                <a:solidFill>
+                  <a:srgbClr val="660033"/>
+                </a:solidFill>
+                <a:latin typeface="微軟正黑體" pitchFamily="34" charset="-120"/>
+                <a:ea typeface="微軟正黑體" pitchFamily="34" charset="-120"/>
+              </a:rPr>
+              <a:t>何等榮耀照亮我路</a:t>
+            </a:r>
+            <a:r>
+              <a:rPr lang="zh-CN" altLang="en-US" sz="5400" b="1" dirty="0" smtClean="0">
+                <a:solidFill>
+                  <a:srgbClr val="660033"/>
+                </a:solidFill>
+                <a:latin typeface="微軟正黑體" pitchFamily="34" charset="-120"/>
+                <a:ea typeface="微軟正黑體" pitchFamily="34" charset="-120"/>
+              </a:rPr>
+              <a:t>程</a:t>
             </a:r>
             <a:endParaRPr lang="en-US" altLang="zh-CN" sz="5400" b="1" dirty="0" smtClean="0">
               <a:solidFill>
@@ -3162,6 +3253,16 @@
               <a:buNone/>
             </a:pPr>
             <a:r>
+              <a:rPr lang="zh-CN" altLang="en-US" sz="5400" b="1" dirty="0">
+                <a:solidFill>
+                  <a:srgbClr val="660033"/>
+                </a:solidFill>
+                <a:latin typeface="微軟正黑體" pitchFamily="34" charset="-120"/>
+                <a:ea typeface="微軟正黑體" pitchFamily="34" charset="-120"/>
+              </a:rPr>
+              <a:t>只要聽主命</a:t>
+            </a:r>
+            <a:r>
               <a:rPr lang="zh-CN" altLang="en-US" sz="5400" b="1" dirty="0" smtClean="0">
                 <a:solidFill>
                   <a:srgbClr val="660033"/>
@@ -3169,9 +3270,39 @@
                 <a:latin typeface="微軟正黑體" pitchFamily="34" charset="-120"/>
                 <a:ea typeface="微軟正黑體" pitchFamily="34" charset="-120"/>
               </a:rPr>
-              <a:t>在主光明福音</a:t>
-            </a:r>
-            <a:endParaRPr lang="en-US" altLang="zh-CN" sz="5400" b="1" dirty="0" smtClean="0">
+              <a:t>令</a:t>
+            </a:r>
+            <a:r>
+              <a:rPr lang="en-US" altLang="zh-CN" sz="5400" b="1" dirty="0" smtClean="0">
+                <a:solidFill>
+                  <a:srgbClr val="660033"/>
+                </a:solidFill>
+                <a:latin typeface="微軟正黑體" pitchFamily="34" charset="-120"/>
+                <a:ea typeface="微軟正黑體" pitchFamily="34" charset="-120"/>
+              </a:rPr>
+              <a:t>  </a:t>
+            </a:r>
+            <a:r>
+              <a:rPr lang="zh-CN" altLang="en-US" sz="5400" b="1" dirty="0" smtClean="0">
+                <a:solidFill>
+                  <a:srgbClr val="660033"/>
+                </a:solidFill>
+                <a:latin typeface="微軟正黑體" pitchFamily="34" charset="-120"/>
+                <a:ea typeface="微軟正黑體" pitchFamily="34" charset="-120"/>
+              </a:rPr>
+              <a:t>主</a:t>
+            </a:r>
+            <a:r>
+              <a:rPr lang="zh-CN" altLang="en-US" sz="5400" b="1" dirty="0">
+                <a:solidFill>
+                  <a:srgbClr val="660033"/>
+                </a:solidFill>
+                <a:latin typeface="微軟正黑體" pitchFamily="34" charset="-120"/>
+                <a:ea typeface="微軟正黑體" pitchFamily="34" charset="-120"/>
+              </a:rPr>
+              <a:t>肯與我同行</a:t>
+            </a:r>
+            <a:endParaRPr lang="en-US" altLang="zh-CN" sz="5400" b="1" dirty="0">
               <a:solidFill>
                 <a:srgbClr val="660033"/>
               </a:solidFill>
@@ -3184,14 +3315,34 @@
               <a:buNone/>
             </a:pPr>
             <a:r>
-              <a:rPr lang="zh-CN" altLang="en-US" sz="5400" b="1" dirty="0" smtClean="0">
-                <a:solidFill>
-                  <a:srgbClr val="660033"/>
-                </a:solidFill>
-                <a:latin typeface="微軟正黑體" pitchFamily="34" charset="-120"/>
-                <a:ea typeface="微軟正黑體" pitchFamily="34" charset="-120"/>
-              </a:rPr>
-              <a:t>何等榮耀照亮我路程</a:t>
+              <a:rPr lang="zh-CN" altLang="en-US" sz="5400" b="1" dirty="0">
+                <a:solidFill>
+                  <a:srgbClr val="660033"/>
+                </a:solidFill>
+                <a:latin typeface="微軟正黑體" pitchFamily="34" charset="-120"/>
+                <a:ea typeface="微軟正黑體" pitchFamily="34" charset="-120"/>
+              </a:rPr>
+              <a:t>信靠順</a:t>
+            </a:r>
+            <a:r>
+              <a:rPr lang="zh-CN" altLang="en-US" sz="5400" b="1" dirty="0">
+                <a:solidFill>
+                  <a:srgbClr val="660033"/>
+                </a:solidFill>
+                <a:latin typeface="微軟正黑體" pitchFamily="34" charset="-120"/>
+                <a:ea typeface="微軟正黑體" pitchFamily="34" charset="-120"/>
+              </a:rPr>
+              <a:t>服人主</a:t>
+            </a:r>
+            <a:r>
+              <a:rPr lang="zh-CN" altLang="en-US" sz="5400" b="1" dirty="0">
+                <a:solidFill>
+                  <a:srgbClr val="660033"/>
+                </a:solidFill>
+                <a:latin typeface="微軟正黑體" pitchFamily="34" charset="-120"/>
+                <a:ea typeface="微軟正黑體" pitchFamily="34" charset="-120"/>
+              </a:rPr>
+              <a:t>肯同行</a:t>
             </a:r>
             <a:endParaRPr lang="zh-TW" altLang="en-US" sz="5400" b="1" dirty="0">
               <a:solidFill>
@@ -3201,147 +3352,10 @@
               <a:ea typeface="微軟正黑體" pitchFamily="34" charset="-120"/>
             </a:endParaRPr>
           </a:p>
-        </p:txBody>
-      </p:sp>
-    </p:spTree>
-  </p:cSld>
-  <p:clrMapOvr>
-    <a:masterClrMapping/>
-  </p:clrMapOvr>
-</p:sld>
-</file>
-
-<file path=ppt/slides/slide10.xml><?xml version="1.0" encoding="utf-8"?>
-<p:sld xmlns:a="http://schemas.openxmlformats.org/drawingml/2006/main" xmlns:r="http://schemas.openxmlformats.org/officeDocument/2006/relationships" xmlns:p="http://schemas.openxmlformats.org/presentationml/2006/main">
-  <p:cSld>
-    <p:spTree>
-      <p:nvGrpSpPr>
-        <p:cNvPr id="1" name=""/>
-        <p:cNvGrpSpPr/>
-        <p:nvPr/>
-      </p:nvGrpSpPr>
-      <p:grpSpPr>
-        <a:xfrm>
-          <a:off x="0" y="0"/>
-          <a:ext cx="0" cy="0"/>
-          <a:chOff x="0" y="0"/>
-          <a:chExt cx="0" cy="0"/>
-        </a:xfrm>
-      </p:grpSpPr>
-      <p:sp>
-        <p:nvSpPr>
-          <p:cNvPr id="4" name="標題 3"/>
-          <p:cNvSpPr>
-            <a:spLocks noGrp="1"/>
-          </p:cNvSpPr>
-          <p:nvPr>
-            <p:ph type="title"/>
-          </p:nvPr>
-        </p:nvSpPr>
-        <p:spPr/>
-        <p:txBody>
-          <a:bodyPr/>
-          <a:lstStyle/>
-          <a:p>
-            <a:r>
-              <a:rPr lang="zh-CN" altLang="en-US" b="1" dirty="0" smtClean="0">
-                <a:solidFill>
-                  <a:srgbClr val="660033"/>
-                </a:solidFill>
-                <a:latin typeface="微軟正黑體" pitchFamily="34" charset="-120"/>
-                <a:ea typeface="微軟正黑體" pitchFamily="34" charset="-120"/>
-              </a:rPr>
-              <a:t>信靠順服</a:t>
-            </a:r>
-            <a:endParaRPr lang="zh-TW" altLang="en-US" b="1" dirty="0">
-              <a:solidFill>
-                <a:srgbClr val="660033"/>
-              </a:solidFill>
-              <a:latin typeface="微軟正黑體" pitchFamily="34" charset="-120"/>
-              <a:ea typeface="微軟正黑體" pitchFamily="34" charset="-120"/>
-            </a:endParaRPr>
-          </a:p>
-        </p:txBody>
-      </p:sp>
-      <p:sp>
-        <p:nvSpPr>
-          <p:cNvPr id="5" name="內容版面配置區 4"/>
-          <p:cNvSpPr>
-            <a:spLocks noGrp="1"/>
-          </p:cNvSpPr>
-          <p:nvPr>
-            <p:ph idx="1"/>
-          </p:nvPr>
-        </p:nvSpPr>
-        <p:spPr>
-          <a:xfrm>
-            <a:off x="274320" y="2155704"/>
-            <a:ext cx="8595360" cy="2916370"/>
-          </a:xfrm>
-        </p:spPr>
-        <p:txBody>
-          <a:bodyPr>
-            <a:normAutofit/>
-          </a:bodyPr>
-          <a:lstStyle/>
           <a:p>
             <a:pPr algn="ctr">
               <a:buNone/>
             </a:pPr>
-            <a:r>
-              <a:rPr lang="zh-CN" altLang="en-US" sz="5400" b="1" dirty="0" smtClean="0">
-                <a:solidFill>
-                  <a:srgbClr val="660033"/>
-                </a:solidFill>
-                <a:latin typeface="微軟正黑體" pitchFamily="34" charset="-120"/>
-                <a:ea typeface="微軟正黑體" pitchFamily="34" charset="-120"/>
-              </a:rPr>
-              <a:t>主與我做朋友</a:t>
-            </a:r>
-            <a:endParaRPr lang="en-US" altLang="zh-CN" sz="5400" b="1" dirty="0" smtClean="0">
-              <a:solidFill>
-                <a:srgbClr val="660033"/>
-              </a:solidFill>
-              <a:latin typeface="微軟正黑體" pitchFamily="34" charset="-120"/>
-              <a:ea typeface="微軟正黑體" pitchFamily="34" charset="-120"/>
-            </a:endParaRPr>
-          </a:p>
-          <a:p>
-            <a:pPr algn="ctr">
-              <a:buNone/>
-            </a:pPr>
-            <a:r>
-              <a:rPr lang="zh-CN" altLang="en-US" sz="5400" b="1" dirty="0" smtClean="0">
-                <a:solidFill>
-                  <a:srgbClr val="660033"/>
-                </a:solidFill>
-                <a:latin typeface="微軟正黑體" pitchFamily="34" charset="-120"/>
-                <a:ea typeface="微軟正黑體" pitchFamily="34" charset="-120"/>
-              </a:rPr>
-              <a:t>我可常向主求</a:t>
-            </a:r>
-            <a:endParaRPr lang="en-US" altLang="zh-CN" sz="5400" b="1" dirty="0" smtClean="0">
-              <a:solidFill>
-                <a:srgbClr val="660033"/>
-              </a:solidFill>
-              <a:latin typeface="微軟正黑體" pitchFamily="34" charset="-120"/>
-              <a:ea typeface="微軟正黑體" pitchFamily="34" charset="-120"/>
-            </a:endParaRPr>
-          </a:p>
-          <a:p>
-            <a:pPr algn="ctr">
-              <a:buNone/>
-            </a:pPr>
-            <a:r>
-              <a:rPr lang="zh-CN" altLang="en-US" sz="5400" b="1" dirty="0" smtClean="0">
-                <a:solidFill>
-                  <a:srgbClr val="660033"/>
-                </a:solidFill>
-                <a:latin typeface="微軟正黑體" pitchFamily="34" charset="-120"/>
-                <a:ea typeface="微軟正黑體" pitchFamily="34" charset="-120"/>
-              </a:rPr>
-              <a:t>救主攜我手一路同走</a:t>
-            </a:r>
             <a:endParaRPr lang="zh-TW" altLang="en-US" sz="5400" b="1" dirty="0">
               <a:solidFill>
                 <a:srgbClr val="660033"/>
@@ -3352,327 +3366,39 @@
           </a:p>
         </p:txBody>
       </p:sp>
-    </p:spTree>
-  </p:cSld>
-  <p:clrMapOvr>
-    <a:masterClrMapping/>
-  </p:clrMapOvr>
-</p:sld>
-</file>
-
-<file path=ppt/slides/slide11.xml><?xml version="1.0" encoding="utf-8"?>
-<p:sld xmlns:a="http://schemas.openxmlformats.org/drawingml/2006/main" xmlns:r="http://schemas.openxmlformats.org/officeDocument/2006/relationships" xmlns:p="http://schemas.openxmlformats.org/presentationml/2006/main">
-  <p:cSld>
-    <p:spTree>
-      <p:nvGrpSpPr>
-        <p:cNvPr id="1" name=""/>
-        <p:cNvGrpSpPr/>
-        <p:nvPr/>
-      </p:nvGrpSpPr>
-      <p:grpSpPr>
-        <a:xfrm>
-          <a:off x="0" y="0"/>
-          <a:ext cx="0" cy="0"/>
-          <a:chOff x="0" y="0"/>
-          <a:chExt cx="0" cy="0"/>
-        </a:xfrm>
-      </p:grpSpPr>
-      <p:sp>
-        <p:nvSpPr>
-          <p:cNvPr id="4" name="標題 3"/>
-          <p:cNvSpPr>
-            <a:spLocks noGrp="1"/>
-          </p:cNvSpPr>
-          <p:nvPr>
-            <p:ph type="title"/>
-          </p:nvPr>
-        </p:nvSpPr>
-        <p:spPr/>
-        <p:txBody>
-          <a:bodyPr/>
-          <a:lstStyle/>
-          <a:p>
-            <a:r>
-              <a:rPr lang="zh-CN" altLang="en-US" b="1" dirty="0" smtClean="0">
-                <a:solidFill>
-                  <a:srgbClr val="660033"/>
-                </a:solidFill>
-                <a:latin typeface="微軟正黑體" pitchFamily="34" charset="-120"/>
-                <a:ea typeface="微軟正黑體" pitchFamily="34" charset="-120"/>
-              </a:rPr>
-              <a:t>信靠順服</a:t>
-            </a:r>
-            <a:endParaRPr lang="zh-TW" altLang="en-US" b="1" dirty="0">
-              <a:solidFill>
-                <a:srgbClr val="660033"/>
-              </a:solidFill>
-              <a:latin typeface="微軟正黑體" pitchFamily="34" charset="-120"/>
-              <a:ea typeface="微軟正黑體" pitchFamily="34" charset="-120"/>
-            </a:endParaRPr>
-          </a:p>
-        </p:txBody>
-      </p:sp>
-      <p:sp>
-        <p:nvSpPr>
-          <p:cNvPr id="5" name="內容版面配置區 4"/>
-          <p:cNvSpPr>
-            <a:spLocks noGrp="1"/>
-          </p:cNvSpPr>
-          <p:nvPr>
-            <p:ph idx="1"/>
-          </p:nvPr>
+      <p:sp>
+        <p:nvSpPr>
+          <p:cNvPr id="2" name="TextBox 1"/>
+          <p:cNvSpPr txBox="1"/>
+          <p:nvPr/>
         </p:nvSpPr>
         <p:spPr>
           <a:xfrm>
-            <a:off x="274320" y="2155704"/>
-            <a:ext cx="8595360" cy="2916370"/>
+            <a:off x="695400" y="1988840"/>
+            <a:ext cx="792088" cy="769441"/>
           </a:xfrm>
+          <a:prstGeom prst="rect">
+            <a:avLst/>
+          </a:prstGeom>
+          <a:noFill/>
         </p:spPr>
         <p:txBody>
-          <a:bodyPr>
-            <a:normAutofit/>
+          <a:bodyPr wrap="square" rtlCol="0">
+            <a:spAutoFit/>
           </a:bodyPr>
           <a:lstStyle/>
           <a:p>
-            <a:pPr algn="ctr">
-              <a:buNone/>
-            </a:pPr>
-            <a:r>
-              <a:rPr lang="zh-CN" altLang="en-US" sz="5400" b="1" dirty="0" smtClean="0">
-                <a:solidFill>
-                  <a:srgbClr val="660033"/>
-                </a:solidFill>
-                <a:latin typeface="微軟正黑體" pitchFamily="34" charset="-120"/>
-                <a:ea typeface="微軟正黑體" pitchFamily="34" charset="-120"/>
-              </a:rPr>
-              <a:t>主吩咐我就遵</a:t>
-            </a:r>
-            <a:endParaRPr lang="en-US" altLang="zh-CN" sz="5400" b="1" dirty="0" smtClean="0">
-              <a:solidFill>
-                <a:srgbClr val="660033"/>
-              </a:solidFill>
-              <a:latin typeface="微軟正黑體" pitchFamily="34" charset="-120"/>
-              <a:ea typeface="微軟正黑體" pitchFamily="34" charset="-120"/>
-            </a:endParaRPr>
-          </a:p>
-          <a:p>
-            <a:pPr algn="ctr">
-              <a:buNone/>
-            </a:pPr>
-            <a:r>
-              <a:rPr lang="zh-CN" altLang="en-US" sz="5400" b="1" dirty="0" smtClean="0">
-                <a:solidFill>
-                  <a:srgbClr val="660033"/>
-                </a:solidFill>
-                <a:latin typeface="微軟正黑體" pitchFamily="34" charset="-120"/>
-                <a:ea typeface="微軟正黑體" pitchFamily="34" charset="-120"/>
-              </a:rPr>
-              <a:t>主差遣</a:t>
-            </a:r>
-            <a:r>
-              <a:rPr lang="zh-CN" altLang="en-US" sz="5400" b="1" dirty="0" smtClean="0">
-                <a:solidFill>
-                  <a:srgbClr val="660033"/>
-                </a:solidFill>
-                <a:latin typeface="微軟正黑體" pitchFamily="34" charset="-120"/>
-                <a:ea typeface="微軟正黑體" pitchFamily="34" charset="-120"/>
-              </a:rPr>
-              <a:t>我就行</a:t>
-            </a:r>
-            <a:endParaRPr lang="en-US" altLang="zh-CN" sz="5400" b="1" dirty="0" smtClean="0">
-              <a:solidFill>
-                <a:srgbClr val="660033"/>
-              </a:solidFill>
-              <a:latin typeface="微軟正黑體" pitchFamily="34" charset="-120"/>
-              <a:ea typeface="微軟正黑體" pitchFamily="34" charset="-120"/>
-            </a:endParaRPr>
-          </a:p>
-          <a:p>
-            <a:pPr algn="ctr">
-              <a:buNone/>
-            </a:pPr>
-            <a:r>
-              <a:rPr lang="zh-CN" altLang="en-US" sz="5400" b="1" dirty="0" smtClean="0">
-                <a:solidFill>
-                  <a:srgbClr val="660033"/>
-                </a:solidFill>
-                <a:latin typeface="微軟正黑體" pitchFamily="34" charset="-120"/>
-                <a:ea typeface="微軟正黑體" pitchFamily="34" charset="-120"/>
-              </a:rPr>
-              <a:t>信靠順服人終必成就</a:t>
-            </a:r>
-            <a:endParaRPr lang="zh-TW" altLang="en-US" sz="5400" b="1" dirty="0">
-              <a:solidFill>
-                <a:srgbClr val="660033"/>
-              </a:solidFill>
-              <a:latin typeface="微軟正黑體" pitchFamily="34" charset="-120"/>
-              <a:ea typeface="微軟正黑體" pitchFamily="34" charset="-120"/>
-            </a:endParaRPr>
-          </a:p>
-        </p:txBody>
-      </p:sp>
-    </p:spTree>
-  </p:cSld>
-  <p:clrMapOvr>
-    <a:masterClrMapping/>
-  </p:clrMapOvr>
-</p:sld>
-</file>
-
-<file path=ppt/slides/slide12.xml><?xml version="1.0" encoding="utf-8"?>
-<p:sld xmlns:a="http://schemas.openxmlformats.org/drawingml/2006/main" xmlns:r="http://schemas.openxmlformats.org/officeDocument/2006/relationships" xmlns:p="http://schemas.openxmlformats.org/presentationml/2006/main">
-  <p:cSld>
-    <p:spTree>
-      <p:nvGrpSpPr>
-        <p:cNvPr id="1" name=""/>
-        <p:cNvGrpSpPr/>
-        <p:nvPr/>
-      </p:nvGrpSpPr>
-      <p:grpSpPr>
-        <a:xfrm>
-          <a:off x="0" y="0"/>
-          <a:ext cx="0" cy="0"/>
-          <a:chOff x="0" y="0"/>
-          <a:chExt cx="0" cy="0"/>
-        </a:xfrm>
-      </p:grpSpPr>
-      <p:sp>
-        <p:nvSpPr>
-          <p:cNvPr id="4" name="標題 3"/>
-          <p:cNvSpPr>
-            <a:spLocks noGrp="1"/>
-          </p:cNvSpPr>
-          <p:nvPr>
-            <p:ph type="title"/>
-          </p:nvPr>
-        </p:nvSpPr>
-        <p:spPr/>
-        <p:txBody>
-          <a:bodyPr/>
-          <a:lstStyle/>
-          <a:p>
-            <a:r>
-              <a:rPr lang="zh-CN" altLang="en-US" b="1" dirty="0" smtClean="0">
-                <a:solidFill>
-                  <a:srgbClr val="660033"/>
-                </a:solidFill>
-                <a:latin typeface="微軟正黑體" pitchFamily="34" charset="-120"/>
-                <a:ea typeface="微軟正黑體" pitchFamily="34" charset="-120"/>
-              </a:rPr>
-              <a:t>信靠順服</a:t>
-            </a:r>
-            <a:endParaRPr lang="zh-TW" altLang="en-US" b="1" dirty="0">
-              <a:solidFill>
-                <a:srgbClr val="660033"/>
-              </a:solidFill>
-              <a:latin typeface="微軟正黑體" pitchFamily="34" charset="-120"/>
-              <a:ea typeface="微軟正黑體" pitchFamily="34" charset="-120"/>
-            </a:endParaRPr>
-          </a:p>
-        </p:txBody>
-      </p:sp>
-      <p:sp>
-        <p:nvSpPr>
-          <p:cNvPr id="5" name="內容版面配置區 4"/>
-          <p:cNvSpPr>
-            <a:spLocks noGrp="1"/>
-          </p:cNvSpPr>
-          <p:nvPr>
-            <p:ph idx="1"/>
-          </p:nvPr>
-        </p:nvSpPr>
-        <p:spPr>
-          <a:xfrm>
-            <a:off x="274320" y="2155704"/>
-            <a:ext cx="8595360" cy="4273692"/>
-          </a:xfrm>
-        </p:spPr>
-        <p:txBody>
-          <a:bodyPr>
-            <a:normAutofit/>
-          </a:bodyPr>
-          <a:lstStyle/>
-          <a:p>
-            <a:pPr algn="ctr">
-              <a:buNone/>
-            </a:pPr>
-            <a:r>
-              <a:rPr lang="zh-CN" altLang="en-US" sz="5400" b="1" dirty="0" smtClean="0">
-                <a:solidFill>
-                  <a:srgbClr val="660033"/>
-                </a:solidFill>
-                <a:latin typeface="微軟正黑體" pitchFamily="34" charset="-120"/>
-                <a:ea typeface="微軟正黑體" pitchFamily="34" charset="-120"/>
-              </a:rPr>
-              <a:t>信靠順服</a:t>
-            </a:r>
-            <a:endParaRPr lang="en-US" altLang="zh-CN" sz="5400" b="1" dirty="0" smtClean="0">
-              <a:solidFill>
-                <a:srgbClr val="660033"/>
-              </a:solidFill>
-              <a:latin typeface="微軟正黑體" pitchFamily="34" charset="-120"/>
-              <a:ea typeface="微軟正黑體" pitchFamily="34" charset="-120"/>
-            </a:endParaRPr>
-          </a:p>
-          <a:p>
-            <a:pPr algn="ctr">
-              <a:buNone/>
-            </a:pPr>
-            <a:r>
-              <a:rPr lang="zh-CN" altLang="en-US" sz="5400" b="1" dirty="0" smtClean="0">
-                <a:solidFill>
-                  <a:srgbClr val="660033"/>
-                </a:solidFill>
-                <a:latin typeface="微軟正黑體" pitchFamily="34" charset="-120"/>
-                <a:ea typeface="微軟正黑體" pitchFamily="34" charset="-120"/>
-              </a:rPr>
-              <a:t>以外並無別法</a:t>
-            </a:r>
-            <a:endParaRPr lang="en-US" altLang="zh-CN" sz="5400" b="1" dirty="0" smtClean="0">
-              <a:solidFill>
-                <a:srgbClr val="660033"/>
-              </a:solidFill>
-              <a:latin typeface="微軟正黑體" pitchFamily="34" charset="-120"/>
-              <a:ea typeface="微軟正黑體" pitchFamily="34" charset="-120"/>
-            </a:endParaRPr>
-          </a:p>
-          <a:p>
-            <a:pPr algn="ctr">
-              <a:buNone/>
-            </a:pPr>
-            <a:r>
-              <a:rPr lang="zh-CN" altLang="en-US" sz="5400" b="1" dirty="0" smtClean="0">
-                <a:solidFill>
-                  <a:srgbClr val="660033"/>
-                </a:solidFill>
-                <a:latin typeface="微軟正黑體" pitchFamily="34" charset="-120"/>
-                <a:ea typeface="微軟正黑體" pitchFamily="34" charset="-120"/>
-              </a:rPr>
-              <a:t>若要得耶穌喜樂</a:t>
-            </a:r>
-            <a:endParaRPr lang="en-US" altLang="zh-CN" sz="5400" b="1" dirty="0" smtClean="0">
-              <a:solidFill>
-                <a:srgbClr val="660033"/>
-              </a:solidFill>
-              <a:latin typeface="微軟正黑體" pitchFamily="34" charset="-120"/>
-              <a:ea typeface="微軟正黑體" pitchFamily="34" charset="-120"/>
-            </a:endParaRPr>
-          </a:p>
-          <a:p>
-            <a:pPr algn="ctr">
-              <a:buNone/>
-            </a:pPr>
-            <a:r>
-              <a:rPr lang="zh-CN" altLang="en-US" sz="5400" b="1" dirty="0" smtClean="0">
-                <a:solidFill>
-                  <a:srgbClr val="660033"/>
-                </a:solidFill>
-                <a:latin typeface="微軟正黑體" pitchFamily="34" charset="-120"/>
-                <a:ea typeface="微軟正黑體" pitchFamily="34" charset="-120"/>
-              </a:rPr>
-              <a:t>必要信靠順服</a:t>
-            </a:r>
-            <a:endParaRPr lang="en-US" altLang="zh-CN" sz="5400" b="1" dirty="0" smtClean="0">
+            <a:r>
+              <a:rPr lang="en-US" sz="4400" b="1" dirty="0">
+                <a:solidFill>
+                  <a:srgbClr val="660033"/>
+                </a:solidFill>
+                <a:latin typeface="微軟正黑體" pitchFamily="34" charset="-120"/>
+                <a:ea typeface="微軟正黑體" pitchFamily="34" charset="-120"/>
+              </a:rPr>
+              <a:t>1.</a:t>
+            </a:r>
+            <a:endParaRPr lang="vi-VN" sz="4400" b="1" dirty="0">
               <a:solidFill>
                 <a:srgbClr val="660033"/>
               </a:solidFill>
@@ -3717,13 +3443,20 @@
             <p:ph type="title"/>
           </p:nvPr>
         </p:nvSpPr>
-        <p:spPr/>
-        <p:txBody>
-          <a:bodyPr/>
-          <a:lstStyle/>
-          <a:p>
-            <a:r>
-              <a:rPr lang="zh-CN" altLang="en-US" b="1" dirty="0" smtClean="0">
+        <p:spPr>
+          <a:xfrm>
+            <a:off x="0" y="274638"/>
+            <a:ext cx="12192000" cy="1143000"/>
+          </a:xfrm>
+        </p:spPr>
+        <p:txBody>
+          <a:bodyPr>
+            <a:normAutofit/>
+          </a:bodyPr>
+          <a:lstStyle/>
+          <a:p>
+            <a:r>
+              <a:rPr lang="zh-CN" altLang="en-US" sz="4800" b="1" dirty="0" smtClean="0">
                 <a:solidFill>
                   <a:srgbClr val="660033"/>
                 </a:solidFill>
@@ -3732,7 +3465,7 @@
               </a:rPr>
               <a:t>信靠順服</a:t>
             </a:r>
-            <a:endParaRPr lang="zh-TW" altLang="en-US" b="1" dirty="0">
+            <a:endParaRPr lang="zh-TW" altLang="en-US" sz="4800" b="1" dirty="0">
               <a:solidFill>
                 <a:srgbClr val="660033"/>
               </a:solidFill>
@@ -3754,8 +3487,8 @@
         </p:nvSpPr>
         <p:spPr>
           <a:xfrm>
-            <a:off x="274320" y="2155704"/>
-            <a:ext cx="8595360" cy="2916370"/>
+            <a:off x="0" y="1844824"/>
+            <a:ext cx="12192000" cy="5013176"/>
           </a:xfrm>
         </p:spPr>
         <p:txBody>
@@ -3768,16 +3501,16 @@
               <a:buNone/>
             </a:pPr>
             <a:r>
-              <a:rPr lang="zh-CN" altLang="en-US" sz="5400" b="1" dirty="0" smtClean="0">
-                <a:solidFill>
-                  <a:srgbClr val="660033"/>
-                </a:solidFill>
-                <a:latin typeface="微軟正黑體" pitchFamily="34" charset="-120"/>
-                <a:ea typeface="微軟正黑體" pitchFamily="34" charset="-120"/>
-              </a:rPr>
-              <a:t>只要聽主命令</a:t>
-            </a:r>
-            <a:endParaRPr lang="en-US" altLang="zh-CN" sz="5400" b="1" dirty="0" smtClean="0">
+              <a:rPr lang="zh-CN" altLang="en-US" sz="5400" b="1" dirty="0">
+                <a:solidFill>
+                  <a:srgbClr val="660033"/>
+                </a:solidFill>
+                <a:latin typeface="微軟正黑體" pitchFamily="34" charset="-120"/>
+                <a:ea typeface="微軟正黑體" pitchFamily="34" charset="-120"/>
+              </a:rPr>
+              <a:t>信靠順服</a:t>
+            </a:r>
+            <a:endParaRPr lang="en-US" altLang="zh-CN" sz="5400" b="1" dirty="0">
               <a:solidFill>
                 <a:srgbClr val="660033"/>
               </a:solidFill>
@@ -3790,16 +3523,16 @@
               <a:buNone/>
             </a:pPr>
             <a:r>
-              <a:rPr lang="zh-CN" altLang="en-US" sz="5400" b="1" dirty="0" smtClean="0">
-                <a:solidFill>
-                  <a:srgbClr val="660033"/>
-                </a:solidFill>
-                <a:latin typeface="微軟正黑體" pitchFamily="34" charset="-120"/>
-                <a:ea typeface="微軟正黑體" pitchFamily="34" charset="-120"/>
-              </a:rPr>
-              <a:t>主肯與我同行</a:t>
-            </a:r>
-            <a:endParaRPr lang="en-US" altLang="zh-CN" sz="5400" b="1" dirty="0" smtClean="0">
+              <a:rPr lang="zh-CN" altLang="en-US" sz="5400" b="1" dirty="0">
+                <a:solidFill>
+                  <a:srgbClr val="660033"/>
+                </a:solidFill>
+                <a:latin typeface="微軟正黑體" pitchFamily="34" charset="-120"/>
+                <a:ea typeface="微軟正黑體" pitchFamily="34" charset="-120"/>
+              </a:rPr>
+              <a:t>以外並無別法</a:t>
+            </a:r>
+            <a:endParaRPr lang="en-US" altLang="zh-CN" sz="5400" b="1" dirty="0">
               <a:solidFill>
                 <a:srgbClr val="660033"/>
               </a:solidFill>
@@ -3812,36 +3545,16 @@
               <a:buNone/>
             </a:pPr>
             <a:r>
-              <a:rPr lang="zh-CN" altLang="en-US" sz="5400" b="1" dirty="0" smtClean="0">
-                <a:solidFill>
-                  <a:srgbClr val="660033"/>
-                </a:solidFill>
-                <a:latin typeface="微軟正黑體" pitchFamily="34" charset="-120"/>
-                <a:ea typeface="微軟正黑體" pitchFamily="34" charset="-120"/>
-              </a:rPr>
-              <a:t>信靠</a:t>
-            </a:r>
-            <a:r>
-              <a:rPr lang="zh-CN" altLang="en-US" sz="5400" b="1" dirty="0" smtClean="0">
-                <a:solidFill>
-                  <a:srgbClr val="660033"/>
-                </a:solidFill>
-                <a:latin typeface="微軟正黑體" pitchFamily="34" charset="-120"/>
-                <a:ea typeface="微軟正黑體" pitchFamily="34" charset="-120"/>
-              </a:rPr>
-              <a:t>順服人主</a:t>
-            </a:r>
-            <a:r>
-              <a:rPr lang="zh-CN" altLang="en-US" sz="5400" b="1" dirty="0" smtClean="0">
-                <a:solidFill>
-                  <a:srgbClr val="660033"/>
-                </a:solidFill>
-                <a:latin typeface="微軟正黑體" pitchFamily="34" charset="-120"/>
-                <a:ea typeface="微軟正黑體" pitchFamily="34" charset="-120"/>
-              </a:rPr>
-              <a:t>肯同行</a:t>
-            </a:r>
-            <a:endParaRPr lang="zh-TW" altLang="en-US" sz="5400" b="1" dirty="0">
+              <a:rPr lang="zh-CN" altLang="en-US" sz="5400" b="1" dirty="0">
+                <a:solidFill>
+                  <a:srgbClr val="660033"/>
+                </a:solidFill>
+                <a:latin typeface="微軟正黑體" pitchFamily="34" charset="-120"/>
+                <a:ea typeface="微軟正黑體" pitchFamily="34" charset="-120"/>
+              </a:rPr>
+              <a:t>若要得耶穌喜樂</a:t>
+            </a:r>
+            <a:endParaRPr lang="en-US" altLang="zh-CN" sz="5400" b="1" dirty="0">
               <a:solidFill>
                 <a:srgbClr val="660033"/>
               </a:solidFill>
@@ -3849,9 +3562,36 @@
               <a:ea typeface="微軟正黑體" pitchFamily="34" charset="-120"/>
             </a:endParaRPr>
           </a:p>
+          <a:p>
+            <a:pPr algn="ctr">
+              <a:buNone/>
+            </a:pPr>
+            <a:r>
+              <a:rPr lang="zh-CN" altLang="en-US" sz="5400" b="1" dirty="0">
+                <a:solidFill>
+                  <a:srgbClr val="660033"/>
+                </a:solidFill>
+                <a:latin typeface="微軟正黑體" pitchFamily="34" charset="-120"/>
+                <a:ea typeface="微軟正黑體" pitchFamily="34" charset="-120"/>
+              </a:rPr>
+              <a:t>必要信靠順服</a:t>
+            </a:r>
+            <a:endParaRPr lang="en-US" altLang="zh-CN" sz="5400" b="1" dirty="0">
+              <a:solidFill>
+                <a:srgbClr val="660033"/>
+              </a:solidFill>
+              <a:latin typeface="微軟正黑體" pitchFamily="34" charset="-120"/>
+              <a:ea typeface="微軟正黑體" pitchFamily="34" charset="-120"/>
+            </a:endParaRPr>
+          </a:p>
         </p:txBody>
       </p:sp>
     </p:spTree>
+    <p:extLst>
+      <p:ext uri="{BB962C8B-B14F-4D97-AF65-F5344CB8AC3E}">
+        <p14:creationId xmlns:p14="http://schemas.microsoft.com/office/powerpoint/2010/main" val="1497301528"/>
+      </p:ext>
+    </p:extLst>
   </p:cSld>
   <p:clrMapOvr>
     <a:masterClrMapping/>
@@ -3886,13 +3626,20 @@
             <p:ph type="title"/>
           </p:nvPr>
         </p:nvSpPr>
-        <p:spPr/>
-        <p:txBody>
-          <a:bodyPr/>
-          <a:lstStyle/>
-          <a:p>
-            <a:r>
-              <a:rPr lang="zh-CN" altLang="en-US" b="1" dirty="0" smtClean="0">
+        <p:spPr>
+          <a:xfrm>
+            <a:off x="0" y="274638"/>
+            <a:ext cx="12192000" cy="1143000"/>
+          </a:xfrm>
+        </p:spPr>
+        <p:txBody>
+          <a:bodyPr>
+            <a:normAutofit/>
+          </a:bodyPr>
+          <a:lstStyle/>
+          <a:p>
+            <a:r>
+              <a:rPr lang="zh-CN" altLang="en-US" sz="4800" b="1" dirty="0" smtClean="0">
                 <a:solidFill>
                   <a:srgbClr val="660033"/>
                 </a:solidFill>
@@ -3901,7 +3648,7 @@
               </a:rPr>
               <a:t>信靠順服</a:t>
             </a:r>
-            <a:endParaRPr lang="zh-TW" altLang="en-US" b="1" dirty="0">
+            <a:endParaRPr lang="zh-TW" altLang="en-US" sz="4800" b="1" dirty="0">
               <a:solidFill>
                 <a:srgbClr val="660033"/>
               </a:solidFill>
@@ -3923,8 +3670,8 @@
         </p:nvSpPr>
         <p:spPr>
           <a:xfrm>
-            <a:off x="274320" y="2155704"/>
-            <a:ext cx="8595360" cy="4273692"/>
+            <a:off x="0" y="1844824"/>
+            <a:ext cx="12192000" cy="5013176"/>
           </a:xfrm>
         </p:spPr>
         <p:txBody>
@@ -3937,6 +3684,16 @@
               <a:buNone/>
             </a:pPr>
             <a:r>
+              <a:rPr lang="zh-CN" altLang="en-US" sz="5400" b="1" dirty="0">
+                <a:solidFill>
+                  <a:srgbClr val="660033"/>
+                </a:solidFill>
+                <a:latin typeface="微軟正黑體" pitchFamily="34" charset="-120"/>
+                <a:ea typeface="微軟正黑體" pitchFamily="34" charset="-120"/>
+              </a:rPr>
+              <a:t>無有黑影遮</a:t>
+            </a:r>
+            <a:r>
               <a:rPr lang="zh-CN" altLang="en-US" sz="5400" b="1" dirty="0" smtClean="0">
                 <a:solidFill>
                   <a:srgbClr val="660033"/>
@@ -3944,7 +3701,69 @@
                 <a:latin typeface="微軟正黑體" pitchFamily="34" charset="-120"/>
                 <a:ea typeface="微軟正黑體" pitchFamily="34" charset="-120"/>
               </a:rPr>
-              <a:t>信靠順服</a:t>
+              <a:t>暗</a:t>
+            </a:r>
+            <a:r>
+              <a:rPr lang="en-US" altLang="zh-CN" sz="5400" b="1" dirty="0" smtClean="0">
+                <a:solidFill>
+                  <a:srgbClr val="660033"/>
+                </a:solidFill>
+                <a:latin typeface="微軟正黑體" pitchFamily="34" charset="-120"/>
+                <a:ea typeface="微軟正黑體" pitchFamily="34" charset="-120"/>
+              </a:rPr>
+              <a:t>  </a:t>
+            </a:r>
+            <a:r>
+              <a:rPr lang="zh-CN" altLang="en-US" sz="5400" b="1" dirty="0" smtClean="0">
+                <a:solidFill>
+                  <a:srgbClr val="660033"/>
+                </a:solidFill>
+                <a:latin typeface="微軟正黑體" pitchFamily="34" charset="-120"/>
+                <a:ea typeface="微軟正黑體" pitchFamily="34" charset="-120"/>
+              </a:rPr>
+              <a:t>也</a:t>
+            </a:r>
+            <a:r>
+              <a:rPr lang="zh-CN" altLang="en-US" sz="5400" b="1" dirty="0">
+                <a:solidFill>
+                  <a:srgbClr val="660033"/>
+                </a:solidFill>
+                <a:latin typeface="微軟正黑體" pitchFamily="34" charset="-120"/>
+                <a:ea typeface="微軟正黑體" pitchFamily="34" charset="-120"/>
+              </a:rPr>
+              <a:t>無雲霧迷漫</a:t>
+            </a:r>
+            <a:endParaRPr lang="en-US" altLang="zh-CN" sz="5400" b="1" dirty="0">
+              <a:solidFill>
+                <a:srgbClr val="660033"/>
+              </a:solidFill>
+              <a:latin typeface="微軟正黑體" pitchFamily="34" charset="-120"/>
+              <a:ea typeface="微軟正黑體" pitchFamily="34" charset="-120"/>
+            </a:endParaRPr>
+          </a:p>
+          <a:p>
+            <a:pPr algn="ctr">
+              <a:buNone/>
+            </a:pPr>
+            <a:r>
+              <a:rPr lang="zh-CN" altLang="en-US" sz="5400" b="1" dirty="0">
+                <a:solidFill>
+                  <a:srgbClr val="660033"/>
+                </a:solidFill>
+                <a:latin typeface="微軟正黑體" pitchFamily="34" charset="-120"/>
+                <a:ea typeface="微軟正黑體" pitchFamily="34" charset="-120"/>
+              </a:rPr>
+              <a:t>我主笑容使雲霧消</a:t>
+            </a:r>
+            <a:r>
+              <a:rPr lang="zh-CN" altLang="en-US" sz="5400" b="1" dirty="0" smtClean="0">
+                <a:solidFill>
+                  <a:srgbClr val="660033"/>
+                </a:solidFill>
+                <a:latin typeface="微軟正黑體" pitchFamily="34" charset="-120"/>
+                <a:ea typeface="微軟正黑體" pitchFamily="34" charset="-120"/>
+              </a:rPr>
+              <a:t>散</a:t>
             </a:r>
             <a:endParaRPr lang="en-US" altLang="zh-CN" sz="5400" b="1" dirty="0" smtClean="0">
               <a:solidFill>
@@ -3959,6 +3778,16 @@
               <a:buNone/>
             </a:pPr>
             <a:r>
+              <a:rPr lang="zh-CN" altLang="en-US" sz="5400" b="1" dirty="0">
+                <a:solidFill>
+                  <a:srgbClr val="660033"/>
+                </a:solidFill>
+                <a:latin typeface="微軟正黑體" pitchFamily="34" charset="-120"/>
+                <a:ea typeface="微軟正黑體" pitchFamily="34" charset="-120"/>
+              </a:rPr>
+              <a:t>無有疑惑畏</a:t>
+            </a:r>
+            <a:r>
               <a:rPr lang="zh-CN" altLang="en-US" sz="5400" b="1" dirty="0" smtClean="0">
                 <a:solidFill>
                   <a:srgbClr val="660033"/>
@@ -3966,8 +3795,72 @@
                 <a:latin typeface="微軟正黑體" pitchFamily="34" charset="-120"/>
                 <a:ea typeface="微軟正黑體" pitchFamily="34" charset="-120"/>
               </a:rPr>
-              <a:t>以外並無別法</a:t>
-            </a:r>
+              <a:t>懼</a:t>
+            </a:r>
+            <a:r>
+              <a:rPr lang="en-US" altLang="zh-CN" sz="5400" b="1" dirty="0" smtClean="0">
+                <a:solidFill>
+                  <a:srgbClr val="660033"/>
+                </a:solidFill>
+                <a:latin typeface="微軟正黑體" pitchFamily="34" charset="-120"/>
+                <a:ea typeface="微軟正黑體" pitchFamily="34" charset="-120"/>
+              </a:rPr>
+              <a:t>  </a:t>
+            </a:r>
+            <a:r>
+              <a:rPr lang="zh-CN" altLang="en-US" sz="5400" b="1" dirty="0" smtClean="0">
+                <a:solidFill>
+                  <a:srgbClr val="660033"/>
+                </a:solidFill>
+                <a:latin typeface="微軟正黑體" pitchFamily="34" charset="-120"/>
+                <a:ea typeface="微軟正黑體" pitchFamily="34" charset="-120"/>
+              </a:rPr>
+              <a:t>也</a:t>
+            </a:r>
+            <a:r>
+              <a:rPr lang="zh-CN" altLang="en-US" sz="5400" b="1" dirty="0">
+                <a:solidFill>
+                  <a:srgbClr val="660033"/>
+                </a:solidFill>
+                <a:latin typeface="微軟正黑體" pitchFamily="34" charset="-120"/>
+                <a:ea typeface="微軟正黑體" pitchFamily="34" charset="-120"/>
+              </a:rPr>
+              <a:t>無歎息憂慮</a:t>
+            </a:r>
+            <a:endParaRPr lang="en-US" altLang="zh-CN" sz="5400" b="1" dirty="0">
+              <a:solidFill>
+                <a:srgbClr val="660033"/>
+              </a:solidFill>
+              <a:latin typeface="微軟正黑體" pitchFamily="34" charset="-120"/>
+              <a:ea typeface="微軟正黑體" pitchFamily="34" charset="-120"/>
+            </a:endParaRPr>
+          </a:p>
+          <a:p>
+            <a:pPr algn="ctr">
+              <a:buNone/>
+            </a:pPr>
+            <a:r>
+              <a:rPr lang="zh-CN" altLang="en-US" sz="5400" b="1" dirty="0">
+                <a:solidFill>
+                  <a:srgbClr val="660033"/>
+                </a:solidFill>
+                <a:latin typeface="微軟正黑體" pitchFamily="34" charset="-120"/>
+                <a:ea typeface="微軟正黑體" pitchFamily="34" charset="-120"/>
+              </a:rPr>
+              <a:t>信靠順服人主永不棄</a:t>
+            </a:r>
+            <a:endParaRPr lang="zh-TW" altLang="en-US" sz="5400" b="1" dirty="0">
+              <a:solidFill>
+                <a:srgbClr val="660033"/>
+              </a:solidFill>
+              <a:latin typeface="微軟正黑體" pitchFamily="34" charset="-120"/>
+              <a:ea typeface="微軟正黑體" pitchFamily="34" charset="-120"/>
+            </a:endParaRPr>
+          </a:p>
+          <a:p>
+            <a:pPr algn="ctr">
+              <a:buNone/>
+            </a:pPr>
             <a:endParaRPr lang="en-US" altLang="zh-CN" sz="5400" b="1" dirty="0" smtClean="0">
               <a:solidFill>
                 <a:srgbClr val="660033"/>
@@ -3980,17 +3873,7 @@
             <a:pPr algn="ctr">
               <a:buNone/>
             </a:pPr>
-            <a:r>
-              <a:rPr lang="zh-CN" altLang="en-US" sz="5400" b="1" dirty="0" smtClean="0">
-                <a:solidFill>
-                  <a:srgbClr val="660033"/>
-                </a:solidFill>
-                <a:latin typeface="微軟正黑體" pitchFamily="34" charset="-120"/>
-                <a:ea typeface="微軟正黑體" pitchFamily="34" charset="-120"/>
-              </a:rPr>
-              <a:t>若要得耶穌喜樂</a:t>
-            </a:r>
-            <a:endParaRPr lang="en-US" altLang="zh-CN" sz="5400" b="1" dirty="0" smtClean="0">
+            <a:endParaRPr lang="zh-TW" altLang="en-US" sz="5400" b="1" dirty="0">
               <a:solidFill>
                 <a:srgbClr val="660033"/>
               </a:solidFill>
@@ -3998,21 +3881,41 @@
               <a:ea typeface="微軟正黑體" pitchFamily="34" charset="-120"/>
             </a:endParaRPr>
           </a:p>
-          <a:p>
-            <a:pPr algn="ctr">
-              <a:buNone/>
-            </a:pPr>
-            <a:r>
-              <a:rPr lang="zh-CN" altLang="en-US" sz="5400" b="1" dirty="0" smtClean="0">
-                <a:solidFill>
-                  <a:srgbClr val="660033"/>
-                </a:solidFill>
-                <a:latin typeface="微軟正黑體" pitchFamily="34" charset="-120"/>
-                <a:ea typeface="微軟正黑體" pitchFamily="34" charset="-120"/>
-              </a:rPr>
-              <a:t>必要信靠順服</a:t>
-            </a:r>
-            <a:endParaRPr lang="en-US" altLang="zh-CN" sz="5400" b="1" dirty="0" smtClean="0">
+        </p:txBody>
+      </p:sp>
+      <p:sp>
+        <p:nvSpPr>
+          <p:cNvPr id="2" name="TextBox 1"/>
+          <p:cNvSpPr txBox="1"/>
+          <p:nvPr/>
+        </p:nvSpPr>
+        <p:spPr>
+          <a:xfrm>
+            <a:off x="695400" y="1988840"/>
+            <a:ext cx="792088" cy="769441"/>
+          </a:xfrm>
+          <a:prstGeom prst="rect">
+            <a:avLst/>
+          </a:prstGeom>
+          <a:noFill/>
+        </p:spPr>
+        <p:txBody>
+          <a:bodyPr wrap="square" rtlCol="0">
+            <a:spAutoFit/>
+          </a:bodyPr>
+          <a:lstStyle/>
+          <a:p>
+            <a:r>
+              <a:rPr lang="en-US" sz="4400" b="1" dirty="0" smtClean="0">
+                <a:solidFill>
+                  <a:srgbClr val="660033"/>
+                </a:solidFill>
+                <a:latin typeface="微軟正黑體" pitchFamily="34" charset="-120"/>
+                <a:ea typeface="微軟正黑體" pitchFamily="34" charset="-120"/>
+              </a:rPr>
+              <a:t>2.</a:t>
+            </a:r>
+            <a:endParaRPr lang="vi-VN" sz="4400" b="1" dirty="0">
               <a:solidFill>
                 <a:srgbClr val="660033"/>
               </a:solidFill>
@@ -4023,6 +3926,11 @@
         </p:txBody>
       </p:sp>
     </p:spTree>
+    <p:extLst>
+      <p:ext uri="{BB962C8B-B14F-4D97-AF65-F5344CB8AC3E}">
+        <p14:creationId xmlns:p14="http://schemas.microsoft.com/office/powerpoint/2010/main" val="51011671"/>
+      </p:ext>
+    </p:extLst>
   </p:cSld>
   <p:clrMapOvr>
     <a:masterClrMapping/>
@@ -4057,13 +3965,20 @@
             <p:ph type="title"/>
           </p:nvPr>
         </p:nvSpPr>
-        <p:spPr/>
-        <p:txBody>
-          <a:bodyPr/>
-          <a:lstStyle/>
-          <a:p>
-            <a:r>
-              <a:rPr lang="zh-CN" altLang="en-US" b="1" dirty="0" smtClean="0">
+        <p:spPr>
+          <a:xfrm>
+            <a:off x="0" y="274638"/>
+            <a:ext cx="12192000" cy="1143000"/>
+          </a:xfrm>
+        </p:spPr>
+        <p:txBody>
+          <a:bodyPr>
+            <a:normAutofit/>
+          </a:bodyPr>
+          <a:lstStyle/>
+          <a:p>
+            <a:r>
+              <a:rPr lang="zh-CN" altLang="en-US" sz="4800" b="1" dirty="0" smtClean="0">
                 <a:solidFill>
                   <a:srgbClr val="660033"/>
                 </a:solidFill>
@@ -4072,7 +3987,7 @@
               </a:rPr>
               <a:t>信靠順服</a:t>
             </a:r>
-            <a:endParaRPr lang="zh-TW" altLang="en-US" b="1" dirty="0">
+            <a:endParaRPr lang="zh-TW" altLang="en-US" sz="4800" b="1" dirty="0">
               <a:solidFill>
                 <a:srgbClr val="660033"/>
               </a:solidFill>
@@ -4094,8 +4009,8 @@
         </p:nvSpPr>
         <p:spPr>
           <a:xfrm>
-            <a:off x="274320" y="2155704"/>
-            <a:ext cx="8595360" cy="2916370"/>
+            <a:off x="0" y="1844824"/>
+            <a:ext cx="12192000" cy="5013176"/>
           </a:xfrm>
         </p:spPr>
         <p:txBody>
@@ -4108,16 +4023,16 @@
               <a:buNone/>
             </a:pPr>
             <a:r>
-              <a:rPr lang="zh-CN" altLang="en-US" sz="5400" b="1" dirty="0" smtClean="0">
-                <a:solidFill>
-                  <a:srgbClr val="660033"/>
-                </a:solidFill>
-                <a:latin typeface="微軟正黑體" pitchFamily="34" charset="-120"/>
-                <a:ea typeface="微軟正黑體" pitchFamily="34" charset="-120"/>
-              </a:rPr>
-              <a:t>無有黑影遮暗</a:t>
-            </a:r>
-            <a:endParaRPr lang="en-US" altLang="zh-CN" sz="5400" b="1" dirty="0" smtClean="0">
+              <a:rPr lang="zh-CN" altLang="en-US" sz="5400" b="1" dirty="0">
+                <a:solidFill>
+                  <a:srgbClr val="660033"/>
+                </a:solidFill>
+                <a:latin typeface="微軟正黑體" pitchFamily="34" charset="-120"/>
+                <a:ea typeface="微軟正黑體" pitchFamily="34" charset="-120"/>
+              </a:rPr>
+              <a:t>信靠順服</a:t>
+            </a:r>
+            <a:endParaRPr lang="en-US" altLang="zh-CN" sz="5400" b="1" dirty="0">
               <a:solidFill>
                 <a:srgbClr val="660033"/>
               </a:solidFill>
@@ -4130,16 +4045,16 @@
               <a:buNone/>
             </a:pPr>
             <a:r>
-              <a:rPr lang="zh-CN" altLang="en-US" sz="5400" b="1" dirty="0" smtClean="0">
-                <a:solidFill>
-                  <a:srgbClr val="660033"/>
-                </a:solidFill>
-                <a:latin typeface="微軟正黑體" pitchFamily="34" charset="-120"/>
-                <a:ea typeface="微軟正黑體" pitchFamily="34" charset="-120"/>
-              </a:rPr>
-              <a:t>也無雲霧迷漫</a:t>
-            </a:r>
-            <a:endParaRPr lang="en-US" altLang="zh-CN" sz="5400" b="1" dirty="0" smtClean="0">
+              <a:rPr lang="zh-CN" altLang="en-US" sz="5400" b="1" dirty="0">
+                <a:solidFill>
+                  <a:srgbClr val="660033"/>
+                </a:solidFill>
+                <a:latin typeface="微軟正黑體" pitchFamily="34" charset="-120"/>
+                <a:ea typeface="微軟正黑體" pitchFamily="34" charset="-120"/>
+              </a:rPr>
+              <a:t>以外並無別法</a:t>
+            </a:r>
+            <a:endParaRPr lang="en-US" altLang="zh-CN" sz="5400" b="1" dirty="0">
               <a:solidFill>
                 <a:srgbClr val="660033"/>
               </a:solidFill>
@@ -4152,16 +4067,16 @@
               <a:buNone/>
             </a:pPr>
             <a:r>
-              <a:rPr lang="zh-CN" altLang="en-US" sz="5400" b="1" dirty="0" smtClean="0">
-                <a:solidFill>
-                  <a:srgbClr val="660033"/>
-                </a:solidFill>
-                <a:latin typeface="微軟正黑體" pitchFamily="34" charset="-120"/>
-                <a:ea typeface="微軟正黑體" pitchFamily="34" charset="-120"/>
-              </a:rPr>
-              <a:t>我主笑容使雲霧消散</a:t>
-            </a:r>
-            <a:endParaRPr lang="zh-TW" altLang="en-US" sz="5400" b="1" dirty="0">
+              <a:rPr lang="zh-CN" altLang="en-US" sz="5400" b="1" dirty="0">
+                <a:solidFill>
+                  <a:srgbClr val="660033"/>
+                </a:solidFill>
+                <a:latin typeface="微軟正黑體" pitchFamily="34" charset="-120"/>
+                <a:ea typeface="微軟正黑體" pitchFamily="34" charset="-120"/>
+              </a:rPr>
+              <a:t>若要得耶穌喜樂</a:t>
+            </a:r>
+            <a:endParaRPr lang="en-US" altLang="zh-CN" sz="5400" b="1" dirty="0">
               <a:solidFill>
                 <a:srgbClr val="660033"/>
               </a:solidFill>
@@ -4169,9 +4084,36 @@
               <a:ea typeface="微軟正黑體" pitchFamily="34" charset="-120"/>
             </a:endParaRPr>
           </a:p>
+          <a:p>
+            <a:pPr algn="ctr">
+              <a:buNone/>
+            </a:pPr>
+            <a:r>
+              <a:rPr lang="zh-CN" altLang="en-US" sz="5400" b="1" dirty="0">
+                <a:solidFill>
+                  <a:srgbClr val="660033"/>
+                </a:solidFill>
+                <a:latin typeface="微軟正黑體" pitchFamily="34" charset="-120"/>
+                <a:ea typeface="微軟正黑體" pitchFamily="34" charset="-120"/>
+              </a:rPr>
+              <a:t>必要信靠順服</a:t>
+            </a:r>
+            <a:endParaRPr lang="en-US" altLang="zh-CN" sz="5400" b="1" dirty="0">
+              <a:solidFill>
+                <a:srgbClr val="660033"/>
+              </a:solidFill>
+              <a:latin typeface="微軟正黑體" pitchFamily="34" charset="-120"/>
+              <a:ea typeface="微軟正黑體" pitchFamily="34" charset="-120"/>
+            </a:endParaRPr>
+          </a:p>
         </p:txBody>
       </p:sp>
     </p:spTree>
+    <p:extLst>
+      <p:ext uri="{BB962C8B-B14F-4D97-AF65-F5344CB8AC3E}">
+        <p14:creationId xmlns:p14="http://schemas.microsoft.com/office/powerpoint/2010/main" val="1768517536"/>
+      </p:ext>
+    </p:extLst>
   </p:cSld>
   <p:clrMapOvr>
     <a:masterClrMapping/>
@@ -4206,13 +4148,20 @@
             <p:ph type="title"/>
           </p:nvPr>
         </p:nvSpPr>
-        <p:spPr/>
-        <p:txBody>
-          <a:bodyPr/>
-          <a:lstStyle/>
-          <a:p>
-            <a:r>
-              <a:rPr lang="zh-CN" altLang="en-US" b="1" dirty="0" smtClean="0">
+        <p:spPr>
+          <a:xfrm>
+            <a:off x="0" y="274638"/>
+            <a:ext cx="12192000" cy="1143000"/>
+          </a:xfrm>
+        </p:spPr>
+        <p:txBody>
+          <a:bodyPr>
+            <a:normAutofit/>
+          </a:bodyPr>
+          <a:lstStyle/>
+          <a:p>
+            <a:r>
+              <a:rPr lang="zh-CN" altLang="en-US" sz="4800" b="1" dirty="0" smtClean="0">
                 <a:solidFill>
                   <a:srgbClr val="660033"/>
                 </a:solidFill>
@@ -4221,7 +4170,7 @@
               </a:rPr>
               <a:t>信靠順服</a:t>
             </a:r>
-            <a:endParaRPr lang="zh-TW" altLang="en-US" b="1" dirty="0">
+            <a:endParaRPr lang="zh-TW" altLang="en-US" sz="4800" b="1" dirty="0">
               <a:solidFill>
                 <a:srgbClr val="660033"/>
               </a:solidFill>
@@ -4243,8 +4192,8 @@
         </p:nvSpPr>
         <p:spPr>
           <a:xfrm>
-            <a:off x="274320" y="2155704"/>
-            <a:ext cx="8595360" cy="2916370"/>
+            <a:off x="0" y="1844824"/>
+            <a:ext cx="12192000" cy="5013176"/>
           </a:xfrm>
         </p:spPr>
         <p:txBody>
@@ -4257,6 +4206,16 @@
               <a:buNone/>
             </a:pPr>
             <a:r>
+              <a:rPr lang="zh-CN" altLang="en-US" sz="5400" b="1" dirty="0">
+                <a:solidFill>
+                  <a:srgbClr val="660033"/>
+                </a:solidFill>
+                <a:latin typeface="微軟正黑體" pitchFamily="34" charset="-120"/>
+                <a:ea typeface="微軟正黑體" pitchFamily="34" charset="-120"/>
+              </a:rPr>
+              <a:t>不要背負重</a:t>
+            </a:r>
+            <a:r>
               <a:rPr lang="zh-CN" altLang="en-US" sz="5400" b="1" dirty="0" smtClean="0">
                 <a:solidFill>
                   <a:srgbClr val="660033"/>
@@ -4264,7 +4223,69 @@
                 <a:latin typeface="微軟正黑體" pitchFamily="34" charset="-120"/>
                 <a:ea typeface="微軟正黑體" pitchFamily="34" charset="-120"/>
               </a:rPr>
-              <a:t>無有疑惑畏懼</a:t>
+              <a:t>擔</a:t>
+            </a:r>
+            <a:r>
+              <a:rPr lang="en-US" altLang="zh-CN" sz="5400" b="1" dirty="0" smtClean="0">
+                <a:solidFill>
+                  <a:srgbClr val="660033"/>
+                </a:solidFill>
+                <a:latin typeface="微軟正黑體" pitchFamily="34" charset="-120"/>
+                <a:ea typeface="微軟正黑體" pitchFamily="34" charset="-120"/>
+              </a:rPr>
+              <a:t>  </a:t>
+            </a:r>
+            <a:r>
+              <a:rPr lang="zh-CN" altLang="en-US" sz="5400" b="1" dirty="0" smtClean="0">
+                <a:solidFill>
+                  <a:srgbClr val="660033"/>
+                </a:solidFill>
+                <a:latin typeface="微軟正黑體" pitchFamily="34" charset="-120"/>
+                <a:ea typeface="微軟正黑體" pitchFamily="34" charset="-120"/>
+              </a:rPr>
+              <a:t>不</a:t>
+            </a:r>
+            <a:r>
+              <a:rPr lang="zh-CN" altLang="en-US" sz="5400" b="1" dirty="0">
+                <a:solidFill>
+                  <a:srgbClr val="660033"/>
+                </a:solidFill>
+                <a:latin typeface="微軟正黑體" pitchFamily="34" charset="-120"/>
+                <a:ea typeface="微軟正黑體" pitchFamily="34" charset="-120"/>
+              </a:rPr>
+              <a:t>要憂愁悲哀</a:t>
+            </a:r>
+            <a:endParaRPr lang="en-US" altLang="zh-CN" sz="5400" b="1" dirty="0">
+              <a:solidFill>
+                <a:srgbClr val="660033"/>
+              </a:solidFill>
+              <a:latin typeface="微軟正黑體" pitchFamily="34" charset="-120"/>
+              <a:ea typeface="微軟正黑體" pitchFamily="34" charset="-120"/>
+            </a:endParaRPr>
+          </a:p>
+          <a:p>
+            <a:pPr algn="ctr">
+              <a:buNone/>
+            </a:pPr>
+            <a:r>
+              <a:rPr lang="zh-CN" altLang="en-US" sz="5400" b="1" dirty="0">
+                <a:solidFill>
+                  <a:srgbClr val="660033"/>
+                </a:solidFill>
+                <a:latin typeface="微軟正黑體" pitchFamily="34" charset="-120"/>
+                <a:ea typeface="微軟正黑體" pitchFamily="34" charset="-120"/>
+              </a:rPr>
+              <a:t>一切勞苦主都能代</a:t>
+            </a:r>
+            <a:r>
+              <a:rPr lang="zh-CN" altLang="en-US" sz="5400" b="1" dirty="0" smtClean="0">
+                <a:solidFill>
+                  <a:srgbClr val="660033"/>
+                </a:solidFill>
+                <a:latin typeface="微軟正黑體" pitchFamily="34" charset="-120"/>
+                <a:ea typeface="微軟正黑體" pitchFamily="34" charset="-120"/>
+              </a:rPr>
+              <a:t>替</a:t>
             </a:r>
             <a:endParaRPr lang="en-US" altLang="zh-CN" sz="5400" b="1" dirty="0" smtClean="0">
               <a:solidFill>
@@ -4279,6 +4300,16 @@
               <a:buNone/>
             </a:pPr>
             <a:r>
+              <a:rPr lang="zh-CN" altLang="en-US" sz="5400" b="1" dirty="0">
+                <a:solidFill>
+                  <a:srgbClr val="660033"/>
+                </a:solidFill>
+                <a:latin typeface="微軟正黑體" pitchFamily="34" charset="-120"/>
+                <a:ea typeface="微軟正黑體" pitchFamily="34" charset="-120"/>
+              </a:rPr>
+              <a:t>無有傷心眼</a:t>
+            </a:r>
+            <a:r>
               <a:rPr lang="zh-CN" altLang="en-US" sz="5400" b="1" dirty="0" smtClean="0">
                 <a:solidFill>
                   <a:srgbClr val="660033"/>
@@ -4286,9 +4317,39 @@
                 <a:latin typeface="微軟正黑體" pitchFamily="34" charset="-120"/>
                 <a:ea typeface="微軟正黑體" pitchFamily="34" charset="-120"/>
               </a:rPr>
-              <a:t>也無歎息憂慮</a:t>
-            </a:r>
-            <a:endParaRPr lang="en-US" altLang="zh-CN" sz="5400" b="1" dirty="0" smtClean="0">
+              <a:t>淚</a:t>
+            </a:r>
+            <a:r>
+              <a:rPr lang="en-US" altLang="zh-CN" sz="5400" b="1" dirty="0" smtClean="0">
+                <a:solidFill>
+                  <a:srgbClr val="660033"/>
+                </a:solidFill>
+                <a:latin typeface="微軟正黑體" pitchFamily="34" charset="-120"/>
+                <a:ea typeface="微軟正黑體" pitchFamily="34" charset="-120"/>
+              </a:rPr>
+              <a:t>  </a:t>
+            </a:r>
+            <a:r>
+              <a:rPr lang="zh-CN" altLang="en-US" sz="5400" b="1" dirty="0" smtClean="0">
+                <a:solidFill>
+                  <a:srgbClr val="660033"/>
+                </a:solidFill>
+                <a:latin typeface="微軟正黑體" pitchFamily="34" charset="-120"/>
+                <a:ea typeface="微軟正黑體" pitchFamily="34" charset="-120"/>
+              </a:rPr>
+              <a:t>無</a:t>
+            </a:r>
+            <a:r>
+              <a:rPr lang="zh-CN" altLang="en-US" sz="5400" b="1" dirty="0">
+                <a:solidFill>
+                  <a:srgbClr val="660033"/>
+                </a:solidFill>
+                <a:latin typeface="微軟正黑體" pitchFamily="34" charset="-120"/>
+                <a:ea typeface="微軟正黑體" pitchFamily="34" charset="-120"/>
+              </a:rPr>
+              <a:t>有怨恨怒氣</a:t>
+            </a:r>
+            <a:endParaRPr lang="en-US" altLang="zh-CN" sz="5400" b="1" dirty="0">
               <a:solidFill>
                 <a:srgbClr val="660033"/>
               </a:solidFill>
@@ -4301,6 +4362,16 @@
               <a:buNone/>
             </a:pPr>
             <a:r>
+              <a:rPr lang="zh-CN" altLang="en-US" sz="5400" b="1" dirty="0">
+                <a:solidFill>
+                  <a:srgbClr val="660033"/>
+                </a:solidFill>
+                <a:latin typeface="微軟正黑體" pitchFamily="34" charset="-120"/>
+                <a:ea typeface="微軟正黑體" pitchFamily="34" charset="-120"/>
+              </a:rPr>
+              <a:t>信靠順服人全受福</a:t>
+            </a:r>
+            <a:r>
               <a:rPr lang="zh-CN" altLang="en-US" sz="5400" b="1" dirty="0" smtClean="0">
                 <a:solidFill>
                   <a:srgbClr val="660033"/>
@@ -4308,7 +4379,7 @@
                 <a:latin typeface="微軟正黑體" pitchFamily="34" charset="-120"/>
                 <a:ea typeface="微軟正黑體" pitchFamily="34" charset="-120"/>
               </a:rPr>
-              <a:t>信靠順服人主永不棄</a:t>
+              <a:t>氣</a:t>
             </a:r>
             <a:endParaRPr lang="zh-TW" altLang="en-US" sz="5400" b="1" dirty="0">
               <a:solidFill>
@@ -4320,7 +4391,64 @@
           </a:p>
         </p:txBody>
       </p:sp>
+      <p:sp>
+        <p:nvSpPr>
+          <p:cNvPr id="2" name="TextBox 1"/>
+          <p:cNvSpPr txBox="1"/>
+          <p:nvPr/>
+        </p:nvSpPr>
+        <p:spPr>
+          <a:xfrm>
+            <a:off x="695400" y="1988840"/>
+            <a:ext cx="792088" cy="769441"/>
+          </a:xfrm>
+          <a:prstGeom prst="rect">
+            <a:avLst/>
+          </a:prstGeom>
+          <a:noFill/>
+        </p:spPr>
+        <p:txBody>
+          <a:bodyPr wrap="square" rtlCol="0">
+            <a:spAutoFit/>
+          </a:bodyPr>
+          <a:lstStyle/>
+          <a:p>
+            <a:r>
+              <a:rPr lang="en-US" sz="4400" b="1" dirty="0">
+                <a:solidFill>
+                  <a:srgbClr val="660033"/>
+                </a:solidFill>
+                <a:latin typeface="微軟正黑體" pitchFamily="34" charset="-120"/>
+                <a:ea typeface="微軟正黑體" pitchFamily="34" charset="-120"/>
+              </a:rPr>
+              <a:t>3</a:t>
+            </a:r>
+            <a:r>
+              <a:rPr lang="en-US" sz="4400" b="1" dirty="0" smtClean="0">
+                <a:solidFill>
+                  <a:srgbClr val="660033"/>
+                </a:solidFill>
+                <a:latin typeface="微軟正黑體" pitchFamily="34" charset="-120"/>
+                <a:ea typeface="微軟正黑體" pitchFamily="34" charset="-120"/>
+              </a:rPr>
+              <a:t>.</a:t>
+            </a:r>
+            <a:endParaRPr lang="vi-VN" sz="4400" b="1" dirty="0">
+              <a:solidFill>
+                <a:srgbClr val="660033"/>
+              </a:solidFill>
+              <a:latin typeface="微軟正黑體" pitchFamily="34" charset="-120"/>
+              <a:ea typeface="微軟正黑體" pitchFamily="34" charset="-120"/>
+            </a:endParaRPr>
+          </a:p>
+        </p:txBody>
+      </p:sp>
     </p:spTree>
+    <p:extLst>
+      <p:ext uri="{BB962C8B-B14F-4D97-AF65-F5344CB8AC3E}">
+        <p14:creationId xmlns:p14="http://schemas.microsoft.com/office/powerpoint/2010/main" val="2031667674"/>
+      </p:ext>
+    </p:extLst>
   </p:cSld>
   <p:clrMapOvr>
     <a:masterClrMapping/>
@@ -4355,13 +4483,20 @@
             <p:ph type="title"/>
           </p:nvPr>
         </p:nvSpPr>
-        <p:spPr/>
-        <p:txBody>
-          <a:bodyPr/>
-          <a:lstStyle/>
-          <a:p>
-            <a:r>
-              <a:rPr lang="zh-CN" altLang="en-US" b="1" dirty="0" smtClean="0">
+        <p:spPr>
+          <a:xfrm>
+            <a:off x="0" y="274638"/>
+            <a:ext cx="12192000" cy="1143000"/>
+          </a:xfrm>
+        </p:spPr>
+        <p:txBody>
+          <a:bodyPr>
+            <a:normAutofit/>
+          </a:bodyPr>
+          <a:lstStyle/>
+          <a:p>
+            <a:r>
+              <a:rPr lang="zh-CN" altLang="en-US" sz="4800" b="1" dirty="0" smtClean="0">
                 <a:solidFill>
                   <a:srgbClr val="660033"/>
                 </a:solidFill>
@@ -4370,7 +4505,7 @@
               </a:rPr>
               <a:t>信靠順服</a:t>
             </a:r>
-            <a:endParaRPr lang="zh-TW" altLang="en-US" b="1" dirty="0">
+            <a:endParaRPr lang="zh-TW" altLang="en-US" sz="4800" b="1" dirty="0">
               <a:solidFill>
                 <a:srgbClr val="660033"/>
               </a:solidFill>
@@ -4392,8 +4527,8 @@
         </p:nvSpPr>
         <p:spPr>
           <a:xfrm>
-            <a:off x="274320" y="2155704"/>
-            <a:ext cx="8595360" cy="4273692"/>
+            <a:off x="0" y="1844824"/>
+            <a:ext cx="12192000" cy="5013176"/>
           </a:xfrm>
         </p:spPr>
         <p:txBody>
@@ -4406,7 +4541,7 @@
               <a:buNone/>
             </a:pPr>
             <a:r>
-              <a:rPr lang="zh-CN" altLang="en-US" sz="5400" b="1" dirty="0" smtClean="0">
+              <a:rPr lang="zh-CN" altLang="en-US" sz="5400" b="1" dirty="0">
                 <a:solidFill>
                   <a:srgbClr val="660033"/>
                 </a:solidFill>
@@ -4415,7 +4550,7 @@
               </a:rPr>
               <a:t>信靠順服</a:t>
             </a:r>
-            <a:endParaRPr lang="en-US" altLang="zh-CN" sz="5400" b="1" dirty="0" smtClean="0">
+            <a:endParaRPr lang="en-US" altLang="zh-CN" sz="5400" b="1" dirty="0">
               <a:solidFill>
                 <a:srgbClr val="660033"/>
               </a:solidFill>
@@ -4428,7 +4563,7 @@
               <a:buNone/>
             </a:pPr>
             <a:r>
-              <a:rPr lang="zh-CN" altLang="en-US" sz="5400" b="1" dirty="0" smtClean="0">
+              <a:rPr lang="zh-CN" altLang="en-US" sz="5400" b="1" dirty="0">
                 <a:solidFill>
                   <a:srgbClr val="660033"/>
                 </a:solidFill>
@@ -4437,7 +4572,7 @@
               </a:rPr>
               <a:t>以外並無別法</a:t>
             </a:r>
-            <a:endParaRPr lang="en-US" altLang="zh-CN" sz="5400" b="1" dirty="0" smtClean="0">
+            <a:endParaRPr lang="en-US" altLang="zh-CN" sz="5400" b="1" dirty="0">
               <a:solidFill>
                 <a:srgbClr val="660033"/>
               </a:solidFill>
@@ -4450,7 +4585,7 @@
               <a:buNone/>
             </a:pPr>
             <a:r>
-              <a:rPr lang="zh-CN" altLang="en-US" sz="5400" b="1" dirty="0" smtClean="0">
+              <a:rPr lang="zh-CN" altLang="en-US" sz="5400" b="1" dirty="0">
                 <a:solidFill>
                   <a:srgbClr val="660033"/>
                 </a:solidFill>
@@ -4459,7 +4594,7 @@
               </a:rPr>
               <a:t>若要得耶穌喜樂</a:t>
             </a:r>
-            <a:endParaRPr lang="en-US" altLang="zh-CN" sz="5400" b="1" dirty="0" smtClean="0">
+            <a:endParaRPr lang="en-US" altLang="zh-CN" sz="5400" b="1" dirty="0">
               <a:solidFill>
                 <a:srgbClr val="660033"/>
               </a:solidFill>
@@ -4472,7 +4607,7 @@
               <a:buNone/>
             </a:pPr>
             <a:r>
-              <a:rPr lang="zh-CN" altLang="en-US" sz="5400" b="1" dirty="0" smtClean="0">
+              <a:rPr lang="zh-CN" altLang="en-US" sz="5400" b="1" dirty="0">
                 <a:solidFill>
                   <a:srgbClr val="660033"/>
                 </a:solidFill>
@@ -4481,7 +4616,7 @@
               </a:rPr>
               <a:t>必要信靠順服</a:t>
             </a:r>
-            <a:endParaRPr lang="en-US" altLang="zh-CN" sz="5400" b="1" dirty="0" smtClean="0">
+            <a:endParaRPr lang="en-US" altLang="zh-CN" sz="5400" b="1" dirty="0">
               <a:solidFill>
                 <a:srgbClr val="660033"/>
               </a:solidFill>
@@ -4492,6 +4627,11 @@
         </p:txBody>
       </p:sp>
     </p:spTree>
+    <p:extLst>
+      <p:ext uri="{BB962C8B-B14F-4D97-AF65-F5344CB8AC3E}">
+        <p14:creationId xmlns:p14="http://schemas.microsoft.com/office/powerpoint/2010/main" val="4183943868"/>
+      </p:ext>
+    </p:extLst>
   </p:cSld>
   <p:clrMapOvr>
     <a:masterClrMapping/>
@@ -4526,13 +4666,20 @@
             <p:ph type="title"/>
           </p:nvPr>
         </p:nvSpPr>
-        <p:spPr/>
-        <p:txBody>
-          <a:bodyPr/>
-          <a:lstStyle/>
-          <a:p>
-            <a:r>
-              <a:rPr lang="zh-CN" altLang="en-US" b="1" dirty="0" smtClean="0">
+        <p:spPr>
+          <a:xfrm>
+            <a:off x="0" y="274638"/>
+            <a:ext cx="12192000" cy="1143000"/>
+          </a:xfrm>
+        </p:spPr>
+        <p:txBody>
+          <a:bodyPr>
+            <a:normAutofit/>
+          </a:bodyPr>
+          <a:lstStyle/>
+          <a:p>
+            <a:r>
+              <a:rPr lang="zh-CN" altLang="en-US" sz="4800" b="1" dirty="0" smtClean="0">
                 <a:solidFill>
                   <a:srgbClr val="660033"/>
                 </a:solidFill>
@@ -4541,7 +4688,7 @@
               </a:rPr>
               <a:t>信靠順服</a:t>
             </a:r>
-            <a:endParaRPr lang="zh-TW" altLang="en-US" b="1" dirty="0">
+            <a:endParaRPr lang="zh-TW" altLang="en-US" sz="4800" b="1" dirty="0">
               <a:solidFill>
                 <a:srgbClr val="660033"/>
               </a:solidFill>
@@ -4563,8 +4710,8 @@
         </p:nvSpPr>
         <p:spPr>
           <a:xfrm>
-            <a:off x="274320" y="2155704"/>
-            <a:ext cx="8595360" cy="2916370"/>
+            <a:off x="0" y="1844824"/>
+            <a:ext cx="12192000" cy="5013176"/>
           </a:xfrm>
         </p:spPr>
         <p:txBody>
@@ -4577,6 +4724,16 @@
               <a:buNone/>
             </a:pPr>
             <a:r>
+              <a:rPr lang="zh-CN" altLang="en-US" sz="5400" b="1" dirty="0">
+                <a:solidFill>
+                  <a:srgbClr val="660033"/>
+                </a:solidFill>
+                <a:latin typeface="微軟正黑體" pitchFamily="34" charset="-120"/>
+                <a:ea typeface="微軟正黑體" pitchFamily="34" charset="-120"/>
+              </a:rPr>
+              <a:t>主與我做朋</a:t>
+            </a:r>
+            <a:r>
               <a:rPr lang="zh-CN" altLang="en-US" sz="5400" b="1" dirty="0" smtClean="0">
                 <a:solidFill>
                   <a:srgbClr val="660033"/>
@@ -4584,7 +4741,69 @@
                 <a:latin typeface="微軟正黑體" pitchFamily="34" charset="-120"/>
                 <a:ea typeface="微軟正黑體" pitchFamily="34" charset="-120"/>
               </a:rPr>
-              <a:t>不要背負重擔</a:t>
+              <a:t>友</a:t>
+            </a:r>
+            <a:r>
+              <a:rPr lang="en-US" altLang="zh-CN" sz="5400" b="1" dirty="0" smtClean="0">
+                <a:solidFill>
+                  <a:srgbClr val="660033"/>
+                </a:solidFill>
+                <a:latin typeface="微軟正黑體" pitchFamily="34" charset="-120"/>
+                <a:ea typeface="微軟正黑體" pitchFamily="34" charset="-120"/>
+              </a:rPr>
+              <a:t>  </a:t>
+            </a:r>
+            <a:r>
+              <a:rPr lang="zh-CN" altLang="en-US" sz="5400" b="1" dirty="0" smtClean="0">
+                <a:solidFill>
+                  <a:srgbClr val="660033"/>
+                </a:solidFill>
+                <a:latin typeface="微軟正黑體" pitchFamily="34" charset="-120"/>
+                <a:ea typeface="微軟正黑體" pitchFamily="34" charset="-120"/>
+              </a:rPr>
+              <a:t>我</a:t>
+            </a:r>
+            <a:r>
+              <a:rPr lang="zh-CN" altLang="en-US" sz="5400" b="1" dirty="0">
+                <a:solidFill>
+                  <a:srgbClr val="660033"/>
+                </a:solidFill>
+                <a:latin typeface="微軟正黑體" pitchFamily="34" charset="-120"/>
+                <a:ea typeface="微軟正黑體" pitchFamily="34" charset="-120"/>
+              </a:rPr>
+              <a:t>可常向主求</a:t>
+            </a:r>
+            <a:endParaRPr lang="en-US" altLang="zh-CN" sz="5400" b="1" dirty="0">
+              <a:solidFill>
+                <a:srgbClr val="660033"/>
+              </a:solidFill>
+              <a:latin typeface="微軟正黑體" pitchFamily="34" charset="-120"/>
+              <a:ea typeface="微軟正黑體" pitchFamily="34" charset="-120"/>
+            </a:endParaRPr>
+          </a:p>
+          <a:p>
+            <a:pPr algn="ctr">
+              <a:buNone/>
+            </a:pPr>
+            <a:r>
+              <a:rPr lang="zh-CN" altLang="en-US" sz="5400" b="1" dirty="0">
+                <a:solidFill>
+                  <a:srgbClr val="660033"/>
+                </a:solidFill>
+                <a:latin typeface="微軟正黑體" pitchFamily="34" charset="-120"/>
+                <a:ea typeface="微軟正黑體" pitchFamily="34" charset="-120"/>
+              </a:rPr>
+              <a:t>救主攜我手一路同</a:t>
+            </a:r>
+            <a:r>
+              <a:rPr lang="zh-CN" altLang="en-US" sz="5400" b="1" dirty="0" smtClean="0">
+                <a:solidFill>
+                  <a:srgbClr val="660033"/>
+                </a:solidFill>
+                <a:latin typeface="微軟正黑體" pitchFamily="34" charset="-120"/>
+                <a:ea typeface="微軟正黑體" pitchFamily="34" charset="-120"/>
+              </a:rPr>
+              <a:t>走</a:t>
             </a:r>
             <a:endParaRPr lang="en-US" altLang="zh-CN" sz="5400" b="1" dirty="0" smtClean="0">
               <a:solidFill>
@@ -4599,6 +4818,16 @@
               <a:buNone/>
             </a:pPr>
             <a:r>
+              <a:rPr lang="zh-CN" altLang="en-US" sz="5400" b="1" dirty="0">
+                <a:solidFill>
+                  <a:srgbClr val="660033"/>
+                </a:solidFill>
+                <a:latin typeface="微軟正黑體" pitchFamily="34" charset="-120"/>
+                <a:ea typeface="微軟正黑體" pitchFamily="34" charset="-120"/>
+              </a:rPr>
+              <a:t>主吩咐我就</a:t>
+            </a:r>
+            <a:r>
               <a:rPr lang="zh-CN" altLang="en-US" sz="5400" b="1" dirty="0" smtClean="0">
                 <a:solidFill>
                   <a:srgbClr val="660033"/>
@@ -4606,9 +4835,29 @@
                 <a:latin typeface="微軟正黑體" pitchFamily="34" charset="-120"/>
                 <a:ea typeface="微軟正黑體" pitchFamily="34" charset="-120"/>
               </a:rPr>
-              <a:t>不要憂愁悲哀</a:t>
-            </a:r>
-            <a:endParaRPr lang="en-US" altLang="zh-CN" sz="5400" b="1" dirty="0" smtClean="0">
+              <a:t>遵  主</a:t>
+            </a:r>
+            <a:r>
+              <a:rPr lang="zh-CN" altLang="en-US" sz="5400" b="1" dirty="0">
+                <a:solidFill>
+                  <a:srgbClr val="660033"/>
+                </a:solidFill>
+                <a:latin typeface="微軟正黑體" pitchFamily="34" charset="-120"/>
+                <a:ea typeface="微軟正黑體" pitchFamily="34" charset="-120"/>
+              </a:rPr>
+              <a:t>差</a:t>
+            </a:r>
+            <a:r>
+              <a:rPr lang="zh-CN" altLang="en-US" sz="5400" b="1" dirty="0">
+                <a:solidFill>
+                  <a:srgbClr val="660033"/>
+                </a:solidFill>
+                <a:latin typeface="微軟正黑體" pitchFamily="34" charset="-120"/>
+                <a:ea typeface="微軟正黑體" pitchFamily="34" charset="-120"/>
+              </a:rPr>
+              <a:t>遣我就行</a:t>
+            </a:r>
+            <a:endParaRPr lang="en-US" altLang="zh-CN" sz="5400" b="1" dirty="0">
               <a:solidFill>
                 <a:srgbClr val="660033"/>
               </a:solidFill>
@@ -4621,14 +4870,14 @@
               <a:buNone/>
             </a:pPr>
             <a:r>
-              <a:rPr lang="zh-CN" altLang="en-US" sz="5400" b="1" dirty="0" smtClean="0">
-                <a:solidFill>
-                  <a:srgbClr val="660033"/>
-                </a:solidFill>
-                <a:latin typeface="微軟正黑體" pitchFamily="34" charset="-120"/>
-                <a:ea typeface="微軟正黑體" pitchFamily="34" charset="-120"/>
-              </a:rPr>
-              <a:t>一切勞苦主都能代替</a:t>
+              <a:rPr lang="zh-CN" altLang="en-US" sz="5400" b="1" dirty="0">
+                <a:solidFill>
+                  <a:srgbClr val="660033"/>
+                </a:solidFill>
+                <a:latin typeface="微軟正黑體" pitchFamily="34" charset="-120"/>
+                <a:ea typeface="微軟正黑體" pitchFamily="34" charset="-120"/>
+              </a:rPr>
+              <a:t>信靠順服人終必成就</a:t>
             </a:r>
             <a:endParaRPr lang="zh-TW" altLang="en-US" sz="5400" b="1" dirty="0">
               <a:solidFill>
@@ -4638,9 +4887,68 @@
               <a:ea typeface="微軟正黑體" pitchFamily="34" charset="-120"/>
             </a:endParaRPr>
           </a:p>
+          <a:p>
+            <a:pPr algn="ctr">
+              <a:buNone/>
+            </a:pPr>
+            <a:endParaRPr lang="zh-TW" altLang="en-US" sz="5400" b="1" dirty="0">
+              <a:solidFill>
+                <a:srgbClr val="660033"/>
+              </a:solidFill>
+              <a:latin typeface="微軟正黑體" pitchFamily="34" charset="-120"/>
+              <a:ea typeface="微軟正黑體" pitchFamily="34" charset="-120"/>
+            </a:endParaRPr>
+          </a:p>
+        </p:txBody>
+      </p:sp>
+      <p:sp>
+        <p:nvSpPr>
+          <p:cNvPr id="2" name="TextBox 1"/>
+          <p:cNvSpPr txBox="1"/>
+          <p:nvPr/>
+        </p:nvSpPr>
+        <p:spPr>
+          <a:xfrm>
+            <a:off x="695400" y="1988840"/>
+            <a:ext cx="792088" cy="769441"/>
+          </a:xfrm>
+          <a:prstGeom prst="rect">
+            <a:avLst/>
+          </a:prstGeom>
+          <a:noFill/>
+        </p:spPr>
+        <p:txBody>
+          <a:bodyPr wrap="square" rtlCol="0">
+            <a:spAutoFit/>
+          </a:bodyPr>
+          <a:lstStyle/>
+          <a:p>
+            <a:r>
+              <a:rPr lang="en-US" sz="4400" b="1" dirty="0" smtClean="0">
+                <a:solidFill>
+                  <a:srgbClr val="660033"/>
+                </a:solidFill>
+                <a:latin typeface="微軟正黑體" pitchFamily="34" charset="-120"/>
+                <a:ea typeface="微軟正黑體" pitchFamily="34" charset="-120"/>
+              </a:rPr>
+              <a:t>4.</a:t>
+            </a:r>
+            <a:endParaRPr lang="vi-VN" sz="4400" b="1" dirty="0">
+              <a:solidFill>
+                <a:srgbClr val="660033"/>
+              </a:solidFill>
+              <a:latin typeface="微軟正黑體" pitchFamily="34" charset="-120"/>
+              <a:ea typeface="微軟正黑體" pitchFamily="34" charset="-120"/>
+            </a:endParaRPr>
+          </a:p>
         </p:txBody>
       </p:sp>
     </p:spTree>
+    <p:extLst>
+      <p:ext uri="{BB962C8B-B14F-4D97-AF65-F5344CB8AC3E}">
+        <p14:creationId xmlns:p14="http://schemas.microsoft.com/office/powerpoint/2010/main" val="4024504617"/>
+      </p:ext>
+    </p:extLst>
   </p:cSld>
   <p:clrMapOvr>
     <a:masterClrMapping/>
@@ -4675,13 +4983,20 @@
             <p:ph type="title"/>
           </p:nvPr>
         </p:nvSpPr>
-        <p:spPr/>
-        <p:txBody>
-          <a:bodyPr/>
-          <a:lstStyle/>
-          <a:p>
-            <a:r>
-              <a:rPr lang="zh-CN" altLang="en-US" b="1" dirty="0" smtClean="0">
+        <p:spPr>
+          <a:xfrm>
+            <a:off x="0" y="274638"/>
+            <a:ext cx="12192000" cy="1143000"/>
+          </a:xfrm>
+        </p:spPr>
+        <p:txBody>
+          <a:bodyPr>
+            <a:normAutofit/>
+          </a:bodyPr>
+          <a:lstStyle/>
+          <a:p>
+            <a:r>
+              <a:rPr lang="zh-CN" altLang="en-US" sz="4800" b="1" dirty="0" smtClean="0">
                 <a:solidFill>
                   <a:srgbClr val="660033"/>
                 </a:solidFill>
@@ -4690,7 +5005,7 @@
               </a:rPr>
               <a:t>信靠順服</a:t>
             </a:r>
-            <a:endParaRPr lang="zh-TW" altLang="en-US" b="1" dirty="0">
+            <a:endParaRPr lang="zh-TW" altLang="en-US" sz="4800" b="1" dirty="0">
               <a:solidFill>
                 <a:srgbClr val="660033"/>
               </a:solidFill>
@@ -4712,8 +5027,8 @@
         </p:nvSpPr>
         <p:spPr>
           <a:xfrm>
-            <a:off x="274320" y="2155704"/>
-            <a:ext cx="8595360" cy="2916370"/>
+            <a:off x="0" y="1844824"/>
+            <a:ext cx="12192000" cy="5013176"/>
           </a:xfrm>
         </p:spPr>
         <p:txBody>
@@ -4726,16 +5041,16 @@
               <a:buNone/>
             </a:pPr>
             <a:r>
-              <a:rPr lang="zh-CN" altLang="en-US" sz="5400" b="1" dirty="0" smtClean="0">
-                <a:solidFill>
-                  <a:srgbClr val="660033"/>
-                </a:solidFill>
-                <a:latin typeface="微軟正黑體" pitchFamily="34" charset="-120"/>
-                <a:ea typeface="微軟正黑體" pitchFamily="34" charset="-120"/>
-              </a:rPr>
-              <a:t>無有傷心眼淚</a:t>
-            </a:r>
-            <a:endParaRPr lang="en-US" altLang="zh-CN" sz="5400" b="1" dirty="0" smtClean="0">
+              <a:rPr lang="zh-CN" altLang="en-US" sz="5400" b="1" dirty="0">
+                <a:solidFill>
+                  <a:srgbClr val="660033"/>
+                </a:solidFill>
+                <a:latin typeface="微軟正黑體" pitchFamily="34" charset="-120"/>
+                <a:ea typeface="微軟正黑體" pitchFamily="34" charset="-120"/>
+              </a:rPr>
+              <a:t>信靠順服</a:t>
+            </a:r>
+            <a:endParaRPr lang="en-US" altLang="zh-CN" sz="5400" b="1" dirty="0">
               <a:solidFill>
                 <a:srgbClr val="660033"/>
               </a:solidFill>
@@ -4748,16 +5063,16 @@
               <a:buNone/>
             </a:pPr>
             <a:r>
-              <a:rPr lang="zh-CN" altLang="en-US" sz="5400" b="1" dirty="0" smtClean="0">
-                <a:solidFill>
-                  <a:srgbClr val="660033"/>
-                </a:solidFill>
-                <a:latin typeface="微軟正黑體" pitchFamily="34" charset="-120"/>
-                <a:ea typeface="微軟正黑體" pitchFamily="34" charset="-120"/>
-              </a:rPr>
-              <a:t>無有怨恨怒氣</a:t>
-            </a:r>
-            <a:endParaRPr lang="en-US" altLang="zh-CN" sz="5400" b="1" dirty="0" smtClean="0">
+              <a:rPr lang="zh-CN" altLang="en-US" sz="5400" b="1" dirty="0">
+                <a:solidFill>
+                  <a:srgbClr val="660033"/>
+                </a:solidFill>
+                <a:latin typeface="微軟正黑體" pitchFamily="34" charset="-120"/>
+                <a:ea typeface="微軟正黑體" pitchFamily="34" charset="-120"/>
+              </a:rPr>
+              <a:t>以外並無別法</a:t>
+            </a:r>
+            <a:endParaRPr lang="en-US" altLang="zh-CN" sz="5400" b="1" dirty="0">
               <a:solidFill>
                 <a:srgbClr val="660033"/>
               </a:solidFill>
@@ -4770,16 +5085,16 @@
               <a:buNone/>
             </a:pPr>
             <a:r>
-              <a:rPr lang="zh-CN" altLang="en-US" sz="5400" b="1" dirty="0" smtClean="0">
-                <a:solidFill>
-                  <a:srgbClr val="660033"/>
-                </a:solidFill>
-                <a:latin typeface="微軟正黑體" pitchFamily="34" charset="-120"/>
-                <a:ea typeface="微軟正黑體" pitchFamily="34" charset="-120"/>
-              </a:rPr>
-              <a:t>信靠順服人全受福氣</a:t>
-            </a:r>
-            <a:endParaRPr lang="zh-TW" altLang="en-US" sz="5400" b="1" dirty="0">
+              <a:rPr lang="zh-CN" altLang="en-US" sz="5400" b="1" dirty="0">
+                <a:solidFill>
+                  <a:srgbClr val="660033"/>
+                </a:solidFill>
+                <a:latin typeface="微軟正黑體" pitchFamily="34" charset="-120"/>
+                <a:ea typeface="微軟正黑體" pitchFamily="34" charset="-120"/>
+              </a:rPr>
+              <a:t>若要得耶穌喜樂</a:t>
+            </a:r>
+            <a:endParaRPr lang="en-US" altLang="zh-CN" sz="5400" b="1" dirty="0">
               <a:solidFill>
                 <a:srgbClr val="660033"/>
               </a:solidFill>
@@ -4787,59 +5102,21 @@
               <a:ea typeface="微軟正黑體" pitchFamily="34" charset="-120"/>
             </a:endParaRPr>
           </a:p>
-        </p:txBody>
-      </p:sp>
-    </p:spTree>
-  </p:cSld>
-  <p:clrMapOvr>
-    <a:masterClrMapping/>
-  </p:clrMapOvr>
-</p:sld>
-</file>
-
-<file path=ppt/slides/slide9.xml><?xml version="1.0" encoding="utf-8"?>
-<p:sld xmlns:a="http://schemas.openxmlformats.org/drawingml/2006/main" xmlns:r="http://schemas.openxmlformats.org/officeDocument/2006/relationships" xmlns:p="http://schemas.openxmlformats.org/presentationml/2006/main">
-  <p:cSld>
-    <p:spTree>
-      <p:nvGrpSpPr>
-        <p:cNvPr id="1" name=""/>
-        <p:cNvGrpSpPr/>
-        <p:nvPr/>
-      </p:nvGrpSpPr>
-      <p:grpSpPr>
-        <a:xfrm>
-          <a:off x="0" y="0"/>
-          <a:ext cx="0" cy="0"/>
-          <a:chOff x="0" y="0"/>
-          <a:chExt cx="0" cy="0"/>
-        </a:xfrm>
-      </p:grpSpPr>
-      <p:sp>
-        <p:nvSpPr>
-          <p:cNvPr id="4" name="標題 3"/>
-          <p:cNvSpPr>
-            <a:spLocks noGrp="1"/>
-          </p:cNvSpPr>
-          <p:nvPr>
-            <p:ph type="title"/>
-          </p:nvPr>
-        </p:nvSpPr>
-        <p:spPr/>
-        <p:txBody>
-          <a:bodyPr/>
-          <a:lstStyle/>
-          <a:p>
-            <a:r>
-              <a:rPr lang="zh-CN" altLang="en-US" b="1" dirty="0" smtClean="0">
-                <a:solidFill>
-                  <a:srgbClr val="660033"/>
-                </a:solidFill>
-                <a:latin typeface="微軟正黑體" pitchFamily="34" charset="-120"/>
-                <a:ea typeface="微軟正黑體" pitchFamily="34" charset="-120"/>
-              </a:rPr>
-              <a:t>信靠順服</a:t>
-            </a:r>
-            <a:endParaRPr lang="zh-TW" altLang="en-US" b="1" dirty="0">
+          <a:p>
+            <a:pPr algn="ctr">
+              <a:buNone/>
+            </a:pPr>
+            <a:r>
+              <a:rPr lang="zh-CN" altLang="en-US" sz="5400" b="1" dirty="0">
+                <a:solidFill>
+                  <a:srgbClr val="660033"/>
+                </a:solidFill>
+                <a:latin typeface="微軟正黑體" pitchFamily="34" charset="-120"/>
+                <a:ea typeface="微軟正黑體" pitchFamily="34" charset="-120"/>
+              </a:rPr>
+              <a:t>必要信靠順服</a:t>
+            </a:r>
+            <a:endParaRPr lang="en-US" altLang="zh-CN" sz="5400" b="1" dirty="0">
               <a:solidFill>
                 <a:srgbClr val="660033"/>
               </a:solidFill>
@@ -4849,118 +5126,12 @@
           </a:p>
         </p:txBody>
       </p:sp>
-      <p:sp>
-        <p:nvSpPr>
-          <p:cNvPr id="5" name="內容版面配置區 4"/>
-          <p:cNvSpPr>
-            <a:spLocks noGrp="1"/>
-          </p:cNvSpPr>
-          <p:nvPr>
-            <p:ph idx="1"/>
-          </p:nvPr>
-        </p:nvSpPr>
-        <p:spPr>
-          <a:xfrm>
-            <a:off x="274320" y="2155704"/>
-            <a:ext cx="8595360" cy="4273692"/>
-          </a:xfrm>
-        </p:spPr>
-        <p:txBody>
-          <a:bodyPr>
-            <a:normAutofit/>
-          </a:bodyPr>
-          <a:lstStyle/>
-          <a:p>
-            <a:pPr algn="ctr">
-              <a:buNone/>
-            </a:pPr>
-            <a:r>
-              <a:rPr lang="zh-CN" altLang="en-US" sz="5400" b="1" dirty="0" smtClean="0">
-                <a:solidFill>
-                  <a:srgbClr val="660033"/>
-                </a:solidFill>
-                <a:latin typeface="微軟正黑體" pitchFamily="34" charset="-120"/>
-                <a:ea typeface="微軟正黑體" pitchFamily="34" charset="-120"/>
-              </a:rPr>
-              <a:t>信靠順服</a:t>
-            </a:r>
-            <a:endParaRPr lang="en-US" altLang="zh-CN" sz="5400" b="1" dirty="0" smtClean="0">
-              <a:solidFill>
-                <a:srgbClr val="660033"/>
-              </a:solidFill>
-              <a:latin typeface="微軟正黑體" pitchFamily="34" charset="-120"/>
-              <a:ea typeface="微軟正黑體" pitchFamily="34" charset="-120"/>
-            </a:endParaRPr>
-          </a:p>
-          <a:p>
-            <a:pPr algn="ctr">
-              <a:buNone/>
-            </a:pPr>
-            <a:r>
-              <a:rPr lang="zh-CN" altLang="en-US" sz="5400" b="1" dirty="0" smtClean="0">
-                <a:solidFill>
-                  <a:srgbClr val="660033"/>
-                </a:solidFill>
-                <a:latin typeface="微軟正黑體" pitchFamily="34" charset="-120"/>
-                <a:ea typeface="微軟正黑體" pitchFamily="34" charset="-120"/>
-              </a:rPr>
-              <a:t>以外並無別法</a:t>
-            </a:r>
-            <a:endParaRPr lang="en-US" altLang="zh-CN" sz="5400" b="1" dirty="0" smtClean="0">
-              <a:solidFill>
-                <a:srgbClr val="660033"/>
-              </a:solidFill>
-              <a:latin typeface="微軟正黑體" pitchFamily="34" charset="-120"/>
-              <a:ea typeface="微軟正黑體" pitchFamily="34" charset="-120"/>
-            </a:endParaRPr>
-          </a:p>
-          <a:p>
-            <a:pPr algn="ctr">
-              <a:buNone/>
-            </a:pPr>
-            <a:r>
-              <a:rPr lang="zh-CN" altLang="en-US" sz="5400" b="1" dirty="0" smtClean="0">
-                <a:solidFill>
-                  <a:srgbClr val="660033"/>
-                </a:solidFill>
-                <a:latin typeface="微軟正黑體" pitchFamily="34" charset="-120"/>
-                <a:ea typeface="微軟正黑體" pitchFamily="34" charset="-120"/>
-              </a:rPr>
-              <a:t>若要得耶穌喜樂</a:t>
-            </a:r>
-            <a:endParaRPr lang="en-US" altLang="zh-CN" sz="5400" b="1" dirty="0" smtClean="0">
-              <a:solidFill>
-                <a:srgbClr val="660033"/>
-              </a:solidFill>
-              <a:latin typeface="微軟正黑體" pitchFamily="34" charset="-120"/>
-              <a:ea typeface="微軟正黑體" pitchFamily="34" charset="-120"/>
-            </a:endParaRPr>
-          </a:p>
-          <a:p>
-            <a:pPr algn="ctr">
-              <a:buNone/>
-            </a:pPr>
-            <a:r>
-              <a:rPr lang="zh-CN" altLang="en-US" sz="5400" b="1" dirty="0" smtClean="0">
-                <a:solidFill>
-                  <a:srgbClr val="660033"/>
-                </a:solidFill>
-                <a:latin typeface="微軟正黑體" pitchFamily="34" charset="-120"/>
-                <a:ea typeface="微軟正黑體" pitchFamily="34" charset="-120"/>
-              </a:rPr>
-              <a:t>必要信靠順服</a:t>
-            </a:r>
-            <a:endParaRPr lang="en-US" altLang="zh-CN" sz="5400" b="1" dirty="0" smtClean="0">
-              <a:solidFill>
-                <a:srgbClr val="660033"/>
-              </a:solidFill>
-              <a:latin typeface="微軟正黑體" pitchFamily="34" charset="-120"/>
-              <a:ea typeface="微軟正黑體" pitchFamily="34" charset="-120"/>
-            </a:endParaRPr>
-          </a:p>
-        </p:txBody>
-      </p:sp>
     </p:spTree>
+    <p:extLst>
+      <p:ext uri="{BB962C8B-B14F-4D97-AF65-F5344CB8AC3E}">
+        <p14:creationId xmlns:p14="http://schemas.microsoft.com/office/powerpoint/2010/main" val="2787054117"/>
+      </p:ext>
+    </p:extLst>
   </p:cSld>
   <p:clrMapOvr>
     <a:masterClrMapping/>
